--- a/技术交流报告.pptx
+++ b/技术交流报告.pptx
@@ -5,7 +5,7 @@
     <p:sldMasterId id="2147483648" r:id="rId1"/>
   </p:sldMasterIdLst>
   <p:notesMasterIdLst>
-    <p:notesMasterId r:id="rId30"/>
+    <p:notesMasterId r:id="rId32"/>
   </p:notesMasterIdLst>
   <p:sldIdLst>
     <p:sldId id="279" r:id="rId2"/>
@@ -30,12 +30,14 @@
     <p:sldId id="501" r:id="rId21"/>
     <p:sldId id="502" r:id="rId22"/>
     <p:sldId id="503" r:id="rId23"/>
-    <p:sldId id="504" r:id="rId24"/>
-    <p:sldId id="506" r:id="rId25"/>
-    <p:sldId id="507" r:id="rId26"/>
-    <p:sldId id="508" r:id="rId27"/>
-    <p:sldId id="509" r:id="rId28"/>
-    <p:sldId id="314" r:id="rId29"/>
+    <p:sldId id="513" r:id="rId24"/>
+    <p:sldId id="504" r:id="rId25"/>
+    <p:sldId id="506" r:id="rId26"/>
+    <p:sldId id="507" r:id="rId27"/>
+    <p:sldId id="508" r:id="rId28"/>
+    <p:sldId id="509" r:id="rId29"/>
+    <p:sldId id="514" r:id="rId30"/>
+    <p:sldId id="314" r:id="rId31"/>
   </p:sldIdLst>
   <p:sldSz cx="12192000" cy="6858000"/>
   <p:notesSz cx="6858000" cy="9144000"/>
@@ -161,11 +163,13 @@
             <p14:sldId id="501"/>
             <p14:sldId id="502"/>
             <p14:sldId id="503"/>
+            <p14:sldId id="513"/>
             <p14:sldId id="504"/>
             <p14:sldId id="506"/>
             <p14:sldId id="507"/>
             <p14:sldId id="508"/>
             <p14:sldId id="509"/>
+            <p14:sldId id="514"/>
             <p14:sldId id="314"/>
           </p14:sldIdLst>
         </p14:section>
@@ -282,7 +286,7 @@
           <a:p>
             <a:fld id="{DE75668F-B37B-164D-A62C-3FF5A8BC808F}" type="datetimeFigureOut">
               <a:rPr lang="en-US" smtClean="0"/>
-              <a:t>8/13/22</a:t>
+              <a:t>8/14/22</a:t>
             </a:fld>
             <a:endParaRPr lang="en-US"/>
           </a:p>
@@ -1144,6 +1148,35 @@
           <a:bodyPr/>
           <a:lstStyle/>
           <a:p>
+            <a:r>
+              <a:rPr lang="en-US" altLang="zh-CN" sz="2400" dirty="0" err="1"/>
+              <a:t>Qemu</a:t>
+            </a:r>
+            <a:r>
+              <a:rPr lang="zh-CN" altLang="en-US" sz="2400" dirty="0"/>
+              <a:t>工作文档</a:t>
+            </a:r>
+            <a:r>
+              <a:rPr lang="en-US" altLang="zh-CN" sz="2400" dirty="0"/>
+              <a:t>:</a:t>
+            </a:r>
+            <a:r>
+              <a:rPr lang="zh-CN" altLang="en-US" sz="2400" dirty="0"/>
+              <a:t> </a:t>
+            </a:r>
+            <a:r>
+              <a:rPr lang="en-US" altLang="zh-CN" sz="1200" b="0" i="0" u="sng" kern="1200" dirty="0">
+                <a:solidFill>
+                  <a:schemeClr val="tx1"/>
+                </a:solidFill>
+                <a:effectLst/>
+                <a:latin typeface="+mn-lt"/>
+                <a:ea typeface="+mn-ea"/>
+                <a:cs typeface="+mn-cs"/>
+                <a:hlinkClick r:id="rId3"/>
+              </a:rPr>
+              <a:t>https://github.com/OS-F-4/usr-intr/blob/main/ppt/qemu%E5%B7%A5%E4%BD%9C%E6%96%87%E6%A1%A3%E5%88%86%E5%9D%97/%E9%97%AE%E9%A2%98%E4%BB%A5%E5%8F%8A%E6%8E%A2%E7%A9%B6%E8%BF%87%E7%A8%8B.md</a:t>
+            </a:r>
             <a:endParaRPr lang="en-US" altLang="zh-CN" sz="2400" dirty="0"/>
           </a:p>
         </p:txBody>
@@ -1227,6 +1260,61 @@
         <p:txBody>
           <a:bodyPr/>
           <a:lstStyle/>
+          <a:p>
+            <a:pPr marL="0" marR="0" lvl="0" indent="0" algn="l" defTabSz="914400" rtl="0" eaLnBrk="1" fontAlgn="auto" latinLnBrk="0" hangingPunct="1">
+              <a:lnSpc>
+                <a:spcPct val="100000"/>
+              </a:lnSpc>
+              <a:spcBef>
+                <a:spcPts val="0"/>
+              </a:spcBef>
+              <a:spcAft>
+                <a:spcPts val="0"/>
+              </a:spcAft>
+              <a:buClrTx/>
+              <a:buSzTx/>
+              <a:buFontTx/>
+              <a:buNone/>
+              <a:tabLst/>
+              <a:defRPr/>
+            </a:pPr>
+            <a:r>
+              <a:rPr lang="en-US" altLang="zh-CN" sz="2400" dirty="0" err="1"/>
+              <a:t>Qemu</a:t>
+            </a:r>
+            <a:r>
+              <a:rPr lang="zh-CN" altLang="en-US" sz="2400" dirty="0"/>
+              <a:t>工作文档</a:t>
+            </a:r>
+            <a:r>
+              <a:rPr lang="en-US" altLang="zh-CN" sz="2400" dirty="0"/>
+              <a:t>:</a:t>
+            </a:r>
+            <a:r>
+              <a:rPr lang="zh-CN" altLang="en-US" sz="2400" dirty="0"/>
+              <a:t> </a:t>
+            </a:r>
+            <a:r>
+              <a:rPr lang="en-US" altLang="zh-CN" sz="2400" dirty="0"/>
+              <a:t>https://</a:t>
+            </a:r>
+            <a:r>
+              <a:rPr lang="en-US" altLang="zh-CN" sz="2400" dirty="0" err="1"/>
+              <a:t>github.com</a:t>
+            </a:r>
+            <a:r>
+              <a:rPr lang="en-US" altLang="zh-CN" sz="2400" dirty="0"/>
+              <a:t>/OS-F-4/</a:t>
+            </a:r>
+            <a:r>
+              <a:rPr lang="en-US" altLang="zh-CN" sz="2400" dirty="0" err="1"/>
+              <a:t>usr-intr</a:t>
+            </a:r>
+            <a:r>
+              <a:rPr lang="en-US" altLang="zh-CN" sz="2400" dirty="0"/>
+              <a:t>/blob/main/ppt/qemu%E5%B7%A5%E4%BD%9C%E6%96%87%E6%A1%A3%E5%88%86%E5%9D%97/%E9%97%AE%E9%A2%98%E4%BB%A5%E5%8F%8A%E6%8E%A2%E7%A9%B6%E8%BF%87%E7%A8%8B.md</a:t>
+            </a:r>
+          </a:p>
           <a:p>
             <a:endParaRPr lang="en-US" altLang="zh-CN" sz="2400" dirty="0"/>
           </a:p>
@@ -2044,7 +2132,7 @@
     </p:spTree>
     <p:extLst>
       <p:ext uri="{BB962C8B-B14F-4D97-AF65-F5344CB8AC3E}">
-        <p14:creationId xmlns:p14="http://schemas.microsoft.com/office/powerpoint/2010/main" val="748477178"/>
+        <p14:creationId xmlns:p14="http://schemas.microsoft.com/office/powerpoint/2010/main" val="1573118794"/>
       </p:ext>
     </p:extLst>
   </p:cSld>
@@ -2133,7 +2221,7 @@
     </p:spTree>
     <p:extLst>
       <p:ext uri="{BB962C8B-B14F-4D97-AF65-F5344CB8AC3E}">
-        <p14:creationId xmlns:p14="http://schemas.microsoft.com/office/powerpoint/2010/main" val="3203567465"/>
+        <p14:creationId xmlns:p14="http://schemas.microsoft.com/office/powerpoint/2010/main" val="748477178"/>
       </p:ext>
     </p:extLst>
   </p:cSld>
@@ -2192,6 +2280,31 @@
           <a:bodyPr/>
           <a:lstStyle/>
           <a:p>
+            <a:r>
+              <a:rPr lang="zh-CN" altLang="en-US" sz="2400" dirty="0"/>
+              <a:t>内核实现</a:t>
+            </a:r>
+            <a:r>
+              <a:rPr lang="en-US" altLang="zh-CN" sz="2400" dirty="0"/>
+              <a:t>:</a:t>
+            </a:r>
+            <a:r>
+              <a:rPr lang="zh-CN" altLang="en-US" sz="2400" dirty="0"/>
+              <a:t> </a:t>
+            </a:r>
+            <a:r>
+              <a:rPr lang="en-US" altLang="zh-CN" sz="1200" b="0" i="0" u="sng" kern="1200" dirty="0">
+                <a:solidFill>
+                  <a:schemeClr val="tx1"/>
+                </a:solidFill>
+                <a:effectLst/>
+                <a:latin typeface="+mn-lt"/>
+                <a:ea typeface="+mn-ea"/>
+                <a:cs typeface="+mn-cs"/>
+                <a:hlinkClick r:id="rId3"/>
+              </a:rPr>
+              <a:t>https://github.com/OS-F-4/uintr-linux-kernel/tree/uring</a:t>
+            </a:r>
             <a:endParaRPr lang="en-US" altLang="zh-CN" sz="2400" dirty="0"/>
           </a:p>
         </p:txBody>
@@ -2222,7 +2335,7 @@
     </p:spTree>
     <p:extLst>
       <p:ext uri="{BB962C8B-B14F-4D97-AF65-F5344CB8AC3E}">
-        <p14:creationId xmlns:p14="http://schemas.microsoft.com/office/powerpoint/2010/main" val="84390450"/>
+        <p14:creationId xmlns:p14="http://schemas.microsoft.com/office/powerpoint/2010/main" val="3203567465"/>
       </p:ext>
     </p:extLst>
   </p:cSld>
@@ -2311,7 +2424,7 @@
     </p:spTree>
     <p:extLst>
       <p:ext uri="{BB962C8B-B14F-4D97-AF65-F5344CB8AC3E}">
-        <p14:creationId xmlns:p14="http://schemas.microsoft.com/office/powerpoint/2010/main" val="974355239"/>
+        <p14:creationId xmlns:p14="http://schemas.microsoft.com/office/powerpoint/2010/main" val="84390450"/>
       </p:ext>
     </p:extLst>
   </p:cSld>
@@ -2400,7 +2513,7 @@
     </p:spTree>
     <p:extLst>
       <p:ext uri="{BB962C8B-B14F-4D97-AF65-F5344CB8AC3E}">
-        <p14:creationId xmlns:p14="http://schemas.microsoft.com/office/powerpoint/2010/main" val="2245788917"/>
+        <p14:creationId xmlns:p14="http://schemas.microsoft.com/office/powerpoint/2010/main" val="974355239"/>
       </p:ext>
     </p:extLst>
   </p:cSld>
@@ -2459,7 +2572,34 @@
           <a:bodyPr/>
           <a:lstStyle/>
           <a:p>
-            <a:endParaRPr kumimoji="1" lang="zh-CN" altLang="en-US" sz="2400" dirty="0"/>
+            <a:r>
+              <a:rPr lang="en-US" altLang="zh-CN" sz="2400" dirty="0"/>
+              <a:t>https://</a:t>
+            </a:r>
+            <a:r>
+              <a:rPr lang="en-US" altLang="zh-CN" sz="2400" dirty="0" err="1"/>
+              <a:t>arthurchiao.art</a:t>
+            </a:r>
+            <a:r>
+              <a:rPr lang="en-US" altLang="zh-CN" sz="2400" dirty="0"/>
+              <a:t>/blog/intro-to-io-</a:t>
+            </a:r>
+            <a:r>
+              <a:rPr lang="en-US" altLang="zh-CN" sz="2400" dirty="0" err="1"/>
+              <a:t>uring</a:t>
+            </a:r>
+            <a:r>
+              <a:rPr lang="en-US" altLang="zh-CN" sz="2400" dirty="0"/>
+              <a:t>-</a:t>
+            </a:r>
+            <a:r>
+              <a:rPr lang="en-US" altLang="zh-CN" sz="2400" dirty="0" err="1"/>
+              <a:t>zh</a:t>
+            </a:r>
+            <a:r>
+              <a:rPr lang="en-US" altLang="zh-CN" sz="2400" dirty="0"/>
+              <a:t>/</a:t>
+            </a:r>
           </a:p>
         </p:txBody>
       </p:sp>
@@ -2487,6 +2627,127 @@
         </p:txBody>
       </p:sp>
     </p:spTree>
+    <p:extLst>
+      <p:ext uri="{BB962C8B-B14F-4D97-AF65-F5344CB8AC3E}">
+        <p14:creationId xmlns:p14="http://schemas.microsoft.com/office/powerpoint/2010/main" val="2245788917"/>
+      </p:ext>
+    </p:extLst>
+  </p:cSld>
+  <p:clrMapOvr>
+    <a:masterClrMapping/>
+  </p:clrMapOvr>
+</p:notes>
+</file>
+
+<file path=ppt/notesSlides/notesSlide29.xml><?xml version="1.0" encoding="utf-8"?>
+<p:notes xmlns:a="http://schemas.openxmlformats.org/drawingml/2006/main" xmlns:r="http://schemas.openxmlformats.org/officeDocument/2006/relationships" xmlns:p="http://schemas.openxmlformats.org/presentationml/2006/main">
+  <p:cSld>
+    <p:spTree>
+      <p:nvGrpSpPr>
+        <p:cNvPr id="1" name=""/>
+        <p:cNvGrpSpPr/>
+        <p:nvPr/>
+      </p:nvGrpSpPr>
+      <p:grpSpPr>
+        <a:xfrm>
+          <a:off x="0" y="0"/>
+          <a:ext cx="0" cy="0"/>
+          <a:chOff x="0" y="0"/>
+          <a:chExt cx="0" cy="0"/>
+        </a:xfrm>
+      </p:grpSpPr>
+      <p:sp>
+        <p:nvSpPr>
+          <p:cNvPr id="2" name="幻灯片图像占位符 1"/>
+          <p:cNvSpPr>
+            <a:spLocks noGrp="1" noRot="1" noChangeAspect="1"/>
+          </p:cNvSpPr>
+          <p:nvPr>
+            <p:ph type="sldImg"/>
+          </p:nvPr>
+        </p:nvSpPr>
+        <p:spPr>
+          <a:xfrm>
+            <a:off x="685800" y="1143000"/>
+            <a:ext cx="5486400" cy="3086100"/>
+          </a:xfrm>
+        </p:spPr>
+      </p:sp>
+      <p:sp>
+        <p:nvSpPr>
+          <p:cNvPr id="3" name="备注占位符 2"/>
+          <p:cNvSpPr>
+            <a:spLocks noGrp="1"/>
+          </p:cNvSpPr>
+          <p:nvPr>
+            <p:ph type="body" idx="1"/>
+          </p:nvPr>
+        </p:nvSpPr>
+        <p:spPr/>
+        <p:txBody>
+          <a:bodyPr/>
+          <a:lstStyle/>
+          <a:p>
+            <a:r>
+              <a:rPr lang="en-US" altLang="zh-CN" sz="2400" dirty="0"/>
+              <a:t>https://</a:t>
+            </a:r>
+            <a:r>
+              <a:rPr lang="en-US" altLang="zh-CN" sz="2400" dirty="0" err="1"/>
+              <a:t>arthurchiao.art</a:t>
+            </a:r>
+            <a:r>
+              <a:rPr lang="en-US" altLang="zh-CN" sz="2400" dirty="0"/>
+              <a:t>/blog/intro-to-io-</a:t>
+            </a:r>
+            <a:r>
+              <a:rPr lang="en-US" altLang="zh-CN" sz="2400" dirty="0" err="1"/>
+              <a:t>uring</a:t>
+            </a:r>
+            <a:r>
+              <a:rPr lang="en-US" altLang="zh-CN" sz="2400" dirty="0"/>
+              <a:t>-</a:t>
+            </a:r>
+            <a:r>
+              <a:rPr lang="en-US" altLang="zh-CN" sz="2400" dirty="0" err="1"/>
+              <a:t>zh</a:t>
+            </a:r>
+            <a:r>
+              <a:rPr lang="en-US" altLang="zh-CN" sz="2400" dirty="0"/>
+              <a:t>/</a:t>
+            </a:r>
+          </a:p>
+        </p:txBody>
+      </p:sp>
+      <p:sp>
+        <p:nvSpPr>
+          <p:cNvPr id="4" name="幻灯片编号占位符 3"/>
+          <p:cNvSpPr>
+            <a:spLocks noGrp="1"/>
+          </p:cNvSpPr>
+          <p:nvPr>
+            <p:ph type="sldNum" sz="quarter" idx="10"/>
+          </p:nvPr>
+        </p:nvSpPr>
+        <p:spPr/>
+        <p:txBody>
+          <a:bodyPr/>
+          <a:lstStyle/>
+          <a:p>
+            <a:fld id="{09FAC59A-2554-7441-A138-FBAFD49FADCF}" type="slidenum">
+              <a:rPr lang="en-US" smtClean="0"/>
+              <a:t>29</a:t>
+            </a:fld>
+            <a:endParaRPr lang="en-US"/>
+          </a:p>
+        </p:txBody>
+      </p:sp>
+    </p:spTree>
+    <p:extLst>
+      <p:ext uri="{BB962C8B-B14F-4D97-AF65-F5344CB8AC3E}">
+        <p14:creationId xmlns:p14="http://schemas.microsoft.com/office/powerpoint/2010/main" val="4125307757"/>
+      </p:ext>
+    </p:extLst>
   </p:cSld>
   <p:clrMapOvr>
     <a:masterClrMapping/>
@@ -2576,6 +2837,90 @@
         <p14:creationId xmlns:p14="http://schemas.microsoft.com/office/powerpoint/2010/main" val="2040385336"/>
       </p:ext>
     </p:extLst>
+  </p:cSld>
+  <p:clrMapOvr>
+    <a:masterClrMapping/>
+  </p:clrMapOvr>
+</p:notes>
+</file>
+
+<file path=ppt/notesSlides/notesSlide30.xml><?xml version="1.0" encoding="utf-8"?>
+<p:notes xmlns:a="http://schemas.openxmlformats.org/drawingml/2006/main" xmlns:r="http://schemas.openxmlformats.org/officeDocument/2006/relationships" xmlns:p="http://schemas.openxmlformats.org/presentationml/2006/main">
+  <p:cSld>
+    <p:spTree>
+      <p:nvGrpSpPr>
+        <p:cNvPr id="1" name=""/>
+        <p:cNvGrpSpPr/>
+        <p:nvPr/>
+      </p:nvGrpSpPr>
+      <p:grpSpPr>
+        <a:xfrm>
+          <a:off x="0" y="0"/>
+          <a:ext cx="0" cy="0"/>
+          <a:chOff x="0" y="0"/>
+          <a:chExt cx="0" cy="0"/>
+        </a:xfrm>
+      </p:grpSpPr>
+      <p:sp>
+        <p:nvSpPr>
+          <p:cNvPr id="2" name="幻灯片图像占位符 1"/>
+          <p:cNvSpPr>
+            <a:spLocks noGrp="1" noRot="1" noChangeAspect="1"/>
+          </p:cNvSpPr>
+          <p:nvPr>
+            <p:ph type="sldImg"/>
+          </p:nvPr>
+        </p:nvSpPr>
+        <p:spPr>
+          <a:xfrm>
+            <a:off x="685800" y="1143000"/>
+            <a:ext cx="5486400" cy="3086100"/>
+          </a:xfrm>
+        </p:spPr>
+      </p:sp>
+      <p:sp>
+        <p:nvSpPr>
+          <p:cNvPr id="3" name="备注占位符 2"/>
+          <p:cNvSpPr>
+            <a:spLocks noGrp="1"/>
+          </p:cNvSpPr>
+          <p:nvPr>
+            <p:ph type="body" idx="1"/>
+          </p:nvPr>
+        </p:nvSpPr>
+        <p:spPr/>
+        <p:txBody>
+          <a:bodyPr/>
+          <a:lstStyle/>
+          <a:p>
+            <a:endParaRPr kumimoji="1" lang="zh-CN" altLang="en-US" sz="2400" dirty="0"/>
+          </a:p>
+        </p:txBody>
+      </p:sp>
+      <p:sp>
+        <p:nvSpPr>
+          <p:cNvPr id="4" name="幻灯片编号占位符 3"/>
+          <p:cNvSpPr>
+            <a:spLocks noGrp="1"/>
+          </p:cNvSpPr>
+          <p:nvPr>
+            <p:ph type="sldNum" sz="quarter" idx="10"/>
+          </p:nvPr>
+        </p:nvSpPr>
+        <p:spPr/>
+        <p:txBody>
+          <a:bodyPr/>
+          <a:lstStyle/>
+          <a:p>
+            <a:fld id="{09FAC59A-2554-7441-A138-FBAFD49FADCF}" type="slidenum">
+              <a:rPr lang="en-US" smtClean="0"/>
+              <a:t>30</a:t>
+            </a:fld>
+            <a:endParaRPr lang="en-US"/>
+          </a:p>
+        </p:txBody>
+      </p:sp>
+    </p:spTree>
   </p:cSld>
   <p:clrMapOvr>
     <a:masterClrMapping/>
@@ -3495,7 +3840,7 @@
           <a:p>
             <a:fld id="{CE875574-B30F-E946-8A30-5D40B09C42BE}" type="datetimeFigureOut">
               <a:rPr lang="en-US" smtClean="0"/>
-              <a:t>8/13/22</a:t>
+              <a:t>8/14/22</a:t>
             </a:fld>
             <a:endParaRPr lang="en-US"/>
           </a:p>
@@ -3660,7 +4005,7 @@
           <a:p>
             <a:fld id="{CE875574-B30F-E946-8A30-5D40B09C42BE}" type="datetimeFigureOut">
               <a:rPr lang="en-US" smtClean="0"/>
-              <a:t>8/13/22</a:t>
+              <a:t>8/14/22</a:t>
             </a:fld>
             <a:endParaRPr lang="en-US"/>
           </a:p>
@@ -3835,7 +4180,7 @@
           <a:p>
             <a:fld id="{CE875574-B30F-E946-8A30-5D40B09C42BE}" type="datetimeFigureOut">
               <a:rPr lang="en-US" smtClean="0"/>
-              <a:t>8/13/22</a:t>
+              <a:t>8/14/22</a:t>
             </a:fld>
             <a:endParaRPr lang="en-US"/>
           </a:p>
@@ -4075,7 +4420,7 @@
           <a:p>
             <a:fld id="{CE875574-B30F-E946-8A30-5D40B09C42BE}" type="datetimeFigureOut">
               <a:rPr lang="en-US" smtClean="0"/>
-              <a:t>8/13/22</a:t>
+              <a:t>8/14/22</a:t>
             </a:fld>
             <a:endParaRPr lang="en-US"/>
           </a:p>
@@ -4316,7 +4661,7 @@
           <a:p>
             <a:fld id="{CE875574-B30F-E946-8A30-5D40B09C42BE}" type="datetimeFigureOut">
               <a:rPr lang="en-US" smtClean="0"/>
-              <a:t>8/13/22</a:t>
+              <a:t>8/14/22</a:t>
             </a:fld>
             <a:endParaRPr lang="en-US"/>
           </a:p>
@@ -4543,7 +4888,7 @@
           <a:p>
             <a:fld id="{CE875574-B30F-E946-8A30-5D40B09C42BE}" type="datetimeFigureOut">
               <a:rPr lang="en-US" smtClean="0"/>
-              <a:t>8/13/22</a:t>
+              <a:t>8/14/22</a:t>
             </a:fld>
             <a:endParaRPr lang="en-US"/>
           </a:p>
@@ -4905,7 +5250,7 @@
           <a:p>
             <a:fld id="{CE875574-B30F-E946-8A30-5D40B09C42BE}" type="datetimeFigureOut">
               <a:rPr lang="en-US" smtClean="0"/>
-              <a:t>8/13/22</a:t>
+              <a:t>8/14/22</a:t>
             </a:fld>
             <a:endParaRPr lang="en-US"/>
           </a:p>
@@ -5018,7 +5363,7 @@
           <a:p>
             <a:fld id="{CE875574-B30F-E946-8A30-5D40B09C42BE}" type="datetimeFigureOut">
               <a:rPr lang="en-US" smtClean="0"/>
-              <a:t>8/13/22</a:t>
+              <a:t>8/14/22</a:t>
             </a:fld>
             <a:endParaRPr lang="en-US"/>
           </a:p>
@@ -5108,7 +5453,7 @@
           <a:p>
             <a:fld id="{CE875574-B30F-E946-8A30-5D40B09C42BE}" type="datetimeFigureOut">
               <a:rPr lang="en-US" smtClean="0"/>
-              <a:t>8/13/22</a:t>
+              <a:t>8/14/22</a:t>
             </a:fld>
             <a:endParaRPr lang="en-US"/>
           </a:p>
@@ -5380,7 +5725,7 @@
           <a:p>
             <a:fld id="{CE875574-B30F-E946-8A30-5D40B09C42BE}" type="datetimeFigureOut">
               <a:rPr lang="en-US" smtClean="0"/>
-              <a:t>8/13/22</a:t>
+              <a:t>8/14/22</a:t>
             </a:fld>
             <a:endParaRPr lang="en-US"/>
           </a:p>
@@ -5632,7 +5977,7 @@
           <a:p>
             <a:fld id="{CE875574-B30F-E946-8A30-5D40B09C42BE}" type="datetimeFigureOut">
               <a:rPr lang="en-US" smtClean="0"/>
-              <a:t>8/13/22</a:t>
+              <a:t>8/14/22</a:t>
             </a:fld>
             <a:endParaRPr lang="en-US"/>
           </a:p>
@@ -5840,7 +6185,7 @@
           <a:p>
             <a:fld id="{CE875574-B30F-E946-8A30-5D40B09C42BE}" type="datetimeFigureOut">
               <a:rPr lang="en-US" smtClean="0"/>
-              <a:t>8/13/22</a:t>
+              <a:t>8/14/22</a:t>
             </a:fld>
             <a:endParaRPr lang="en-US"/>
           </a:p>
@@ -13456,8 +13801,40 @@
               </a:rPr>
               <a:t>docker run -it uintr/demo</a:t>
             </a:r>
+          </a:p>
+          <a:p>
+            <a:pPr lvl="1"/>
+            <a:r>
+              <a:rPr lang="en-US" altLang="zh-CN" dirty="0">
+                <a:latin typeface="Consolas" panose="020B0609020204030204" pitchFamily="49" charset="0"/>
+                <a:cs typeface="Consolas" panose="020B0609020204030204" pitchFamily="49" charset="0"/>
+              </a:rPr>
+              <a:t>https://</a:t>
+            </a:r>
+            <a:r>
+              <a:rPr lang="en-US" altLang="zh-CN" dirty="0" err="1">
+                <a:latin typeface="Consolas" panose="020B0609020204030204" pitchFamily="49" charset="0"/>
+                <a:cs typeface="Consolas" panose="020B0609020204030204" pitchFamily="49" charset="0"/>
+              </a:rPr>
+              <a:t>github.com</a:t>
+            </a:r>
+            <a:r>
+              <a:rPr lang="en-US" altLang="zh-CN" dirty="0">
+                <a:latin typeface="Consolas" panose="020B0609020204030204" pitchFamily="49" charset="0"/>
+                <a:cs typeface="Consolas" panose="020B0609020204030204" pitchFamily="49" charset="0"/>
+              </a:rPr>
+              <a:t>/OS-F-4/</a:t>
+            </a:r>
+            <a:r>
+              <a:rPr lang="en-US" altLang="zh-CN" dirty="0" err="1">
+                <a:latin typeface="Consolas" panose="020B0609020204030204" pitchFamily="49" charset="0"/>
+                <a:cs typeface="Consolas" panose="020B0609020204030204" pitchFamily="49" charset="0"/>
+              </a:rPr>
+              <a:t>qemu-uintr</a:t>
+            </a:r>
             <a:endParaRPr lang="en-US" altLang="zh-CN" dirty="0">
-              <a:latin typeface="+mn-ea"/>
+              <a:latin typeface="Consolas" panose="020B0609020204030204" pitchFamily="49" charset="0"/>
+              <a:cs typeface="Consolas" panose="020B0609020204030204" pitchFamily="49" charset="0"/>
             </a:endParaRPr>
           </a:p>
         </p:txBody>
@@ -19746,7 +20123,7 @@
                 <a:latin typeface="思源宋体 Medium" panose="02020500000000000000" pitchFamily="18" charset="-122"/>
                 <a:ea typeface="思源宋体 Medium" panose="02020500000000000000" pitchFamily="18" charset="-122"/>
               </a:rPr>
-              <a:t>异步系统调用背景</a:t>
+              <a:t>系统调用和进程间通信的关系</a:t>
             </a:r>
           </a:p>
         </p:txBody>
@@ -20219,54 +20596,28 @@
           </a:lstStyle>
           <a:p>
             <a:r>
+              <a:rPr lang="en-US" altLang="zh-CN" sz="2400" dirty="0" err="1">
+                <a:sym typeface="+mn-ea"/>
+              </a:rPr>
+              <a:t>Uintr</a:t>
+            </a:r>
+            <a:r>
+              <a:rPr lang="zh-CN" altLang="en-US" sz="2400" dirty="0">
+                <a:sym typeface="+mn-ea"/>
+              </a:rPr>
+              <a:t> 为</a:t>
+            </a:r>
+            <a:r>
               <a:rPr lang="en-US" altLang="zh-CN" sz="2400" dirty="0">
                 <a:sym typeface="+mn-ea"/>
               </a:rPr>
-              <a:t>Why</a:t>
+              <a:t>IPC</a:t>
             </a:r>
             <a:r>
               <a:rPr lang="zh-CN" altLang="en-US" sz="2400" dirty="0">
                 <a:sym typeface="+mn-ea"/>
               </a:rPr>
-              <a:t> 异步</a:t>
-            </a:r>
-            <a:r>
-              <a:rPr lang="en-US" altLang="zh-CN" sz="2400" dirty="0">
-                <a:sym typeface="+mn-ea"/>
-              </a:rPr>
-              <a:t>?</a:t>
-            </a:r>
-          </a:p>
-          <a:p>
-            <a:r>
-              <a:rPr lang="zh-CN" altLang="en-US" sz="2400" dirty="0">
-                <a:sym typeface="+mn-ea"/>
-              </a:rPr>
-              <a:t>随着互联网上数据量的不断增大</a:t>
-            </a:r>
-            <a:r>
-              <a:rPr lang="en-US" altLang="zh-CN" sz="2400" dirty="0">
-                <a:sym typeface="+mn-ea"/>
-              </a:rPr>
-              <a:t>,</a:t>
-            </a:r>
-            <a:r>
-              <a:rPr lang="zh-CN" altLang="en-US" sz="2400" dirty="0">
-                <a:sym typeface="+mn-ea"/>
-              </a:rPr>
-              <a:t> 如何让高并发且</a:t>
-            </a:r>
-            <a:r>
-              <a:rPr lang="en-US" altLang="zh-CN" sz="2400" dirty="0">
-                <a:sym typeface="+mn-ea"/>
-              </a:rPr>
-              <a:t>IO</a:t>
-            </a:r>
-            <a:r>
-              <a:rPr lang="zh-CN" altLang="en-US" sz="2400" dirty="0">
-                <a:sym typeface="+mn-ea"/>
-              </a:rPr>
-              <a:t>密集的程序更高效的工作变得格外重要。</a:t>
+              <a:t>提供了双向的通知机制，实现进程间通信</a:t>
             </a:r>
             <a:endParaRPr lang="en-US" altLang="zh-CN" sz="2400" dirty="0">
               <a:sym typeface="+mn-ea"/>
@@ -20277,19 +20628,19 @@
               <a:rPr lang="zh-CN" altLang="en-US" sz="2400" dirty="0">
                 <a:sym typeface="+mn-ea"/>
               </a:rPr>
-              <a:t>经典的阻塞</a:t>
+              <a:t>在内核页表隔离的情况下</a:t>
             </a:r>
             <a:r>
               <a:rPr lang="en-US" altLang="zh-CN" sz="2400" dirty="0">
                 <a:sym typeface="+mn-ea"/>
               </a:rPr>
-              <a:t>IO</a:t>
+              <a:t>,</a:t>
             </a:r>
             <a:r>
               <a:rPr lang="zh-CN" altLang="en-US" sz="2400" dirty="0">
                 <a:sym typeface="+mn-ea"/>
               </a:rPr>
-              <a:t>或者系统调用显然不能满足对性能的需求。</a:t>
+              <a:t> 内核也可以看成广义的进程</a:t>
             </a:r>
             <a:endParaRPr lang="en-US" altLang="zh-CN" sz="2400" dirty="0">
               <a:sym typeface="+mn-ea"/>
@@ -20300,19 +20651,19 @@
               <a:rPr lang="zh-CN" altLang="en-US" sz="2400" dirty="0">
                 <a:sym typeface="+mn-ea"/>
               </a:rPr>
-              <a:t>纯粹的同步并行并不能处理海量的数据</a:t>
-            </a:r>
-            <a:r>
-              <a:rPr lang="en-US" altLang="zh-CN" sz="2400" dirty="0">
+              <a:t>同步</a:t>
+            </a:r>
+            <a:r>
+              <a:rPr lang="en-US" altLang="zh-CN" sz="2400" dirty="0" err="1">
                 <a:sym typeface="+mn-ea"/>
               </a:rPr>
-              <a:t>,</a:t>
+              <a:t>syscall</a:t>
             </a:r>
             <a:r>
               <a:rPr lang="zh-CN" altLang="en-US" sz="2400" dirty="0">
                 <a:sym typeface="+mn-ea"/>
               </a:rPr>
-              <a:t> 并且线程的堆栈以及切换开销很大。</a:t>
+              <a:t>指令本身就是一种类似中断的通知机制</a:t>
             </a:r>
             <a:endParaRPr lang="en-US" altLang="zh-CN" sz="2400" dirty="0">
               <a:sym typeface="+mn-ea"/>
@@ -20323,102 +20674,95 @@
               <a:rPr lang="zh-CN" altLang="en-US" sz="2400" dirty="0">
                 <a:sym typeface="+mn-ea"/>
               </a:rPr>
-              <a:t>异步的本质是使得</a:t>
+              <a:t>传统的</a:t>
             </a:r>
             <a:r>
               <a:rPr lang="en-US" altLang="zh-CN" sz="2400" dirty="0" err="1">
                 <a:sym typeface="+mn-ea"/>
               </a:rPr>
-              <a:t>cpu</a:t>
+              <a:t>syscall</a:t>
             </a:r>
             <a:r>
               <a:rPr lang="zh-CN" altLang="en-US" sz="2400" dirty="0">
                 <a:sym typeface="+mn-ea"/>
               </a:rPr>
-              <a:t>任务和非</a:t>
-            </a:r>
-            <a:r>
-              <a:rPr lang="en-US" altLang="zh-CN" sz="2400" dirty="0" err="1">
+              <a:t>是同步的</a:t>
+            </a:r>
+            <a:r>
+              <a:rPr lang="en-US" altLang="zh-CN" sz="2400" dirty="0">
                 <a:sym typeface="+mn-ea"/>
               </a:rPr>
-              <a:t>cpu</a:t>
+              <a:t>,</a:t>
             </a:r>
             <a:r>
               <a:rPr lang="zh-CN" altLang="en-US" sz="2400" dirty="0">
                 <a:sym typeface="+mn-ea"/>
               </a:rPr>
-              <a:t>任务分离</a:t>
-            </a:r>
-            <a:r>
-              <a:rPr lang="en-US" altLang="zh-CN" sz="2400" dirty="0">
-                <a:sym typeface="+mn-ea"/>
-              </a:rPr>
-              <a:t>,</a:t>
-            </a:r>
-            <a:r>
-              <a:rPr lang="zh-CN" altLang="en-US" sz="2400" dirty="0">
-                <a:sym typeface="+mn-ea"/>
-              </a:rPr>
-              <a:t> 从而更好地提高</a:t>
-            </a:r>
-            <a:r>
-              <a:rPr lang="en-US" altLang="zh-CN" sz="2400" dirty="0" err="1">
-                <a:sym typeface="+mn-ea"/>
-              </a:rPr>
-              <a:t>cpu</a:t>
-            </a:r>
-            <a:r>
-              <a:rPr lang="zh-CN" altLang="en-US" sz="2400" dirty="0">
-                <a:sym typeface="+mn-ea"/>
-              </a:rPr>
-              <a:t>和其他设备的利用率</a:t>
+              <a:t> 单向的</a:t>
             </a:r>
             <a:endParaRPr lang="en-US" altLang="zh-CN" sz="2400" dirty="0">
               <a:sym typeface="+mn-ea"/>
             </a:endParaRPr>
           </a:p>
           <a:p>
+            <a:r>
+              <a:rPr lang="zh-CN" altLang="en-US" sz="2400" dirty="0">
+                <a:sym typeface="+mn-ea"/>
+              </a:rPr>
+              <a:t>如果内核能用利用</a:t>
+            </a:r>
+            <a:r>
+              <a:rPr lang="en-US" altLang="zh-CN" sz="2400" dirty="0" err="1">
+                <a:sym typeface="+mn-ea"/>
+              </a:rPr>
+              <a:t>uintr</a:t>
+            </a:r>
+            <a:r>
+              <a:rPr lang="zh-CN" altLang="en-US" sz="2400" dirty="0">
+                <a:sym typeface="+mn-ea"/>
+              </a:rPr>
+              <a:t>通知机制作为系统调用的返回</a:t>
+            </a:r>
+            <a:r>
+              <a:rPr lang="en-US" altLang="zh-CN" sz="2400" dirty="0">
+                <a:sym typeface="+mn-ea"/>
+              </a:rPr>
+              <a:t>?</a:t>
+            </a:r>
+          </a:p>
+          <a:p>
+            <a:r>
+              <a:rPr lang="zh-CN" altLang="en-US" sz="2400" dirty="0">
+                <a:sym typeface="+mn-ea"/>
+              </a:rPr>
+              <a:t>双向通知</a:t>
+            </a:r>
+            <a:r>
+              <a:rPr lang="en-US" altLang="zh-CN" sz="2400" dirty="0">
+                <a:sym typeface="+mn-ea"/>
+              </a:rPr>
+              <a:t>,</a:t>
+            </a:r>
+            <a:r>
+              <a:rPr lang="zh-CN" altLang="en-US" sz="2400" dirty="0">
+                <a:sym typeface="+mn-ea"/>
+              </a:rPr>
+              <a:t> 异步编程</a:t>
+            </a:r>
+            <a:r>
+              <a:rPr lang="en-US" altLang="zh-CN" sz="2400" dirty="0">
+                <a:sym typeface="+mn-ea"/>
+              </a:rPr>
+              <a:t>/io?</a:t>
+            </a:r>
+          </a:p>
+          <a:p>
             <a:endParaRPr lang="en-US" altLang="zh-CN" sz="2400" dirty="0">
               <a:sym typeface="+mn-ea"/>
             </a:endParaRPr>
           </a:p>
-          <a:p>
-            <a:endParaRPr lang="en-US" altLang="zh-CN" sz="2400" dirty="0">
-              <a:sym typeface="+mn-ea"/>
-            </a:endParaRPr>
-          </a:p>
         </p:txBody>
       </p:sp>
-      <p:pic>
-        <p:nvPicPr>
-          <p:cNvPr id="5" name="图片 4">
-            <a:extLst>
-              <a:ext uri="{FF2B5EF4-FFF2-40B4-BE49-F238E27FC236}">
-                <a16:creationId xmlns:a16="http://schemas.microsoft.com/office/drawing/2014/main" id="{DFFB32D4-BEAD-6040-B138-900AECA919BA}"/>
-              </a:ext>
-            </a:extLst>
-          </p:cNvPr>
-          <p:cNvPicPr>
-            <a:picLocks noChangeAspect="1"/>
-          </p:cNvPicPr>
-          <p:nvPr/>
-        </p:nvPicPr>
-        <p:blipFill>
-          <a:blip r:embed="rId4"/>
-          <a:stretch>
-            <a:fillRect/>
-          </a:stretch>
-        </p:blipFill>
-        <p:spPr>
-          <a:xfrm>
-            <a:off x="4054021" y="4126706"/>
-            <a:ext cx="2822301" cy="2467498"/>
-          </a:xfrm>
-          <a:prstGeom prst="rect">
-            <a:avLst/>
-          </a:prstGeom>
-        </p:spPr>
-      </p:pic>
     </p:spTree>
     <p:extLst>
       <p:ext uri="{BB962C8B-B14F-4D97-AF65-F5344CB8AC3E}">
@@ -20494,7 +20838,7 @@
                 <a:latin typeface="思源宋体 Medium" panose="02020500000000000000" pitchFamily="18" charset="-122"/>
                 <a:ea typeface="思源宋体 Medium" panose="02020500000000000000" pitchFamily="18" charset="-122"/>
               </a:rPr>
-              <a:t>同步</a:t>
+              <a:t>异步编程</a:t>
             </a:r>
             <a:r>
               <a:rPr lang="en-US" altLang="zh-CN" sz="4000" b="1" dirty="0">
@@ -20504,7 +20848,7 @@
                 <a:latin typeface="思源宋体 Medium" panose="02020500000000000000" pitchFamily="18" charset="-122"/>
                 <a:ea typeface="思源宋体 Medium" panose="02020500000000000000" pitchFamily="18" charset="-122"/>
               </a:rPr>
-              <a:t>/</a:t>
+              <a:t>/IO</a:t>
             </a:r>
             <a:r>
               <a:rPr lang="zh-CN" altLang="en-US" sz="4000" b="1" dirty="0">
@@ -20514,27 +20858,7 @@
                 <a:latin typeface="思源宋体 Medium" panose="02020500000000000000" pitchFamily="18" charset="-122"/>
                 <a:ea typeface="思源宋体 Medium" panose="02020500000000000000" pitchFamily="18" charset="-122"/>
               </a:rPr>
-              <a:t>异步</a:t>
-            </a:r>
-            <a:r>
-              <a:rPr lang="en-US" altLang="zh-CN" sz="4000" b="1" dirty="0">
-                <a:solidFill>
-                  <a:srgbClr val="704F95"/>
-                </a:solidFill>
-                <a:latin typeface="思源宋体 Medium" panose="02020500000000000000" pitchFamily="18" charset="-122"/>
-                <a:ea typeface="思源宋体 Medium" panose="02020500000000000000" pitchFamily="18" charset="-122"/>
-              </a:rPr>
-              <a:t>IO</a:t>
-            </a:r>
-            <a:r>
-              <a:rPr lang="zh-CN" altLang="en-US" sz="4000" b="1" dirty="0">
-                <a:solidFill>
-                  <a:srgbClr val="704F95"/>
-                </a:solidFill>
-                <a:latin typeface="思源宋体 Medium" panose="02020500000000000000" pitchFamily="18" charset="-122"/>
-                <a:ea typeface="思源宋体 Medium" panose="02020500000000000000" pitchFamily="18" charset="-122"/>
-              </a:rPr>
-              <a:t>分类</a:t>
+              <a:t>背景</a:t>
             </a:r>
           </a:p>
         </p:txBody>
@@ -20830,7 +21154,7 @@
         </p:nvSpPr>
         <p:spPr>
           <a:xfrm>
-            <a:off x="871414" y="1476059"/>
+            <a:off x="804986" y="1476059"/>
             <a:ext cx="10515600" cy="5301295"/>
           </a:xfrm>
           <a:prstGeom prst="rect">
@@ -21007,150 +21331,102 @@
           </a:lstStyle>
           <a:p>
             <a:r>
+              <a:rPr lang="en-US" altLang="zh-CN" sz="2400" dirty="0">
+                <a:sym typeface="+mn-ea"/>
+              </a:rPr>
+              <a:t>Why</a:t>
+            </a:r>
+            <a:r>
               <a:rPr lang="zh-CN" altLang="en-US" sz="2400" dirty="0">
                 <a:sym typeface="+mn-ea"/>
               </a:rPr>
-              <a:t>同步阻塞：例如 </a:t>
+              <a:t> 异步</a:t>
             </a:r>
             <a:r>
               <a:rPr lang="en-US" altLang="zh-CN" sz="2400" dirty="0">
                 <a:sym typeface="+mn-ea"/>
               </a:rPr>
-              <a:t>read</a:t>
-            </a:r>
+              <a:t>?</a:t>
+            </a:r>
+          </a:p>
+          <a:p>
             <a:r>
               <a:rPr lang="zh-CN" altLang="en-US" sz="2400" dirty="0">
                 <a:sym typeface="+mn-ea"/>
               </a:rPr>
-              <a:t>，阻塞当前线程直到读取完成。</a:t>
-            </a:r>
-          </a:p>
-          <a:p>
+              <a:t>随着互联网上数据量的不断增大</a:t>
+            </a:r>
+            <a:r>
+              <a:rPr lang="en-US" altLang="zh-CN" sz="2400" dirty="0">
+                <a:sym typeface="+mn-ea"/>
+              </a:rPr>
+              <a:t>,</a:t>
+            </a:r>
             <a:r>
               <a:rPr lang="zh-CN" altLang="en-US" sz="2400" dirty="0">
                 <a:sym typeface="+mn-ea"/>
               </a:rPr>
-              <a:t>同步非阻塞：例如 </a:t>
+              <a:t> </a:t>
             </a:r>
             <a:r>
               <a:rPr lang="en-US" altLang="zh-CN" sz="2400" dirty="0">
                 <a:sym typeface="+mn-ea"/>
               </a:rPr>
-              <a:t>read(NONBLOCK) </a:t>
+              <a:t>web</a:t>
             </a:r>
             <a:r>
               <a:rPr lang="zh-CN" altLang="en-US" sz="2400" dirty="0">
                 <a:sym typeface="+mn-ea"/>
               </a:rPr>
-              <a:t>，如果当前读尚未就绪则立即返回。</a:t>
-            </a:r>
-          </a:p>
-          <a:p>
+              <a:t>服务的不断多样化</a:t>
+            </a:r>
+            <a:r>
+              <a:rPr lang="en-US" altLang="zh-CN" sz="2400" dirty="0">
+                <a:sym typeface="+mn-ea"/>
+              </a:rPr>
+              <a:t>,</a:t>
+            </a:r>
             <a:r>
               <a:rPr lang="zh-CN" altLang="en-US" sz="2400" dirty="0">
                 <a:sym typeface="+mn-ea"/>
               </a:rPr>
-              <a:t>多路复用：例如 </a:t>
-            </a:r>
-            <a:r>
-              <a:rPr lang="en-US" altLang="zh-CN" sz="2400" dirty="0" err="1">
+              <a:t> 如何让高并发且</a:t>
+            </a:r>
+            <a:r>
+              <a:rPr lang="en-US" altLang="zh-CN" sz="2400" dirty="0">
                 <a:sym typeface="+mn-ea"/>
               </a:rPr>
-              <a:t>select,poll,epoll</a:t>
+              <a:t>IO</a:t>
             </a:r>
             <a:r>
               <a:rPr lang="zh-CN" altLang="en-US" sz="2400" dirty="0">
                 <a:sym typeface="+mn-ea"/>
               </a:rPr>
-              <a:t>，阻塞当前线程直到给定事件中的任何一个发生。常配合同步非阻塞接口使用。</a:t>
-            </a:r>
-          </a:p>
-          <a:p>
-            <a:r>
-              <a:rPr lang="zh-CN" altLang="en-US" sz="2400" dirty="0">
-                <a:sym typeface="+mn-ea"/>
-              </a:rPr>
-              <a:t>异步：例如 </a:t>
-            </a:r>
-            <a:r>
-              <a:rPr lang="en-US" altLang="zh-CN" sz="2400" dirty="0" err="1">
-                <a:sym typeface="+mn-ea"/>
-              </a:rPr>
-              <a:t>MPI_iread</a:t>
-            </a:r>
-            <a:r>
-              <a:rPr lang="zh-CN" altLang="en-US" sz="2400" dirty="0">
-                <a:sym typeface="+mn-ea"/>
-              </a:rPr>
-              <a:t>，发出读请求，返回一个 </a:t>
-            </a:r>
-            <a:r>
-              <a:rPr lang="en-US" altLang="zh-CN" sz="2400" dirty="0">
-                <a:sym typeface="+mn-ea"/>
-              </a:rPr>
-              <a:t>token</a:t>
-            </a:r>
-            <a:r>
-              <a:rPr lang="zh-CN" altLang="en-US" sz="2400" dirty="0">
-                <a:sym typeface="+mn-ea"/>
-              </a:rPr>
-              <a:t>。之后可以查询请求状态（轮询）或者用 </a:t>
-            </a:r>
-            <a:r>
-              <a:rPr lang="en-US" altLang="zh-CN" sz="2400" dirty="0">
-                <a:sym typeface="+mn-ea"/>
-              </a:rPr>
-              <a:t>wait </a:t>
-            </a:r>
-            <a:r>
-              <a:rPr lang="zh-CN" altLang="en-US" sz="2400" dirty="0">
-                <a:sym typeface="+mn-ea"/>
-              </a:rPr>
-              <a:t>接口阻塞等待操作完成。</a:t>
-            </a:r>
-          </a:p>
-          <a:p>
-            <a:r>
-              <a:rPr lang="zh-CN" altLang="en-US" sz="2400" dirty="0">
-                <a:sym typeface="+mn-ea"/>
-              </a:rPr>
-              <a:t>循环队列：例如 </a:t>
-            </a:r>
-            <a:r>
-              <a:rPr lang="en-US" altLang="zh-CN" sz="2400" dirty="0" err="1">
-                <a:sym typeface="+mn-ea"/>
-              </a:rPr>
-              <a:t>io_uring</a:t>
-            </a:r>
-            <a:r>
-              <a:rPr lang="en-US" altLang="zh-CN" sz="2400" dirty="0">
-                <a:sym typeface="+mn-ea"/>
-              </a:rPr>
-              <a:t> </a:t>
-            </a:r>
-            <a:r>
-              <a:rPr lang="zh-CN" altLang="en-US" sz="2400" dirty="0">
-                <a:sym typeface="+mn-ea"/>
-              </a:rPr>
-              <a:t>及硬件设备，背后有一个内核线程（或硬件上的处理器）同时处理 </a:t>
-            </a:r>
-            <a:r>
-              <a:rPr lang="en-US" altLang="zh-CN" sz="2400" dirty="0">
-                <a:sym typeface="+mn-ea"/>
-              </a:rPr>
-              <a:t>IO </a:t>
-            </a:r>
-            <a:r>
-              <a:rPr lang="zh-CN" altLang="en-US" sz="2400" dirty="0">
-                <a:sym typeface="+mn-ea"/>
-              </a:rPr>
-              <a:t>操作，二者通过共享内存中的两个循环队列（请求队列和完成队列）传递请求状态。</a:t>
+              <a:t>密集的程序更高效的工作变得格外重要。</a:t>
             </a:r>
             <a:endParaRPr lang="en-US" altLang="zh-CN" sz="2400" dirty="0">
               <a:sym typeface="+mn-ea"/>
             </a:endParaRPr>
           </a:p>
           <a:p>
+            <a:r>
+              <a:rPr lang="zh-CN" altLang="en-US" sz="2400" dirty="0">
+                <a:sym typeface="+mn-ea"/>
+              </a:rPr>
+              <a:t>经典的阻塞</a:t>
+            </a:r>
+            <a:r>
+              <a:rPr lang="en-US" altLang="zh-CN" sz="2400" dirty="0">
+                <a:sym typeface="+mn-ea"/>
+              </a:rPr>
+              <a:t>IO</a:t>
+            </a:r>
+            <a:r>
+              <a:rPr lang="zh-CN" altLang="en-US" sz="2400" dirty="0">
+                <a:sym typeface="+mn-ea"/>
+              </a:rPr>
+              <a:t>或者系统调用显然不能满足对性能的需求。</a:t>
+            </a:r>
             <a:endParaRPr lang="en-US" altLang="zh-CN" sz="2400" dirty="0">
               <a:sym typeface="+mn-ea"/>
             </a:endParaRPr>
@@ -21160,63 +21436,129 @@
               <a:rPr lang="zh-CN" altLang="en-US" sz="2400" dirty="0">
                 <a:sym typeface="+mn-ea"/>
               </a:rPr>
-              <a:t>以上非阻塞</a:t>
+              <a:t>纯粹的同步并行并不能处理海量的数据</a:t>
             </a:r>
             <a:r>
               <a:rPr lang="en-US" altLang="zh-CN" sz="2400" dirty="0">
                 <a:sym typeface="+mn-ea"/>
               </a:rPr>
-              <a:t>/</a:t>
+              <a:t>,</a:t>
             </a:r>
             <a:r>
               <a:rPr lang="zh-CN" altLang="en-US" sz="2400" dirty="0">
                 <a:sym typeface="+mn-ea"/>
               </a:rPr>
-              <a:t>异步的特征</a:t>
+              <a:t> 并且线程的堆栈以及切换开销很大。</a:t>
+            </a:r>
+            <a:endParaRPr lang="en-US" altLang="zh-CN" sz="2400" dirty="0">
+              <a:sym typeface="+mn-ea"/>
+            </a:endParaRPr>
+          </a:p>
+          <a:p>
+            <a:r>
+              <a:rPr lang="zh-CN" altLang="en-US" sz="2400" dirty="0">
+                <a:sym typeface="+mn-ea"/>
+              </a:rPr>
+              <a:t>异步的本质是使得</a:t>
+            </a:r>
+            <a:r>
+              <a:rPr lang="en-US" altLang="zh-CN" sz="2400" dirty="0" err="1">
+                <a:sym typeface="+mn-ea"/>
+              </a:rPr>
+              <a:t>cpu</a:t>
+            </a:r>
+            <a:r>
+              <a:rPr lang="zh-CN" altLang="en-US" sz="2400" dirty="0">
+                <a:sym typeface="+mn-ea"/>
+              </a:rPr>
+              <a:t>任务和非</a:t>
+            </a:r>
+            <a:r>
+              <a:rPr lang="en-US" altLang="zh-CN" sz="2400" dirty="0" err="1">
+                <a:sym typeface="+mn-ea"/>
+              </a:rPr>
+              <a:t>cpu</a:t>
+            </a:r>
+            <a:r>
+              <a:rPr lang="zh-CN" altLang="en-US" sz="2400" dirty="0">
+                <a:sym typeface="+mn-ea"/>
+              </a:rPr>
+              <a:t>任务分离</a:t>
             </a:r>
             <a:r>
               <a:rPr lang="en-US" altLang="zh-CN" sz="2400" dirty="0">
                 <a:sym typeface="+mn-ea"/>
               </a:rPr>
-              <a:t>:</a:t>
+              <a:t>,</a:t>
             </a:r>
             <a:r>
               <a:rPr lang="zh-CN" altLang="en-US" sz="2400" dirty="0">
                 <a:sym typeface="+mn-ea"/>
               </a:rPr>
-              <a:t> 异步地提交请求</a:t>
-            </a:r>
-            <a:r>
-              <a:rPr lang="en-US" altLang="zh-CN" sz="2400" dirty="0">
+              <a:t> 从而更好地提高</a:t>
+            </a:r>
+            <a:r>
+              <a:rPr lang="en-US" altLang="zh-CN" sz="2400" dirty="0" err="1">
                 <a:sym typeface="+mn-ea"/>
               </a:rPr>
-              <a:t>,</a:t>
+              <a:t>cpu</a:t>
             </a:r>
             <a:r>
               <a:rPr lang="zh-CN" altLang="en-US" sz="2400" dirty="0">
                 <a:sym typeface="+mn-ea"/>
               </a:rPr>
-              <a:t> 但是完成请求后的操作仍然需要在程序的特定节点调用相关的函数来</a:t>
-            </a:r>
-            <a:r>
-              <a:rPr lang="zh-CN" altLang="en-US" sz="2400" b="1" dirty="0">
-                <a:sym typeface="+mn-ea"/>
-              </a:rPr>
-              <a:t>获取请求的完成情况</a:t>
-            </a:r>
-            <a:r>
-              <a:rPr lang="zh-CN" altLang="en-US" sz="2400" dirty="0">
-                <a:sym typeface="+mn-ea"/>
-              </a:rPr>
-              <a:t>。延迟由请求完成本身的耗时和查询请求完成情况的频率共同决定。</a:t>
-            </a:r>
+              <a:t>和其他设备的利用率</a:t>
+            </a:r>
+            <a:endParaRPr lang="en-US" altLang="zh-CN" sz="2400" dirty="0">
+              <a:sym typeface="+mn-ea"/>
+            </a:endParaRPr>
+          </a:p>
+          <a:p>
+            <a:endParaRPr lang="en-US" altLang="zh-CN" sz="2400" dirty="0">
+              <a:sym typeface="+mn-ea"/>
+            </a:endParaRPr>
+          </a:p>
+          <a:p>
+            <a:endParaRPr lang="en-US" altLang="zh-CN" sz="2400" dirty="0">
+              <a:sym typeface="+mn-ea"/>
+            </a:endParaRPr>
           </a:p>
         </p:txBody>
       </p:sp>
+      <p:pic>
+        <p:nvPicPr>
+          <p:cNvPr id="5" name="图片 4">
+            <a:extLst>
+              <a:ext uri="{FF2B5EF4-FFF2-40B4-BE49-F238E27FC236}">
+                <a16:creationId xmlns:a16="http://schemas.microsoft.com/office/drawing/2014/main" id="{DFFB32D4-BEAD-6040-B138-900AECA919BA}"/>
+              </a:ext>
+            </a:extLst>
+          </p:cNvPr>
+          <p:cNvPicPr>
+            <a:picLocks noChangeAspect="1"/>
+          </p:cNvPicPr>
+          <p:nvPr/>
+        </p:nvPicPr>
+        <p:blipFill>
+          <a:blip r:embed="rId4"/>
+          <a:stretch>
+            <a:fillRect/>
+          </a:stretch>
+        </p:blipFill>
+        <p:spPr>
+          <a:xfrm>
+            <a:off x="4054021" y="4126706"/>
+            <a:ext cx="2822301" cy="2467498"/>
+          </a:xfrm>
+          <a:prstGeom prst="rect">
+            <a:avLst/>
+          </a:prstGeom>
+        </p:spPr>
+      </p:pic>
     </p:spTree>
     <p:extLst>
       <p:ext uri="{BB962C8B-B14F-4D97-AF65-F5344CB8AC3E}">
-        <p14:creationId xmlns:p14="http://schemas.microsoft.com/office/powerpoint/2010/main" val="1910651572"/>
+        <p14:creationId xmlns:p14="http://schemas.microsoft.com/office/powerpoint/2010/main" val="2274710965"/>
       </p:ext>
     </p:extLst>
   </p:cSld>
@@ -21288,7 +21630,47 @@
                 <a:latin typeface="思源宋体 Medium" panose="02020500000000000000" pitchFamily="18" charset="-122"/>
                 <a:ea typeface="思源宋体 Medium" panose="02020500000000000000" pitchFamily="18" charset="-122"/>
               </a:rPr>
-              <a:t>用户态中断用于通知返回结果</a:t>
+              <a:t>同步</a:t>
+            </a:r>
+            <a:r>
+              <a:rPr lang="en-US" altLang="zh-CN" sz="4000" b="1" dirty="0">
+                <a:solidFill>
+                  <a:srgbClr val="704F95"/>
+                </a:solidFill>
+                <a:latin typeface="思源宋体 Medium" panose="02020500000000000000" pitchFamily="18" charset="-122"/>
+                <a:ea typeface="思源宋体 Medium" panose="02020500000000000000" pitchFamily="18" charset="-122"/>
+              </a:rPr>
+              <a:t>/</a:t>
+            </a:r>
+            <a:r>
+              <a:rPr lang="zh-CN" altLang="en-US" sz="4000" b="1" dirty="0">
+                <a:solidFill>
+                  <a:srgbClr val="704F95"/>
+                </a:solidFill>
+                <a:latin typeface="思源宋体 Medium" panose="02020500000000000000" pitchFamily="18" charset="-122"/>
+                <a:ea typeface="思源宋体 Medium" panose="02020500000000000000" pitchFamily="18" charset="-122"/>
+              </a:rPr>
+              <a:t>异步</a:t>
+            </a:r>
+            <a:r>
+              <a:rPr lang="en-US" altLang="zh-CN" sz="4000" b="1" dirty="0">
+                <a:solidFill>
+                  <a:srgbClr val="704F95"/>
+                </a:solidFill>
+                <a:latin typeface="思源宋体 Medium" panose="02020500000000000000" pitchFamily="18" charset="-122"/>
+                <a:ea typeface="思源宋体 Medium" panose="02020500000000000000" pitchFamily="18" charset="-122"/>
+              </a:rPr>
+              <a:t>IO</a:t>
+            </a:r>
+            <a:r>
+              <a:rPr lang="zh-CN" altLang="en-US" sz="4000" b="1" dirty="0">
+                <a:solidFill>
+                  <a:srgbClr val="704F95"/>
+                </a:solidFill>
+                <a:latin typeface="思源宋体 Medium" panose="02020500000000000000" pitchFamily="18" charset="-122"/>
+                <a:ea typeface="思源宋体 Medium" panose="02020500000000000000" pitchFamily="18" charset="-122"/>
+              </a:rPr>
+              <a:t>分类</a:t>
             </a:r>
           </a:p>
         </p:txBody>
@@ -21764,6 +22146,760 @@
               <a:rPr lang="zh-CN" altLang="en-US" sz="2400" dirty="0">
                 <a:sym typeface="+mn-ea"/>
               </a:rPr>
+              <a:t>同步阻塞：例如 </a:t>
+            </a:r>
+            <a:r>
+              <a:rPr lang="en-US" altLang="zh-CN" sz="2400" dirty="0">
+                <a:sym typeface="+mn-ea"/>
+              </a:rPr>
+              <a:t>read</a:t>
+            </a:r>
+            <a:r>
+              <a:rPr lang="zh-CN" altLang="en-US" sz="2400" dirty="0">
+                <a:sym typeface="+mn-ea"/>
+              </a:rPr>
+              <a:t>，阻塞当前线程直到读取完成。</a:t>
+            </a:r>
+          </a:p>
+          <a:p>
+            <a:r>
+              <a:rPr lang="zh-CN" altLang="en-US" sz="2400" dirty="0">
+                <a:sym typeface="+mn-ea"/>
+              </a:rPr>
+              <a:t>同步非阻塞：例如 </a:t>
+            </a:r>
+            <a:r>
+              <a:rPr lang="en-US" altLang="zh-CN" sz="2400" dirty="0">
+                <a:sym typeface="+mn-ea"/>
+              </a:rPr>
+              <a:t>read(NONBLOCK) </a:t>
+            </a:r>
+            <a:r>
+              <a:rPr lang="zh-CN" altLang="en-US" sz="2400" dirty="0">
+                <a:sym typeface="+mn-ea"/>
+              </a:rPr>
+              <a:t>，如果当前读尚未就绪则立即返回。</a:t>
+            </a:r>
+          </a:p>
+          <a:p>
+            <a:r>
+              <a:rPr lang="zh-CN" altLang="en-US" sz="2400" dirty="0">
+                <a:sym typeface="+mn-ea"/>
+              </a:rPr>
+              <a:t>多路复用：例如 </a:t>
+            </a:r>
+            <a:r>
+              <a:rPr lang="en-US" altLang="zh-CN" sz="2400" dirty="0" err="1">
+                <a:sym typeface="+mn-ea"/>
+              </a:rPr>
+              <a:t>select,poll,epoll</a:t>
+            </a:r>
+            <a:r>
+              <a:rPr lang="zh-CN" altLang="en-US" sz="2400" dirty="0">
+                <a:sym typeface="+mn-ea"/>
+              </a:rPr>
+              <a:t>，阻塞当前线程直到给定事件中的任何一个发生。常配合同步非阻塞接口使用。</a:t>
+            </a:r>
+          </a:p>
+          <a:p>
+            <a:r>
+              <a:rPr lang="zh-CN" altLang="en-US" sz="2400" dirty="0">
+                <a:sym typeface="+mn-ea"/>
+              </a:rPr>
+              <a:t>异步：例如 </a:t>
+            </a:r>
+            <a:r>
+              <a:rPr lang="en-US" altLang="zh-CN" sz="2400" dirty="0" err="1">
+                <a:sym typeface="+mn-ea"/>
+              </a:rPr>
+              <a:t>MPI_iread</a:t>
+            </a:r>
+            <a:r>
+              <a:rPr lang="zh-CN" altLang="en-US" sz="2400" dirty="0">
+                <a:sym typeface="+mn-ea"/>
+              </a:rPr>
+              <a:t>，发出读请求，返回一个 </a:t>
+            </a:r>
+            <a:r>
+              <a:rPr lang="en-US" altLang="zh-CN" sz="2400" dirty="0">
+                <a:sym typeface="+mn-ea"/>
+              </a:rPr>
+              <a:t>token</a:t>
+            </a:r>
+            <a:r>
+              <a:rPr lang="zh-CN" altLang="en-US" sz="2400" dirty="0">
+                <a:sym typeface="+mn-ea"/>
+              </a:rPr>
+              <a:t>。之后可以查询请求状态（轮询）或者用 </a:t>
+            </a:r>
+            <a:r>
+              <a:rPr lang="en-US" altLang="zh-CN" sz="2400" dirty="0">
+                <a:sym typeface="+mn-ea"/>
+              </a:rPr>
+              <a:t>wait </a:t>
+            </a:r>
+            <a:r>
+              <a:rPr lang="zh-CN" altLang="en-US" sz="2400" dirty="0">
+                <a:sym typeface="+mn-ea"/>
+              </a:rPr>
+              <a:t>接口阻塞等待操作完成。</a:t>
+            </a:r>
+          </a:p>
+          <a:p>
+            <a:r>
+              <a:rPr lang="zh-CN" altLang="en-US" sz="2400" dirty="0">
+                <a:sym typeface="+mn-ea"/>
+              </a:rPr>
+              <a:t>循环队列：例如 </a:t>
+            </a:r>
+            <a:r>
+              <a:rPr lang="en-US" altLang="zh-CN" sz="2400" dirty="0" err="1">
+                <a:sym typeface="+mn-ea"/>
+              </a:rPr>
+              <a:t>io_uring</a:t>
+            </a:r>
+            <a:r>
+              <a:rPr lang="en-US" altLang="zh-CN" sz="2400" dirty="0">
+                <a:sym typeface="+mn-ea"/>
+              </a:rPr>
+              <a:t> </a:t>
+            </a:r>
+            <a:r>
+              <a:rPr lang="zh-CN" altLang="en-US" sz="2400" dirty="0">
+                <a:sym typeface="+mn-ea"/>
+              </a:rPr>
+              <a:t>及硬件设备，背后有一个内核线程（或硬件上的处理器）同时处理 </a:t>
+            </a:r>
+            <a:r>
+              <a:rPr lang="en-US" altLang="zh-CN" sz="2400" dirty="0">
+                <a:sym typeface="+mn-ea"/>
+              </a:rPr>
+              <a:t>IO </a:t>
+            </a:r>
+            <a:r>
+              <a:rPr lang="zh-CN" altLang="en-US" sz="2400" dirty="0">
+                <a:sym typeface="+mn-ea"/>
+              </a:rPr>
+              <a:t>操作，二者通过共享内存中的两个循环队列（请求队列和完成队列）传递请求状态。</a:t>
+            </a:r>
+            <a:endParaRPr lang="en-US" altLang="zh-CN" sz="2400" dirty="0">
+              <a:sym typeface="+mn-ea"/>
+            </a:endParaRPr>
+          </a:p>
+          <a:p>
+            <a:endParaRPr lang="en-US" altLang="zh-CN" sz="2400" dirty="0">
+              <a:sym typeface="+mn-ea"/>
+            </a:endParaRPr>
+          </a:p>
+          <a:p>
+            <a:r>
+              <a:rPr lang="zh-CN" altLang="en-US" sz="2400" dirty="0">
+                <a:sym typeface="+mn-ea"/>
+              </a:rPr>
+              <a:t>以上非阻塞</a:t>
+            </a:r>
+            <a:r>
+              <a:rPr lang="en-US" altLang="zh-CN" sz="2400" dirty="0">
+                <a:sym typeface="+mn-ea"/>
+              </a:rPr>
+              <a:t>/</a:t>
+            </a:r>
+            <a:r>
+              <a:rPr lang="zh-CN" altLang="en-US" sz="2400" dirty="0">
+                <a:sym typeface="+mn-ea"/>
+              </a:rPr>
+              <a:t>异步的特征</a:t>
+            </a:r>
+            <a:r>
+              <a:rPr lang="en-US" altLang="zh-CN" sz="2400" dirty="0">
+                <a:sym typeface="+mn-ea"/>
+              </a:rPr>
+              <a:t>:</a:t>
+            </a:r>
+            <a:r>
+              <a:rPr lang="zh-CN" altLang="en-US" sz="2400" dirty="0">
+                <a:sym typeface="+mn-ea"/>
+              </a:rPr>
+              <a:t> 异步地提交请求</a:t>
+            </a:r>
+            <a:r>
+              <a:rPr lang="en-US" altLang="zh-CN" sz="2400" dirty="0">
+                <a:sym typeface="+mn-ea"/>
+              </a:rPr>
+              <a:t>,</a:t>
+            </a:r>
+            <a:r>
+              <a:rPr lang="zh-CN" altLang="en-US" sz="2400" dirty="0">
+                <a:sym typeface="+mn-ea"/>
+              </a:rPr>
+              <a:t> 但是完成请求后的操作仍然需要在程序的特定节点调用相关的函数来</a:t>
+            </a:r>
+            <a:r>
+              <a:rPr lang="zh-CN" altLang="en-US" sz="2400" b="1" dirty="0">
+                <a:sym typeface="+mn-ea"/>
+              </a:rPr>
+              <a:t>获取请求的完成情况</a:t>
+            </a:r>
+            <a:r>
+              <a:rPr lang="zh-CN" altLang="en-US" sz="2400" dirty="0">
+                <a:sym typeface="+mn-ea"/>
+              </a:rPr>
+              <a:t>。延迟由请求完成本身的耗时和查询请求完成情况的频率共同决定。</a:t>
+            </a:r>
+          </a:p>
+        </p:txBody>
+      </p:sp>
+    </p:spTree>
+    <p:extLst>
+      <p:ext uri="{BB962C8B-B14F-4D97-AF65-F5344CB8AC3E}">
+        <p14:creationId xmlns:p14="http://schemas.microsoft.com/office/powerpoint/2010/main" val="1910651572"/>
+      </p:ext>
+    </p:extLst>
+  </p:cSld>
+  <p:clrMapOvr>
+    <a:masterClrMapping/>
+  </p:clrMapOvr>
+</p:sld>
+</file>
+
+<file path=ppt/slides/slide25.xml><?xml version="1.0" encoding="utf-8"?>
+<p:sld xmlns:a="http://schemas.openxmlformats.org/drawingml/2006/main" xmlns:r="http://schemas.openxmlformats.org/officeDocument/2006/relationships" xmlns:p="http://schemas.openxmlformats.org/presentationml/2006/main">
+  <p:cSld>
+    <p:spTree>
+      <p:nvGrpSpPr>
+        <p:cNvPr id="1" name=""/>
+        <p:cNvGrpSpPr/>
+        <p:nvPr/>
+      </p:nvGrpSpPr>
+      <p:grpSpPr>
+        <a:xfrm>
+          <a:off x="0" y="0"/>
+          <a:ext cx="0" cy="0"/>
+          <a:chOff x="0" y="0"/>
+          <a:chExt cx="0" cy="0"/>
+        </a:xfrm>
+      </p:grpSpPr>
+      <p:sp>
+        <p:nvSpPr>
+          <p:cNvPr id="11" name="标题 1"/>
+          <p:cNvSpPr txBox="1"/>
+          <p:nvPr/>
+        </p:nvSpPr>
+        <p:spPr>
+          <a:xfrm>
+            <a:off x="871414" y="633375"/>
+            <a:ext cx="10030487" cy="961382"/>
+          </a:xfrm>
+          <a:prstGeom prst="rect">
+            <a:avLst/>
+          </a:prstGeom>
+        </p:spPr>
+        <p:txBody>
+          <a:bodyPr/>
+          <a:lstStyle>
+            <a:lvl1pPr algn="l" defTabSz="914400" rtl="0" eaLnBrk="1" latinLnBrk="0" hangingPunct="1">
+              <a:lnSpc>
+                <a:spcPct val="90000"/>
+              </a:lnSpc>
+              <a:spcBef>
+                <a:spcPct val="0"/>
+              </a:spcBef>
+              <a:buNone/>
+              <a:defRPr sz="4400" kern="1200">
+                <a:solidFill>
+                  <a:schemeClr val="tx1"/>
+                </a:solidFill>
+                <a:latin typeface="+mj-lt"/>
+                <a:ea typeface="+mj-ea"/>
+                <a:cs typeface="+mj-cs"/>
+              </a:defRPr>
+            </a:lvl1pPr>
+          </a:lstStyle>
+          <a:p>
+            <a:r>
+              <a:rPr lang="zh-CN" altLang="en-US" sz="4000" b="1" dirty="0">
+                <a:solidFill>
+                  <a:srgbClr val="704F95"/>
+                </a:solidFill>
+                <a:latin typeface="思源宋体 Medium" panose="02020500000000000000" pitchFamily="18" charset="-122"/>
+                <a:ea typeface="思源宋体 Medium" panose="02020500000000000000" pitchFamily="18" charset="-122"/>
+              </a:rPr>
+              <a:t>用户态中断用于通知返回结果</a:t>
+            </a:r>
+          </a:p>
+        </p:txBody>
+      </p:sp>
+      <p:sp>
+        <p:nvSpPr>
+          <p:cNvPr id="43" name="Rectangle 236"/>
+          <p:cNvSpPr/>
+          <p:nvPr/>
+        </p:nvSpPr>
+        <p:spPr>
+          <a:xfrm>
+            <a:off x="688759" y="511209"/>
+            <a:ext cx="10395795" cy="923330"/>
+          </a:xfrm>
+          <a:prstGeom prst="rect">
+            <a:avLst/>
+          </a:prstGeom>
+          <a:noFill/>
+        </p:spPr>
+        <p:txBody>
+          <a:bodyPr wrap="none" lIns="91440" tIns="45720" rIns="91440" bIns="45720">
+            <a:spAutoFit/>
+            <a:scene3d>
+              <a:camera prst="orthographicFront"/>
+              <a:lightRig rig="soft" dir="t">
+                <a:rot lat="0" lon="0" rev="15600000"/>
+              </a:lightRig>
+            </a:scene3d>
+            <a:sp3d extrusionH="57150" prstMaterial="softEdge">
+              <a:bevelT w="25400" h="38100"/>
+            </a:sp3d>
+          </a:bodyPr>
+          <a:lstStyle/>
+          <a:p>
+            <a:pPr algn="ctr"/>
+            <a:r>
+              <a:rPr lang="zh-CN" altLang="en-US" sz="5400" b="1" u="sng" dirty="0">
+                <a:solidFill>
+                  <a:srgbClr val="803A87"/>
+                </a:solidFill>
+              </a:rPr>
+              <a:t>                                                               </a:t>
+            </a:r>
+            <a:endParaRPr lang="en-US" altLang="zh-CN" sz="5400" b="1" u="sng" dirty="0">
+              <a:solidFill>
+                <a:srgbClr val="803A87"/>
+              </a:solidFill>
+            </a:endParaRPr>
+          </a:p>
+        </p:txBody>
+      </p:sp>
+      <p:pic>
+        <p:nvPicPr>
+          <p:cNvPr id="44" name="Picture 8"/>
+          <p:cNvPicPr/>
+          <p:nvPr/>
+        </p:nvPicPr>
+        <p:blipFill>
+          <a:blip r:embed="rId3">
+            <a:clrChange>
+              <a:clrFrom>
+                <a:srgbClr val="FFFFFF"/>
+              </a:clrFrom>
+              <a:clrTo>
+                <a:srgbClr val="FFFFFF">
+                  <a:alpha val="0"/>
+                </a:srgbClr>
+              </a:clrTo>
+            </a:clrChange>
+          </a:blip>
+          <a:stretch>
+            <a:fillRect/>
+          </a:stretch>
+        </p:blipFill>
+        <p:spPr>
+          <a:xfrm>
+            <a:off x="7880269" y="6297384"/>
+            <a:ext cx="4120587" cy="514122"/>
+          </a:xfrm>
+          <a:prstGeom prst="rect">
+            <a:avLst/>
+          </a:prstGeom>
+        </p:spPr>
+      </p:pic>
+      <p:sp>
+        <p:nvSpPr>
+          <p:cNvPr id="8" name="文本占位符 1"/>
+          <p:cNvSpPr txBox="1"/>
+          <p:nvPr/>
+        </p:nvSpPr>
+        <p:spPr>
+          <a:xfrm>
+            <a:off x="6371771" y="263796"/>
+            <a:ext cx="5629085" cy="328059"/>
+          </a:xfrm>
+          <a:prstGeom prst="rect">
+            <a:avLst/>
+          </a:prstGeom>
+          <a:ln w="12700" cmpd="sng">
+            <a:noFill/>
+          </a:ln>
+        </p:spPr>
+        <p:txBody>
+          <a:bodyPr vert="horz" anchor="ctr"/>
+          <a:lstStyle>
+            <a:lvl1pPr marL="0" indent="0" algn="l" defTabSz="914400" rtl="0" eaLnBrk="1" latinLnBrk="0" hangingPunct="1">
+              <a:lnSpc>
+                <a:spcPct val="90000"/>
+              </a:lnSpc>
+              <a:spcBef>
+                <a:spcPts val="1000"/>
+              </a:spcBef>
+              <a:buFont typeface="Arial" panose="020B0604020202020204" pitchFamily="34" charset="0"/>
+              <a:buNone/>
+              <a:defRPr sz="1400" b="1" kern="1200">
+                <a:solidFill>
+                  <a:schemeClr val="tx1"/>
+                </a:solidFill>
+                <a:latin typeface="微软雅黑" charset="0"/>
+                <a:ea typeface="微软雅黑" charset="0"/>
+                <a:cs typeface="微软雅黑" charset="0"/>
+              </a:defRPr>
+            </a:lvl1pPr>
+            <a:lvl2pPr marL="685800" indent="-228600" algn="l" defTabSz="914400" rtl="0" eaLnBrk="1" latinLnBrk="0" hangingPunct="1">
+              <a:lnSpc>
+                <a:spcPct val="90000"/>
+              </a:lnSpc>
+              <a:spcBef>
+                <a:spcPts val="500"/>
+              </a:spcBef>
+              <a:buFont typeface="Arial" panose="020B0604020202020204" pitchFamily="34" charset="0"/>
+              <a:buChar char="•"/>
+              <a:defRPr sz="2400" kern="1200">
+                <a:solidFill>
+                  <a:schemeClr val="tx1"/>
+                </a:solidFill>
+                <a:latin typeface="+mn-lt"/>
+                <a:ea typeface="+mn-ea"/>
+                <a:cs typeface="+mn-cs"/>
+              </a:defRPr>
+            </a:lvl2pPr>
+            <a:lvl3pPr marL="1143000" indent="-228600" algn="l" defTabSz="914400" rtl="0" eaLnBrk="1" latinLnBrk="0" hangingPunct="1">
+              <a:lnSpc>
+                <a:spcPct val="90000"/>
+              </a:lnSpc>
+              <a:spcBef>
+                <a:spcPts val="500"/>
+              </a:spcBef>
+              <a:buFont typeface="Arial" panose="020B0604020202020204" pitchFamily="34" charset="0"/>
+              <a:buChar char="•"/>
+              <a:defRPr sz="2000" kern="1200">
+                <a:solidFill>
+                  <a:schemeClr val="tx1"/>
+                </a:solidFill>
+                <a:latin typeface="+mn-lt"/>
+                <a:ea typeface="+mn-ea"/>
+                <a:cs typeface="+mn-cs"/>
+              </a:defRPr>
+            </a:lvl3pPr>
+            <a:lvl4pPr marL="1600200" indent="-228600" algn="l" defTabSz="914400" rtl="0" eaLnBrk="1" latinLnBrk="0" hangingPunct="1">
+              <a:lnSpc>
+                <a:spcPct val="90000"/>
+              </a:lnSpc>
+              <a:spcBef>
+                <a:spcPts val="500"/>
+              </a:spcBef>
+              <a:buFont typeface="Arial" panose="020B0604020202020204" pitchFamily="34" charset="0"/>
+              <a:buChar char="•"/>
+              <a:defRPr sz="1800" kern="1200">
+                <a:solidFill>
+                  <a:schemeClr val="tx1"/>
+                </a:solidFill>
+                <a:latin typeface="+mn-lt"/>
+                <a:ea typeface="+mn-ea"/>
+                <a:cs typeface="+mn-cs"/>
+              </a:defRPr>
+            </a:lvl4pPr>
+            <a:lvl5pPr marL="2057400" indent="-228600" algn="l" defTabSz="914400" rtl="0" eaLnBrk="1" latinLnBrk="0" hangingPunct="1">
+              <a:lnSpc>
+                <a:spcPct val="90000"/>
+              </a:lnSpc>
+              <a:spcBef>
+                <a:spcPts val="500"/>
+              </a:spcBef>
+              <a:buFont typeface="Arial" panose="020B0604020202020204" pitchFamily="34" charset="0"/>
+              <a:buChar char="•"/>
+              <a:defRPr sz="1800" kern="1200">
+                <a:solidFill>
+                  <a:schemeClr val="tx1"/>
+                </a:solidFill>
+                <a:latin typeface="+mn-lt"/>
+                <a:ea typeface="+mn-ea"/>
+                <a:cs typeface="+mn-cs"/>
+              </a:defRPr>
+            </a:lvl5pPr>
+            <a:lvl6pPr marL="2514600" indent="-228600" algn="l" defTabSz="914400" rtl="0" eaLnBrk="1" latinLnBrk="0" hangingPunct="1">
+              <a:lnSpc>
+                <a:spcPct val="90000"/>
+              </a:lnSpc>
+              <a:spcBef>
+                <a:spcPts val="500"/>
+              </a:spcBef>
+              <a:buFont typeface="Arial" panose="020B0604020202020204" pitchFamily="34" charset="0"/>
+              <a:buChar char="•"/>
+              <a:defRPr sz="1800" kern="1200">
+                <a:solidFill>
+                  <a:schemeClr val="tx1"/>
+                </a:solidFill>
+                <a:latin typeface="+mn-lt"/>
+                <a:ea typeface="+mn-ea"/>
+                <a:cs typeface="+mn-cs"/>
+              </a:defRPr>
+            </a:lvl6pPr>
+            <a:lvl7pPr marL="2971800" indent="-228600" algn="l" defTabSz="914400" rtl="0" eaLnBrk="1" latinLnBrk="0" hangingPunct="1">
+              <a:lnSpc>
+                <a:spcPct val="90000"/>
+              </a:lnSpc>
+              <a:spcBef>
+                <a:spcPts val="500"/>
+              </a:spcBef>
+              <a:buFont typeface="Arial" panose="020B0604020202020204" pitchFamily="34" charset="0"/>
+              <a:buChar char="•"/>
+              <a:defRPr sz="1800" kern="1200">
+                <a:solidFill>
+                  <a:schemeClr val="tx1"/>
+                </a:solidFill>
+                <a:latin typeface="+mn-lt"/>
+                <a:ea typeface="+mn-ea"/>
+                <a:cs typeface="+mn-cs"/>
+              </a:defRPr>
+            </a:lvl7pPr>
+            <a:lvl8pPr marL="3429000" indent="-228600" algn="l" defTabSz="914400" rtl="0" eaLnBrk="1" latinLnBrk="0" hangingPunct="1">
+              <a:lnSpc>
+                <a:spcPct val="90000"/>
+              </a:lnSpc>
+              <a:spcBef>
+                <a:spcPts val="500"/>
+              </a:spcBef>
+              <a:buFont typeface="Arial" panose="020B0604020202020204" pitchFamily="34" charset="0"/>
+              <a:buChar char="•"/>
+              <a:defRPr sz="1800" kern="1200">
+                <a:solidFill>
+                  <a:schemeClr val="tx1"/>
+                </a:solidFill>
+                <a:latin typeface="+mn-lt"/>
+                <a:ea typeface="+mn-ea"/>
+                <a:cs typeface="+mn-cs"/>
+              </a:defRPr>
+            </a:lvl8pPr>
+            <a:lvl9pPr marL="3886200" indent="-228600" algn="l" defTabSz="914400" rtl="0" eaLnBrk="1" latinLnBrk="0" hangingPunct="1">
+              <a:lnSpc>
+                <a:spcPct val="90000"/>
+              </a:lnSpc>
+              <a:spcBef>
+                <a:spcPts val="500"/>
+              </a:spcBef>
+              <a:buFont typeface="Arial" panose="020B0604020202020204" pitchFamily="34" charset="0"/>
+              <a:buChar char="•"/>
+              <a:defRPr sz="1800" kern="1200">
+                <a:solidFill>
+                  <a:schemeClr val="tx1"/>
+                </a:solidFill>
+                <a:latin typeface="+mn-lt"/>
+                <a:ea typeface="+mn-ea"/>
+                <a:cs typeface="+mn-cs"/>
+              </a:defRPr>
+            </a:lvl9pPr>
+          </a:lstStyle>
+          <a:p>
+            <a:pPr algn="r"/>
+            <a:endParaRPr lang="en-US" altLang="zh-CN" dirty="0">
+              <a:solidFill>
+                <a:srgbClr val="704F95"/>
+              </a:solidFill>
+              <a:latin typeface="思源宋体 Medium" panose="02020500000000000000" pitchFamily="18" charset="-122"/>
+              <a:ea typeface="思源宋体 Medium" panose="02020500000000000000" pitchFamily="18" charset="-122"/>
+            </a:endParaRPr>
+          </a:p>
+        </p:txBody>
+      </p:sp>
+      <p:sp>
+        <p:nvSpPr>
+          <p:cNvPr id="9" name="Content Placeholder 2">
+            <a:extLst>
+              <a:ext uri="{FF2B5EF4-FFF2-40B4-BE49-F238E27FC236}">
+                <a16:creationId xmlns:a16="http://schemas.microsoft.com/office/drawing/2014/main" id="{2E0D6732-3D11-3E43-A883-8D7FBA08F678}"/>
+              </a:ext>
+            </a:extLst>
+          </p:cNvPr>
+          <p:cNvSpPr txBox="1"/>
+          <p:nvPr/>
+        </p:nvSpPr>
+        <p:spPr>
+          <a:xfrm>
+            <a:off x="871414" y="1476059"/>
+            <a:ext cx="10515600" cy="5301295"/>
+          </a:xfrm>
+          <a:prstGeom prst="rect">
+            <a:avLst/>
+          </a:prstGeom>
+        </p:spPr>
+        <p:txBody>
+          <a:bodyPr>
+            <a:normAutofit/>
+          </a:bodyPr>
+          <a:lstStyle>
+            <a:lvl1pPr marL="228600" indent="-228600" algn="l" defTabSz="914400" rtl="0" eaLnBrk="1" latinLnBrk="0" hangingPunct="1">
+              <a:lnSpc>
+                <a:spcPct val="90000"/>
+              </a:lnSpc>
+              <a:spcBef>
+                <a:spcPts val="1000"/>
+              </a:spcBef>
+              <a:buFont typeface="Arial" panose="020B0604020202020204" pitchFamily="34" charset="0"/>
+              <a:buChar char="•"/>
+              <a:defRPr sz="2800" kern="1200">
+                <a:solidFill>
+                  <a:schemeClr val="tx1"/>
+                </a:solidFill>
+                <a:latin typeface="+mn-lt"/>
+                <a:ea typeface="+mn-ea"/>
+                <a:cs typeface="+mn-cs"/>
+              </a:defRPr>
+            </a:lvl1pPr>
+            <a:lvl2pPr marL="685800" indent="-228600" algn="l" defTabSz="914400" rtl="0" eaLnBrk="1" latinLnBrk="0" hangingPunct="1">
+              <a:lnSpc>
+                <a:spcPct val="90000"/>
+              </a:lnSpc>
+              <a:spcBef>
+                <a:spcPts val="500"/>
+              </a:spcBef>
+              <a:buFont typeface="Arial" panose="020B0604020202020204" pitchFamily="34" charset="0"/>
+              <a:buChar char="•"/>
+              <a:defRPr sz="2400" kern="1200">
+                <a:solidFill>
+                  <a:schemeClr val="tx1"/>
+                </a:solidFill>
+                <a:latin typeface="+mn-lt"/>
+                <a:ea typeface="+mn-ea"/>
+                <a:cs typeface="+mn-cs"/>
+              </a:defRPr>
+            </a:lvl2pPr>
+            <a:lvl3pPr marL="1143000" indent="-228600" algn="l" defTabSz="914400" rtl="0" eaLnBrk="1" latinLnBrk="0" hangingPunct="1">
+              <a:lnSpc>
+                <a:spcPct val="90000"/>
+              </a:lnSpc>
+              <a:spcBef>
+                <a:spcPts val="500"/>
+              </a:spcBef>
+              <a:buFont typeface="Arial" panose="020B0604020202020204" pitchFamily="34" charset="0"/>
+              <a:buChar char="•"/>
+              <a:defRPr sz="2000" kern="1200">
+                <a:solidFill>
+                  <a:schemeClr val="tx1"/>
+                </a:solidFill>
+                <a:latin typeface="+mn-lt"/>
+                <a:ea typeface="+mn-ea"/>
+                <a:cs typeface="+mn-cs"/>
+              </a:defRPr>
+            </a:lvl3pPr>
+            <a:lvl4pPr marL="1600200" indent="-228600" algn="l" defTabSz="914400" rtl="0" eaLnBrk="1" latinLnBrk="0" hangingPunct="1">
+              <a:lnSpc>
+                <a:spcPct val="90000"/>
+              </a:lnSpc>
+              <a:spcBef>
+                <a:spcPts val="500"/>
+              </a:spcBef>
+              <a:buFont typeface="Arial" panose="020B0604020202020204" pitchFamily="34" charset="0"/>
+              <a:buChar char="•"/>
+              <a:defRPr sz="1800" kern="1200">
+                <a:solidFill>
+                  <a:schemeClr val="tx1"/>
+                </a:solidFill>
+                <a:latin typeface="+mn-lt"/>
+                <a:ea typeface="+mn-ea"/>
+                <a:cs typeface="+mn-cs"/>
+              </a:defRPr>
+            </a:lvl4pPr>
+            <a:lvl5pPr marL="2057400" indent="-228600" algn="l" defTabSz="914400" rtl="0" eaLnBrk="1" latinLnBrk="0" hangingPunct="1">
+              <a:lnSpc>
+                <a:spcPct val="90000"/>
+              </a:lnSpc>
+              <a:spcBef>
+                <a:spcPts val="500"/>
+              </a:spcBef>
+              <a:buFont typeface="Arial" panose="020B0604020202020204" pitchFamily="34" charset="0"/>
+              <a:buChar char="•"/>
+              <a:defRPr sz="1800" kern="1200">
+                <a:solidFill>
+                  <a:schemeClr val="tx1"/>
+                </a:solidFill>
+                <a:latin typeface="+mn-lt"/>
+                <a:ea typeface="+mn-ea"/>
+                <a:cs typeface="+mn-cs"/>
+              </a:defRPr>
+            </a:lvl5pPr>
+            <a:lvl6pPr marL="2514600" indent="-228600" algn="l" defTabSz="914400" rtl="0" eaLnBrk="1" latinLnBrk="0" hangingPunct="1">
+              <a:lnSpc>
+                <a:spcPct val="90000"/>
+              </a:lnSpc>
+              <a:spcBef>
+                <a:spcPts val="500"/>
+              </a:spcBef>
+              <a:buFont typeface="Arial" panose="020B0604020202020204" pitchFamily="34" charset="0"/>
+              <a:buChar char="•"/>
+              <a:defRPr sz="1800" kern="1200">
+                <a:solidFill>
+                  <a:schemeClr val="tx1"/>
+                </a:solidFill>
+                <a:latin typeface="+mn-lt"/>
+                <a:ea typeface="+mn-ea"/>
+                <a:cs typeface="+mn-cs"/>
+              </a:defRPr>
+            </a:lvl6pPr>
+            <a:lvl7pPr marL="2971800" indent="-228600" algn="l" defTabSz="914400" rtl="0" eaLnBrk="1" latinLnBrk="0" hangingPunct="1">
+              <a:lnSpc>
+                <a:spcPct val="90000"/>
+              </a:lnSpc>
+              <a:spcBef>
+                <a:spcPts val="500"/>
+              </a:spcBef>
+              <a:buFont typeface="Arial" panose="020B0604020202020204" pitchFamily="34" charset="0"/>
+              <a:buChar char="•"/>
+              <a:defRPr sz="1800" kern="1200">
+                <a:solidFill>
+                  <a:schemeClr val="tx1"/>
+                </a:solidFill>
+                <a:latin typeface="+mn-lt"/>
+                <a:ea typeface="+mn-ea"/>
+                <a:cs typeface="+mn-cs"/>
+              </a:defRPr>
+            </a:lvl7pPr>
+            <a:lvl8pPr marL="3429000" indent="-228600" algn="l" defTabSz="914400" rtl="0" eaLnBrk="1" latinLnBrk="0" hangingPunct="1">
+              <a:lnSpc>
+                <a:spcPct val="90000"/>
+              </a:lnSpc>
+              <a:spcBef>
+                <a:spcPts val="500"/>
+              </a:spcBef>
+              <a:buFont typeface="Arial" panose="020B0604020202020204" pitchFamily="34" charset="0"/>
+              <a:buChar char="•"/>
+              <a:defRPr sz="1800" kern="1200">
+                <a:solidFill>
+                  <a:schemeClr val="tx1"/>
+                </a:solidFill>
+                <a:latin typeface="+mn-lt"/>
+                <a:ea typeface="+mn-ea"/>
+                <a:cs typeface="+mn-cs"/>
+              </a:defRPr>
+            </a:lvl8pPr>
+            <a:lvl9pPr marL="3886200" indent="-228600" algn="l" defTabSz="914400" rtl="0" eaLnBrk="1" latinLnBrk="0" hangingPunct="1">
+              <a:lnSpc>
+                <a:spcPct val="90000"/>
+              </a:lnSpc>
+              <a:spcBef>
+                <a:spcPts val="500"/>
+              </a:spcBef>
+              <a:buFont typeface="Arial" panose="020B0604020202020204" pitchFamily="34" charset="0"/>
+              <a:buChar char="•"/>
+              <a:defRPr sz="1800" kern="1200">
+                <a:solidFill>
+                  <a:schemeClr val="tx1"/>
+                </a:solidFill>
+                <a:latin typeface="+mn-lt"/>
+                <a:ea typeface="+mn-ea"/>
+                <a:cs typeface="+mn-cs"/>
+              </a:defRPr>
+            </a:lvl9pPr>
+          </a:lstStyle>
+          <a:p>
+            <a:r>
+              <a:rPr lang="zh-CN" altLang="en-US" sz="2400" dirty="0">
+                <a:sym typeface="+mn-ea"/>
+              </a:rPr>
               <a:t>针对以上问题</a:t>
             </a:r>
             <a:r>
@@ -22039,7 +23175,7 @@
 </p:sld>
 </file>
 
-<file path=ppt/slides/slide25.xml><?xml version="1.0" encoding="utf-8"?>
+<file path=ppt/slides/slide26.xml><?xml version="1.0" encoding="utf-8"?>
 <p:sld xmlns:a="http://schemas.openxmlformats.org/drawingml/2006/main" xmlns:r="http://schemas.openxmlformats.org/officeDocument/2006/relationships" xmlns:p="http://schemas.openxmlformats.org/presentationml/2006/main">
   <p:cSld>
     <p:spTree>
@@ -23947,7 +25083,7 @@
 </p:sld>
 </file>
 
-<file path=ppt/slides/slide26.xml><?xml version="1.0" encoding="utf-8"?>
+<file path=ppt/slides/slide27.xml><?xml version="1.0" encoding="utf-8"?>
 <p:sld xmlns:a="http://schemas.openxmlformats.org/drawingml/2006/main" xmlns:r="http://schemas.openxmlformats.org/officeDocument/2006/relationships" xmlns:p="http://schemas.openxmlformats.org/presentationml/2006/main">
   <p:cSld>
     <p:spTree>
@@ -25220,6 +26356,274 @@
           </a:p>
         </p:txBody>
       </p:sp>
+      <p:graphicFrame>
+        <p:nvGraphicFramePr>
+          <p:cNvPr id="3" name="表格 3">
+            <a:extLst>
+              <a:ext uri="{FF2B5EF4-FFF2-40B4-BE49-F238E27FC236}">
+                <a16:creationId xmlns:a16="http://schemas.microsoft.com/office/drawing/2014/main" id="{0B4BB5E1-1BE3-B34E-A113-B456E5FFE613}"/>
+              </a:ext>
+            </a:extLst>
+          </p:cNvPr>
+          <p:cNvGraphicFramePr>
+            <a:graphicFrameLocks noGrp="1"/>
+          </p:cNvGraphicFramePr>
+          <p:nvPr>
+            <p:extLst>
+              <p:ext uri="{D42A27DB-BD31-4B8C-83A1-F6EECF244321}">
+                <p14:modId xmlns:p14="http://schemas.microsoft.com/office/powerpoint/2010/main" val="2921146511"/>
+              </p:ext>
+            </p:extLst>
+          </p:nvPr>
+        </p:nvGraphicFramePr>
+        <p:xfrm>
+          <a:off x="1399483" y="4848755"/>
+          <a:ext cx="5937231" cy="1478280"/>
+        </p:xfrm>
+        <a:graphic>
+          <a:graphicData uri="http://schemas.openxmlformats.org/drawingml/2006/table">
+            <a:tbl>
+              <a:tblPr firstRow="1" bandRow="1">
+                <a:tableStyleId>{5940675A-B579-460E-94D1-54222C63F5DA}</a:tableStyleId>
+              </a:tblPr>
+              <a:tblGrid>
+                <a:gridCol w="1979077">
+                  <a:extLst>
+                    <a:ext uri="{9D8B030D-6E8A-4147-A177-3AD203B41FA5}">
+                      <a16:colId xmlns:a16="http://schemas.microsoft.com/office/drawing/2014/main" val="3666111404"/>
+                    </a:ext>
+                  </a:extLst>
+                </a:gridCol>
+                <a:gridCol w="1979077">
+                  <a:extLst>
+                    <a:ext uri="{9D8B030D-6E8A-4147-A177-3AD203B41FA5}">
+                      <a16:colId xmlns:a16="http://schemas.microsoft.com/office/drawing/2014/main" val="2026561646"/>
+                    </a:ext>
+                  </a:extLst>
+                </a:gridCol>
+                <a:gridCol w="1979077">
+                  <a:extLst>
+                    <a:ext uri="{9D8B030D-6E8A-4147-A177-3AD203B41FA5}">
+                      <a16:colId xmlns:a16="http://schemas.microsoft.com/office/drawing/2014/main" val="3670155590"/>
+                    </a:ext>
+                  </a:extLst>
+                </a:gridCol>
+              </a:tblGrid>
+              <a:tr h="322408">
+                <a:tc>
+                  <a:txBody>
+                    <a:bodyPr/>
+                    <a:lstStyle/>
+                    <a:p>
+                      <a:r>
+                        <a:rPr lang="zh-CN" altLang="en-US" dirty="0"/>
+                        <a:t>方法</a:t>
+                      </a:r>
+                      <a:endParaRPr lang="en-US" altLang="zh-CN" dirty="0"/>
+                    </a:p>
+                  </a:txBody>
+                  <a:tcPr/>
+                </a:tc>
+                <a:tc>
+                  <a:txBody>
+                    <a:bodyPr/>
+                    <a:lstStyle/>
+                    <a:p>
+                      <a:r>
+                        <a:rPr lang="en-US" altLang="zh-CN" dirty="0"/>
+                        <a:t>4M</a:t>
+                      </a:r>
+                      <a:r>
+                        <a:rPr lang="zh-CN" altLang="en-US" dirty="0"/>
+                        <a:t> </a:t>
+                      </a:r>
+                      <a:r>
+                        <a:rPr lang="en-US" altLang="zh-CN" dirty="0"/>
+                        <a:t>min</a:t>
+                      </a:r>
+                    </a:p>
+                  </a:txBody>
+                  <a:tcPr/>
+                </a:tc>
+                <a:tc>
+                  <a:txBody>
+                    <a:bodyPr/>
+                    <a:lstStyle/>
+                    <a:p>
+                      <a:r>
+                        <a:rPr lang="en-US" altLang="zh-CN" dirty="0"/>
+                        <a:t>4M</a:t>
+                      </a:r>
+                      <a:r>
+                        <a:rPr lang="zh-CN" altLang="en-US" dirty="0"/>
+                        <a:t> </a:t>
+                      </a:r>
+                      <a:r>
+                        <a:rPr lang="en-US" altLang="zh-CN" dirty="0"/>
+                        <a:t>max</a:t>
+                      </a:r>
+                      <a:endParaRPr lang="zh-CN" altLang="en-US" dirty="0"/>
+                    </a:p>
+                  </a:txBody>
+                  <a:tcPr/>
+                </a:tc>
+                <a:extLst>
+                  <a:ext uri="{0D108BD9-81ED-4DB2-BD59-A6C34878D82A}">
+                    <a16:rowId xmlns:a16="http://schemas.microsoft.com/office/drawing/2014/main" val="1260525014"/>
+                  </a:ext>
+                </a:extLst>
+              </a:tr>
+              <a:tr h="370840">
+                <a:tc>
+                  <a:txBody>
+                    <a:bodyPr/>
+                    <a:lstStyle/>
+                    <a:p>
+                      <a:r>
+                        <a:rPr lang="en-US" altLang="zh-CN" dirty="0"/>
+                        <a:t>normal</a:t>
+                      </a:r>
+                      <a:endParaRPr lang="zh-CN" altLang="en-US" dirty="0"/>
+                    </a:p>
+                  </a:txBody>
+                  <a:tcPr/>
+                </a:tc>
+                <a:tc>
+                  <a:txBody>
+                    <a:bodyPr/>
+                    <a:lstStyle/>
+                    <a:p>
+                      <a:r>
+                        <a:rPr lang="en-US" altLang="zh-CN" dirty="0"/>
+                        <a:t>329</a:t>
+                      </a:r>
+                      <a:endParaRPr lang="zh-CN" altLang="en-US" dirty="0"/>
+                    </a:p>
+                  </a:txBody>
+                  <a:tcPr/>
+                </a:tc>
+                <a:tc>
+                  <a:txBody>
+                    <a:bodyPr/>
+                    <a:lstStyle/>
+                    <a:p>
+                      <a:r>
+                        <a:rPr lang="en-US" altLang="zh-CN" dirty="0"/>
+                        <a:t>3090</a:t>
+                      </a:r>
+                      <a:endParaRPr lang="zh-CN" altLang="en-US" dirty="0"/>
+                    </a:p>
+                  </a:txBody>
+                  <a:tcPr/>
+                </a:tc>
+                <a:extLst>
+                  <a:ext uri="{0D108BD9-81ED-4DB2-BD59-A6C34878D82A}">
+                    <a16:rowId xmlns:a16="http://schemas.microsoft.com/office/drawing/2014/main" val="2889303253"/>
+                  </a:ext>
+                </a:extLst>
+              </a:tr>
+              <a:tr h="370840">
+                <a:tc>
+                  <a:txBody>
+                    <a:bodyPr/>
+                    <a:lstStyle/>
+                    <a:p>
+                      <a:r>
+                        <a:rPr lang="en-US" altLang="zh-CN" dirty="0" err="1"/>
+                        <a:t>uring</a:t>
+                      </a:r>
+                      <a:endParaRPr lang="zh-CN" altLang="en-US" dirty="0"/>
+                    </a:p>
+                  </a:txBody>
+                  <a:tcPr/>
+                </a:tc>
+                <a:tc>
+                  <a:txBody>
+                    <a:bodyPr/>
+                    <a:lstStyle/>
+                    <a:p>
+                      <a:r>
+                        <a:rPr lang="en-US" altLang="zh-CN" dirty="0"/>
+                        <a:t>707</a:t>
+                      </a:r>
+                      <a:endParaRPr lang="zh-CN" altLang="en-US" dirty="0"/>
+                    </a:p>
+                  </a:txBody>
+                  <a:tcPr/>
+                </a:tc>
+                <a:tc>
+                  <a:txBody>
+                    <a:bodyPr/>
+                    <a:lstStyle/>
+                    <a:p>
+                      <a:r>
+                        <a:rPr lang="en-US" altLang="zh-CN" dirty="0"/>
+                        <a:t>10601</a:t>
+                      </a:r>
+                      <a:endParaRPr lang="zh-CN" altLang="en-US" dirty="0"/>
+                    </a:p>
+                  </a:txBody>
+                  <a:tcPr/>
+                </a:tc>
+                <a:extLst>
+                  <a:ext uri="{0D108BD9-81ED-4DB2-BD59-A6C34878D82A}">
+                    <a16:rowId xmlns:a16="http://schemas.microsoft.com/office/drawing/2014/main" val="617169638"/>
+                  </a:ext>
+                </a:extLst>
+              </a:tr>
+              <a:tr h="370840">
+                <a:tc>
+                  <a:txBody>
+                    <a:bodyPr/>
+                    <a:lstStyle/>
+                    <a:p>
+                      <a:r>
+                        <a:rPr lang="en-US" altLang="zh-CN" dirty="0" err="1"/>
+                        <a:t>uintr</a:t>
+                      </a:r>
+                      <a:endParaRPr lang="zh-CN" altLang="en-US" dirty="0"/>
+                    </a:p>
+                  </a:txBody>
+                  <a:tcPr/>
+                </a:tc>
+                <a:tc>
+                  <a:txBody>
+                    <a:bodyPr/>
+                    <a:lstStyle/>
+                    <a:p>
+                      <a:r>
+                        <a:rPr lang="en-US" altLang="zh-CN" dirty="0"/>
+                        <a:t>330</a:t>
+                      </a:r>
+                      <a:endParaRPr lang="zh-CN" altLang="en-US" dirty="0"/>
+                    </a:p>
+                  </a:txBody>
+                  <a:tcPr/>
+                </a:tc>
+                <a:tc>
+                  <a:txBody>
+                    <a:bodyPr/>
+                    <a:lstStyle/>
+                    <a:p>
+                      <a:r>
+                        <a:rPr lang="en-US" altLang="zh-CN"/>
+                        <a:t>3580</a:t>
+                      </a:r>
+                      <a:endParaRPr lang="zh-CN" altLang="en-US" dirty="0"/>
+                    </a:p>
+                  </a:txBody>
+                  <a:tcPr/>
+                </a:tc>
+                <a:extLst>
+                  <a:ext uri="{0D108BD9-81ED-4DB2-BD59-A6C34878D82A}">
+                    <a16:rowId xmlns:a16="http://schemas.microsoft.com/office/drawing/2014/main" val="3280257136"/>
+                  </a:ext>
+                </a:extLst>
+              </a:tr>
+            </a:tbl>
+          </a:graphicData>
+        </a:graphic>
+      </p:graphicFrame>
     </p:spTree>
     <p:extLst>
       <p:ext uri="{BB962C8B-B14F-4D97-AF65-F5344CB8AC3E}">
@@ -25233,7 +26637,7 @@
 </p:sld>
 </file>
 
-<file path=ppt/slides/slide27.xml><?xml version="1.0" encoding="utf-8"?>
+<file path=ppt/slides/slide28.xml><?xml version="1.0" encoding="utf-8"?>
 <p:sld xmlns:a="http://schemas.openxmlformats.org/drawingml/2006/main" xmlns:r="http://schemas.openxmlformats.org/officeDocument/2006/relationships" xmlns:p="http://schemas.openxmlformats.org/presentationml/2006/main">
   <p:cSld>
     <p:spTree>
@@ -26026,6 +27430,1471 @@
       </p:sp>
       <p:sp>
         <p:nvSpPr>
+          <p:cNvPr id="37" name="Content Placeholder 2">
+            <a:extLst>
+              <a:ext uri="{FF2B5EF4-FFF2-40B4-BE49-F238E27FC236}">
+                <a16:creationId xmlns:a16="http://schemas.microsoft.com/office/drawing/2014/main" id="{A63DCF12-FE77-0D41-B394-584688C7D569}"/>
+              </a:ext>
+            </a:extLst>
+          </p:cNvPr>
+          <p:cNvSpPr txBox="1"/>
+          <p:nvPr/>
+        </p:nvSpPr>
+        <p:spPr>
+          <a:xfrm>
+            <a:off x="424231" y="2437441"/>
+            <a:ext cx="3298800" cy="2176638"/>
+          </a:xfrm>
+          <a:prstGeom prst="rect">
+            <a:avLst/>
+          </a:prstGeom>
+        </p:spPr>
+        <p:txBody>
+          <a:bodyPr>
+            <a:normAutofit/>
+          </a:bodyPr>
+          <a:lstStyle>
+            <a:lvl1pPr marL="228600" indent="-228600" algn="l" defTabSz="914400" rtl="0" eaLnBrk="1" latinLnBrk="0" hangingPunct="1">
+              <a:lnSpc>
+                <a:spcPct val="90000"/>
+              </a:lnSpc>
+              <a:spcBef>
+                <a:spcPts val="1000"/>
+              </a:spcBef>
+              <a:buFont typeface="Arial" panose="020B0604020202020204" pitchFamily="34" charset="0"/>
+              <a:buChar char="•"/>
+              <a:defRPr sz="2800" kern="1200">
+                <a:solidFill>
+                  <a:schemeClr val="tx1"/>
+                </a:solidFill>
+                <a:latin typeface="+mn-lt"/>
+                <a:ea typeface="+mn-ea"/>
+                <a:cs typeface="+mn-cs"/>
+              </a:defRPr>
+            </a:lvl1pPr>
+            <a:lvl2pPr marL="685800" indent="-228600" algn="l" defTabSz="914400" rtl="0" eaLnBrk="1" latinLnBrk="0" hangingPunct="1">
+              <a:lnSpc>
+                <a:spcPct val="90000"/>
+              </a:lnSpc>
+              <a:spcBef>
+                <a:spcPts val="500"/>
+              </a:spcBef>
+              <a:buFont typeface="Arial" panose="020B0604020202020204" pitchFamily="34" charset="0"/>
+              <a:buChar char="•"/>
+              <a:defRPr sz="2400" kern="1200">
+                <a:solidFill>
+                  <a:schemeClr val="tx1"/>
+                </a:solidFill>
+                <a:latin typeface="+mn-lt"/>
+                <a:ea typeface="+mn-ea"/>
+                <a:cs typeface="+mn-cs"/>
+              </a:defRPr>
+            </a:lvl2pPr>
+            <a:lvl3pPr marL="1143000" indent="-228600" algn="l" defTabSz="914400" rtl="0" eaLnBrk="1" latinLnBrk="0" hangingPunct="1">
+              <a:lnSpc>
+                <a:spcPct val="90000"/>
+              </a:lnSpc>
+              <a:spcBef>
+                <a:spcPts val="500"/>
+              </a:spcBef>
+              <a:buFont typeface="Arial" panose="020B0604020202020204" pitchFamily="34" charset="0"/>
+              <a:buChar char="•"/>
+              <a:defRPr sz="2000" kern="1200">
+                <a:solidFill>
+                  <a:schemeClr val="tx1"/>
+                </a:solidFill>
+                <a:latin typeface="+mn-lt"/>
+                <a:ea typeface="+mn-ea"/>
+                <a:cs typeface="+mn-cs"/>
+              </a:defRPr>
+            </a:lvl3pPr>
+            <a:lvl4pPr marL="1600200" indent="-228600" algn="l" defTabSz="914400" rtl="0" eaLnBrk="1" latinLnBrk="0" hangingPunct="1">
+              <a:lnSpc>
+                <a:spcPct val="90000"/>
+              </a:lnSpc>
+              <a:spcBef>
+                <a:spcPts val="500"/>
+              </a:spcBef>
+              <a:buFont typeface="Arial" panose="020B0604020202020204" pitchFamily="34" charset="0"/>
+              <a:buChar char="•"/>
+              <a:defRPr sz="1800" kern="1200">
+                <a:solidFill>
+                  <a:schemeClr val="tx1"/>
+                </a:solidFill>
+                <a:latin typeface="+mn-lt"/>
+                <a:ea typeface="+mn-ea"/>
+                <a:cs typeface="+mn-cs"/>
+              </a:defRPr>
+            </a:lvl4pPr>
+            <a:lvl5pPr marL="2057400" indent="-228600" algn="l" defTabSz="914400" rtl="0" eaLnBrk="1" latinLnBrk="0" hangingPunct="1">
+              <a:lnSpc>
+                <a:spcPct val="90000"/>
+              </a:lnSpc>
+              <a:spcBef>
+                <a:spcPts val="500"/>
+              </a:spcBef>
+              <a:buFont typeface="Arial" panose="020B0604020202020204" pitchFamily="34" charset="0"/>
+              <a:buChar char="•"/>
+              <a:defRPr sz="1800" kern="1200">
+                <a:solidFill>
+                  <a:schemeClr val="tx1"/>
+                </a:solidFill>
+                <a:latin typeface="+mn-lt"/>
+                <a:ea typeface="+mn-ea"/>
+                <a:cs typeface="+mn-cs"/>
+              </a:defRPr>
+            </a:lvl5pPr>
+            <a:lvl6pPr marL="2514600" indent="-228600" algn="l" defTabSz="914400" rtl="0" eaLnBrk="1" latinLnBrk="0" hangingPunct="1">
+              <a:lnSpc>
+                <a:spcPct val="90000"/>
+              </a:lnSpc>
+              <a:spcBef>
+                <a:spcPts val="500"/>
+              </a:spcBef>
+              <a:buFont typeface="Arial" panose="020B0604020202020204" pitchFamily="34" charset="0"/>
+              <a:buChar char="•"/>
+              <a:defRPr sz="1800" kern="1200">
+                <a:solidFill>
+                  <a:schemeClr val="tx1"/>
+                </a:solidFill>
+                <a:latin typeface="+mn-lt"/>
+                <a:ea typeface="+mn-ea"/>
+                <a:cs typeface="+mn-cs"/>
+              </a:defRPr>
+            </a:lvl6pPr>
+            <a:lvl7pPr marL="2971800" indent="-228600" algn="l" defTabSz="914400" rtl="0" eaLnBrk="1" latinLnBrk="0" hangingPunct="1">
+              <a:lnSpc>
+                <a:spcPct val="90000"/>
+              </a:lnSpc>
+              <a:spcBef>
+                <a:spcPts val="500"/>
+              </a:spcBef>
+              <a:buFont typeface="Arial" panose="020B0604020202020204" pitchFamily="34" charset="0"/>
+              <a:buChar char="•"/>
+              <a:defRPr sz="1800" kern="1200">
+                <a:solidFill>
+                  <a:schemeClr val="tx1"/>
+                </a:solidFill>
+                <a:latin typeface="+mn-lt"/>
+                <a:ea typeface="+mn-ea"/>
+                <a:cs typeface="+mn-cs"/>
+              </a:defRPr>
+            </a:lvl7pPr>
+            <a:lvl8pPr marL="3429000" indent="-228600" algn="l" defTabSz="914400" rtl="0" eaLnBrk="1" latinLnBrk="0" hangingPunct="1">
+              <a:lnSpc>
+                <a:spcPct val="90000"/>
+              </a:lnSpc>
+              <a:spcBef>
+                <a:spcPts val="500"/>
+              </a:spcBef>
+              <a:buFont typeface="Arial" panose="020B0604020202020204" pitchFamily="34" charset="0"/>
+              <a:buChar char="•"/>
+              <a:defRPr sz="1800" kern="1200">
+                <a:solidFill>
+                  <a:schemeClr val="tx1"/>
+                </a:solidFill>
+                <a:latin typeface="+mn-lt"/>
+                <a:ea typeface="+mn-ea"/>
+                <a:cs typeface="+mn-cs"/>
+              </a:defRPr>
+            </a:lvl8pPr>
+            <a:lvl9pPr marL="3886200" indent="-228600" algn="l" defTabSz="914400" rtl="0" eaLnBrk="1" latinLnBrk="0" hangingPunct="1">
+              <a:lnSpc>
+                <a:spcPct val="90000"/>
+              </a:lnSpc>
+              <a:spcBef>
+                <a:spcPts val="500"/>
+              </a:spcBef>
+              <a:buFont typeface="Arial" panose="020B0604020202020204" pitchFamily="34" charset="0"/>
+              <a:buChar char="•"/>
+              <a:defRPr sz="1800" kern="1200">
+                <a:solidFill>
+                  <a:schemeClr val="tx1"/>
+                </a:solidFill>
+                <a:latin typeface="+mn-lt"/>
+                <a:ea typeface="+mn-ea"/>
+                <a:cs typeface="+mn-cs"/>
+              </a:defRPr>
+            </a:lvl9pPr>
+          </a:lstStyle>
+          <a:p>
+            <a:pPr lvl="1"/>
+            <a:r>
+              <a:rPr lang="en-US" altLang="zh-CN" sz="2000" dirty="0">
+                <a:sym typeface="+mn-ea"/>
+              </a:rPr>
+              <a:t>Backend:</a:t>
+            </a:r>
+            <a:r>
+              <a:rPr lang="zh-CN" altLang="en-US" sz="2000" dirty="0">
+                <a:sym typeface="+mn-ea"/>
+              </a:rPr>
+              <a:t> </a:t>
+            </a:r>
+            <a:r>
+              <a:rPr lang="en-US" altLang="zh-CN" sz="2000" dirty="0">
+                <a:sym typeface="+mn-ea"/>
+              </a:rPr>
+              <a:t>new</a:t>
+            </a:r>
+            <a:r>
+              <a:rPr lang="zh-CN" altLang="en-US" sz="2000" dirty="0">
+                <a:sym typeface="+mn-ea"/>
+              </a:rPr>
+              <a:t> </a:t>
+            </a:r>
+            <a:r>
+              <a:rPr lang="en-US" altLang="zh-CN" sz="2000" dirty="0">
+                <a:sym typeface="+mn-ea"/>
+              </a:rPr>
+              <a:t>thread</a:t>
+            </a:r>
+          </a:p>
+          <a:p>
+            <a:pPr lvl="1"/>
+            <a:r>
+              <a:rPr lang="zh-CN" altLang="en-US" sz="2000" dirty="0">
+                <a:sym typeface="+mn-ea"/>
+              </a:rPr>
+              <a:t>内存占用较高</a:t>
+            </a:r>
+            <a:endParaRPr lang="en-US" altLang="zh-CN" sz="2000" dirty="0">
+              <a:sym typeface="+mn-ea"/>
+            </a:endParaRPr>
+          </a:p>
+          <a:p>
+            <a:pPr lvl="1"/>
+            <a:r>
+              <a:rPr lang="zh-CN" altLang="en-US" sz="2000" dirty="0">
+                <a:sym typeface="+mn-ea"/>
+              </a:rPr>
+              <a:t>并发较低</a:t>
+            </a:r>
+            <a:endParaRPr lang="en-US" altLang="zh-CN" sz="2000" dirty="0">
+              <a:sym typeface="+mn-ea"/>
+            </a:endParaRPr>
+          </a:p>
+          <a:p>
+            <a:pPr lvl="1"/>
+            <a:r>
+              <a:rPr lang="zh-CN" altLang="en-US" sz="2000" dirty="0">
+                <a:sym typeface="+mn-ea"/>
+              </a:rPr>
+              <a:t>一些情况下</a:t>
+            </a:r>
+            <a:r>
+              <a:rPr lang="en-US" altLang="zh-CN" sz="2000" dirty="0">
+                <a:sym typeface="+mn-ea"/>
+              </a:rPr>
+              <a:t>(</a:t>
+            </a:r>
+            <a:r>
+              <a:rPr lang="zh-CN" altLang="en-US" sz="2000" dirty="0">
+                <a:sym typeface="+mn-ea"/>
+              </a:rPr>
+              <a:t>动态文件</a:t>
+            </a:r>
+            <a:r>
+              <a:rPr lang="en-US" altLang="zh-CN" sz="2000" dirty="0">
+                <a:sym typeface="+mn-ea"/>
+              </a:rPr>
+              <a:t>)</a:t>
+            </a:r>
+            <a:r>
+              <a:rPr lang="zh-CN" altLang="en-US" sz="2000" dirty="0">
+                <a:sym typeface="+mn-ea"/>
+              </a:rPr>
+              <a:t>相应密度更高</a:t>
+            </a:r>
+            <a:endParaRPr lang="en-US" altLang="zh-CN" sz="2000" dirty="0">
+              <a:sym typeface="+mn-ea"/>
+            </a:endParaRPr>
+          </a:p>
+          <a:p>
+            <a:pPr lvl="1"/>
+            <a:endParaRPr lang="en-US" altLang="zh-CN" sz="2000" dirty="0">
+              <a:sym typeface="+mn-ea"/>
+            </a:endParaRPr>
+          </a:p>
+        </p:txBody>
+      </p:sp>
+      <p:pic>
+        <p:nvPicPr>
+          <p:cNvPr id="2" name="图片 1">
+            <a:extLst>
+              <a:ext uri="{FF2B5EF4-FFF2-40B4-BE49-F238E27FC236}">
+                <a16:creationId xmlns:a16="http://schemas.microsoft.com/office/drawing/2014/main" id="{A6A355C2-64B0-9E41-8101-4B309450B414}"/>
+              </a:ext>
+            </a:extLst>
+          </p:cNvPr>
+          <p:cNvPicPr>
+            <a:picLocks noChangeAspect="1"/>
+          </p:cNvPicPr>
+          <p:nvPr/>
+        </p:nvPicPr>
+        <p:blipFill>
+          <a:blip r:embed="rId4"/>
+          <a:stretch>
+            <a:fillRect/>
+          </a:stretch>
+        </p:blipFill>
+        <p:spPr>
+          <a:xfrm>
+            <a:off x="1297194" y="1763735"/>
+            <a:ext cx="1790700" cy="558800"/>
+          </a:xfrm>
+          <a:prstGeom prst="rect">
+            <a:avLst/>
+          </a:prstGeom>
+        </p:spPr>
+      </p:pic>
+      <p:pic>
+        <p:nvPicPr>
+          <p:cNvPr id="3" name="图片 2">
+            <a:extLst>
+              <a:ext uri="{FF2B5EF4-FFF2-40B4-BE49-F238E27FC236}">
+                <a16:creationId xmlns:a16="http://schemas.microsoft.com/office/drawing/2014/main" id="{5259BA75-9834-434E-A55C-7B77F6F5C88F}"/>
+              </a:ext>
+            </a:extLst>
+          </p:cNvPr>
+          <p:cNvPicPr>
+            <a:picLocks noChangeAspect="1"/>
+          </p:cNvPicPr>
+          <p:nvPr/>
+        </p:nvPicPr>
+        <p:blipFill>
+          <a:blip r:embed="rId5"/>
+          <a:stretch>
+            <a:fillRect/>
+          </a:stretch>
+        </p:blipFill>
+        <p:spPr>
+          <a:xfrm>
+            <a:off x="8133394" y="1786074"/>
+            <a:ext cx="1255060" cy="514121"/>
+          </a:xfrm>
+          <a:prstGeom prst="rect">
+            <a:avLst/>
+          </a:prstGeom>
+        </p:spPr>
+      </p:pic>
+      <p:pic>
+        <p:nvPicPr>
+          <p:cNvPr id="5" name="图片 4">
+            <a:extLst>
+              <a:ext uri="{FF2B5EF4-FFF2-40B4-BE49-F238E27FC236}">
+                <a16:creationId xmlns:a16="http://schemas.microsoft.com/office/drawing/2014/main" id="{76CC11D8-0A21-D944-9291-5E719C0E0C7E}"/>
+              </a:ext>
+            </a:extLst>
+          </p:cNvPr>
+          <p:cNvPicPr>
+            <a:picLocks noChangeAspect="1"/>
+          </p:cNvPicPr>
+          <p:nvPr/>
+        </p:nvPicPr>
+        <p:blipFill>
+          <a:blip r:embed="rId6"/>
+          <a:stretch>
+            <a:fillRect/>
+          </a:stretch>
+        </p:blipFill>
+        <p:spPr>
+          <a:xfrm>
+            <a:off x="4414565" y="1312380"/>
+            <a:ext cx="2564445" cy="2103350"/>
+          </a:xfrm>
+          <a:prstGeom prst="rect">
+            <a:avLst/>
+          </a:prstGeom>
+        </p:spPr>
+      </p:pic>
+      <p:pic>
+        <p:nvPicPr>
+          <p:cNvPr id="7" name="图片 6">
+            <a:extLst>
+              <a:ext uri="{FF2B5EF4-FFF2-40B4-BE49-F238E27FC236}">
+                <a16:creationId xmlns:a16="http://schemas.microsoft.com/office/drawing/2014/main" id="{7AA0F472-54E0-8B4E-A239-7E8F2D6DB0EB}"/>
+              </a:ext>
+            </a:extLst>
+          </p:cNvPr>
+          <p:cNvPicPr>
+            <a:picLocks noChangeAspect="1"/>
+          </p:cNvPicPr>
+          <p:nvPr/>
+        </p:nvPicPr>
+        <p:blipFill>
+          <a:blip r:embed="rId7"/>
+          <a:stretch>
+            <a:fillRect/>
+          </a:stretch>
+        </p:blipFill>
+        <p:spPr>
+          <a:xfrm>
+            <a:off x="4386366" y="3429000"/>
+            <a:ext cx="2620841" cy="2103350"/>
+          </a:xfrm>
+          <a:prstGeom prst="rect">
+            <a:avLst/>
+          </a:prstGeom>
+        </p:spPr>
+      </p:pic>
+      <p:sp>
+        <p:nvSpPr>
+          <p:cNvPr id="40" name="Content Placeholder 2">
+            <a:extLst>
+              <a:ext uri="{FF2B5EF4-FFF2-40B4-BE49-F238E27FC236}">
+                <a16:creationId xmlns:a16="http://schemas.microsoft.com/office/drawing/2014/main" id="{9EFE6A20-8CB7-E842-8F3F-BD87B16C7148}"/>
+              </a:ext>
+            </a:extLst>
+          </p:cNvPr>
+          <p:cNvSpPr txBox="1"/>
+          <p:nvPr/>
+        </p:nvSpPr>
+        <p:spPr>
+          <a:xfrm>
+            <a:off x="7477665" y="2364055"/>
+            <a:ext cx="3298800" cy="2176638"/>
+          </a:xfrm>
+          <a:prstGeom prst="rect">
+            <a:avLst/>
+          </a:prstGeom>
+        </p:spPr>
+        <p:txBody>
+          <a:bodyPr>
+            <a:normAutofit/>
+          </a:bodyPr>
+          <a:lstStyle>
+            <a:lvl1pPr marL="228600" indent="-228600" algn="l" defTabSz="914400" rtl="0" eaLnBrk="1" latinLnBrk="0" hangingPunct="1">
+              <a:lnSpc>
+                <a:spcPct val="90000"/>
+              </a:lnSpc>
+              <a:spcBef>
+                <a:spcPts val="1000"/>
+              </a:spcBef>
+              <a:buFont typeface="Arial" panose="020B0604020202020204" pitchFamily="34" charset="0"/>
+              <a:buChar char="•"/>
+              <a:defRPr sz="2800" kern="1200">
+                <a:solidFill>
+                  <a:schemeClr val="tx1"/>
+                </a:solidFill>
+                <a:latin typeface="+mn-lt"/>
+                <a:ea typeface="+mn-ea"/>
+                <a:cs typeface="+mn-cs"/>
+              </a:defRPr>
+            </a:lvl1pPr>
+            <a:lvl2pPr marL="685800" indent="-228600" algn="l" defTabSz="914400" rtl="0" eaLnBrk="1" latinLnBrk="0" hangingPunct="1">
+              <a:lnSpc>
+                <a:spcPct val="90000"/>
+              </a:lnSpc>
+              <a:spcBef>
+                <a:spcPts val="500"/>
+              </a:spcBef>
+              <a:buFont typeface="Arial" panose="020B0604020202020204" pitchFamily="34" charset="0"/>
+              <a:buChar char="•"/>
+              <a:defRPr sz="2400" kern="1200">
+                <a:solidFill>
+                  <a:schemeClr val="tx1"/>
+                </a:solidFill>
+                <a:latin typeface="+mn-lt"/>
+                <a:ea typeface="+mn-ea"/>
+                <a:cs typeface="+mn-cs"/>
+              </a:defRPr>
+            </a:lvl2pPr>
+            <a:lvl3pPr marL="1143000" indent="-228600" algn="l" defTabSz="914400" rtl="0" eaLnBrk="1" latinLnBrk="0" hangingPunct="1">
+              <a:lnSpc>
+                <a:spcPct val="90000"/>
+              </a:lnSpc>
+              <a:spcBef>
+                <a:spcPts val="500"/>
+              </a:spcBef>
+              <a:buFont typeface="Arial" panose="020B0604020202020204" pitchFamily="34" charset="0"/>
+              <a:buChar char="•"/>
+              <a:defRPr sz="2000" kern="1200">
+                <a:solidFill>
+                  <a:schemeClr val="tx1"/>
+                </a:solidFill>
+                <a:latin typeface="+mn-lt"/>
+                <a:ea typeface="+mn-ea"/>
+                <a:cs typeface="+mn-cs"/>
+              </a:defRPr>
+            </a:lvl3pPr>
+            <a:lvl4pPr marL="1600200" indent="-228600" algn="l" defTabSz="914400" rtl="0" eaLnBrk="1" latinLnBrk="0" hangingPunct="1">
+              <a:lnSpc>
+                <a:spcPct val="90000"/>
+              </a:lnSpc>
+              <a:spcBef>
+                <a:spcPts val="500"/>
+              </a:spcBef>
+              <a:buFont typeface="Arial" panose="020B0604020202020204" pitchFamily="34" charset="0"/>
+              <a:buChar char="•"/>
+              <a:defRPr sz="1800" kern="1200">
+                <a:solidFill>
+                  <a:schemeClr val="tx1"/>
+                </a:solidFill>
+                <a:latin typeface="+mn-lt"/>
+                <a:ea typeface="+mn-ea"/>
+                <a:cs typeface="+mn-cs"/>
+              </a:defRPr>
+            </a:lvl4pPr>
+            <a:lvl5pPr marL="2057400" indent="-228600" algn="l" defTabSz="914400" rtl="0" eaLnBrk="1" latinLnBrk="0" hangingPunct="1">
+              <a:lnSpc>
+                <a:spcPct val="90000"/>
+              </a:lnSpc>
+              <a:spcBef>
+                <a:spcPts val="500"/>
+              </a:spcBef>
+              <a:buFont typeface="Arial" panose="020B0604020202020204" pitchFamily="34" charset="0"/>
+              <a:buChar char="•"/>
+              <a:defRPr sz="1800" kern="1200">
+                <a:solidFill>
+                  <a:schemeClr val="tx1"/>
+                </a:solidFill>
+                <a:latin typeface="+mn-lt"/>
+                <a:ea typeface="+mn-ea"/>
+                <a:cs typeface="+mn-cs"/>
+              </a:defRPr>
+            </a:lvl5pPr>
+            <a:lvl6pPr marL="2514600" indent="-228600" algn="l" defTabSz="914400" rtl="0" eaLnBrk="1" latinLnBrk="0" hangingPunct="1">
+              <a:lnSpc>
+                <a:spcPct val="90000"/>
+              </a:lnSpc>
+              <a:spcBef>
+                <a:spcPts val="500"/>
+              </a:spcBef>
+              <a:buFont typeface="Arial" panose="020B0604020202020204" pitchFamily="34" charset="0"/>
+              <a:buChar char="•"/>
+              <a:defRPr sz="1800" kern="1200">
+                <a:solidFill>
+                  <a:schemeClr val="tx1"/>
+                </a:solidFill>
+                <a:latin typeface="+mn-lt"/>
+                <a:ea typeface="+mn-ea"/>
+                <a:cs typeface="+mn-cs"/>
+              </a:defRPr>
+            </a:lvl6pPr>
+            <a:lvl7pPr marL="2971800" indent="-228600" algn="l" defTabSz="914400" rtl="0" eaLnBrk="1" latinLnBrk="0" hangingPunct="1">
+              <a:lnSpc>
+                <a:spcPct val="90000"/>
+              </a:lnSpc>
+              <a:spcBef>
+                <a:spcPts val="500"/>
+              </a:spcBef>
+              <a:buFont typeface="Arial" panose="020B0604020202020204" pitchFamily="34" charset="0"/>
+              <a:buChar char="•"/>
+              <a:defRPr sz="1800" kern="1200">
+                <a:solidFill>
+                  <a:schemeClr val="tx1"/>
+                </a:solidFill>
+                <a:latin typeface="+mn-lt"/>
+                <a:ea typeface="+mn-ea"/>
+                <a:cs typeface="+mn-cs"/>
+              </a:defRPr>
+            </a:lvl7pPr>
+            <a:lvl8pPr marL="3429000" indent="-228600" algn="l" defTabSz="914400" rtl="0" eaLnBrk="1" latinLnBrk="0" hangingPunct="1">
+              <a:lnSpc>
+                <a:spcPct val="90000"/>
+              </a:lnSpc>
+              <a:spcBef>
+                <a:spcPts val="500"/>
+              </a:spcBef>
+              <a:buFont typeface="Arial" panose="020B0604020202020204" pitchFamily="34" charset="0"/>
+              <a:buChar char="•"/>
+              <a:defRPr sz="1800" kern="1200">
+                <a:solidFill>
+                  <a:schemeClr val="tx1"/>
+                </a:solidFill>
+                <a:latin typeface="+mn-lt"/>
+                <a:ea typeface="+mn-ea"/>
+                <a:cs typeface="+mn-cs"/>
+              </a:defRPr>
+            </a:lvl8pPr>
+            <a:lvl9pPr marL="3886200" indent="-228600" algn="l" defTabSz="914400" rtl="0" eaLnBrk="1" latinLnBrk="0" hangingPunct="1">
+              <a:lnSpc>
+                <a:spcPct val="90000"/>
+              </a:lnSpc>
+              <a:spcBef>
+                <a:spcPts val="500"/>
+              </a:spcBef>
+              <a:buFont typeface="Arial" panose="020B0604020202020204" pitchFamily="34" charset="0"/>
+              <a:buChar char="•"/>
+              <a:defRPr sz="1800" kern="1200">
+                <a:solidFill>
+                  <a:schemeClr val="tx1"/>
+                </a:solidFill>
+                <a:latin typeface="+mn-lt"/>
+                <a:ea typeface="+mn-ea"/>
+                <a:cs typeface="+mn-cs"/>
+              </a:defRPr>
+            </a:lvl9pPr>
+          </a:lstStyle>
+          <a:p>
+            <a:pPr lvl="1"/>
+            <a:r>
+              <a:rPr lang="en-US" altLang="zh-CN" sz="2000" dirty="0">
+                <a:sym typeface="+mn-ea"/>
+              </a:rPr>
+              <a:t>Backend:</a:t>
+            </a:r>
+            <a:r>
+              <a:rPr lang="zh-CN" altLang="en-US" sz="2000" dirty="0">
+                <a:sym typeface="+mn-ea"/>
+              </a:rPr>
+              <a:t> </a:t>
+            </a:r>
+            <a:r>
+              <a:rPr lang="en-US" altLang="zh-CN" sz="2000" dirty="0" err="1">
+                <a:sym typeface="+mn-ea"/>
+              </a:rPr>
+              <a:t>epoll</a:t>
+            </a:r>
+            <a:endParaRPr lang="en-US" altLang="zh-CN" sz="2000" dirty="0">
+              <a:sym typeface="+mn-ea"/>
+            </a:endParaRPr>
+          </a:p>
+          <a:p>
+            <a:pPr lvl="1"/>
+            <a:r>
+              <a:rPr lang="zh-CN" altLang="en-US" sz="2000" dirty="0">
+                <a:sym typeface="+mn-ea"/>
+              </a:rPr>
+              <a:t>内存占用低</a:t>
+            </a:r>
+            <a:endParaRPr lang="en-US" altLang="zh-CN" sz="2000" dirty="0">
+              <a:sym typeface="+mn-ea"/>
+            </a:endParaRPr>
+          </a:p>
+          <a:p>
+            <a:pPr lvl="1"/>
+            <a:r>
+              <a:rPr lang="zh-CN" altLang="en-US" sz="2000" dirty="0">
+                <a:sym typeface="+mn-ea"/>
+              </a:rPr>
+              <a:t>高并发</a:t>
+            </a:r>
+            <a:endParaRPr lang="en-US" altLang="zh-CN" sz="2000" dirty="0">
+              <a:sym typeface="+mn-ea"/>
+            </a:endParaRPr>
+          </a:p>
+          <a:p>
+            <a:pPr lvl="1"/>
+            <a:r>
+              <a:rPr lang="zh-CN" altLang="en-US" sz="2000" dirty="0">
+                <a:sym typeface="+mn-ea"/>
+              </a:rPr>
+              <a:t>高负载下延时增大</a:t>
+            </a:r>
+            <a:endParaRPr lang="en-US" altLang="zh-CN" sz="2000" dirty="0">
+              <a:sym typeface="+mn-ea"/>
+            </a:endParaRPr>
+          </a:p>
+        </p:txBody>
+      </p:sp>
+    </p:spTree>
+    <p:extLst>
+      <p:ext uri="{BB962C8B-B14F-4D97-AF65-F5344CB8AC3E}">
+        <p14:creationId xmlns:p14="http://schemas.microsoft.com/office/powerpoint/2010/main" val="1142207113"/>
+      </p:ext>
+    </p:extLst>
+  </p:cSld>
+  <p:clrMapOvr>
+    <a:masterClrMapping/>
+  </p:clrMapOvr>
+</p:sld>
+</file>
+
+<file path=ppt/slides/slide29.xml><?xml version="1.0" encoding="utf-8"?>
+<p:sld xmlns:a="http://schemas.openxmlformats.org/drawingml/2006/main" xmlns:r="http://schemas.openxmlformats.org/officeDocument/2006/relationships" xmlns:p="http://schemas.openxmlformats.org/presentationml/2006/main">
+  <p:cSld>
+    <p:spTree>
+      <p:nvGrpSpPr>
+        <p:cNvPr id="1" name=""/>
+        <p:cNvGrpSpPr/>
+        <p:nvPr/>
+      </p:nvGrpSpPr>
+      <p:grpSpPr>
+        <a:xfrm>
+          <a:off x="0" y="0"/>
+          <a:ext cx="0" cy="0"/>
+          <a:chOff x="0" y="0"/>
+          <a:chExt cx="0" cy="0"/>
+        </a:xfrm>
+      </p:grpSpPr>
+      <p:sp>
+        <p:nvSpPr>
+          <p:cNvPr id="11" name="标题 1"/>
+          <p:cNvSpPr txBox="1"/>
+          <p:nvPr/>
+        </p:nvSpPr>
+        <p:spPr>
+          <a:xfrm>
+            <a:off x="871414" y="633375"/>
+            <a:ext cx="10030487" cy="961382"/>
+          </a:xfrm>
+          <a:prstGeom prst="rect">
+            <a:avLst/>
+          </a:prstGeom>
+        </p:spPr>
+        <p:txBody>
+          <a:bodyPr/>
+          <a:lstStyle>
+            <a:lvl1pPr algn="l" defTabSz="914400" rtl="0" eaLnBrk="1" latinLnBrk="0" hangingPunct="1">
+              <a:lnSpc>
+                <a:spcPct val="90000"/>
+              </a:lnSpc>
+              <a:spcBef>
+                <a:spcPct val="0"/>
+              </a:spcBef>
+              <a:buNone/>
+              <a:defRPr sz="4400" kern="1200">
+                <a:solidFill>
+                  <a:schemeClr val="tx1"/>
+                </a:solidFill>
+                <a:latin typeface="+mj-lt"/>
+                <a:ea typeface="+mj-ea"/>
+                <a:cs typeface="+mj-cs"/>
+              </a:defRPr>
+            </a:lvl1pPr>
+          </a:lstStyle>
+          <a:p>
+            <a:r>
+              <a:rPr lang="zh-CN" altLang="en-US" sz="4000" b="1" dirty="0">
+                <a:solidFill>
+                  <a:srgbClr val="704F95"/>
+                </a:solidFill>
+                <a:latin typeface="思源宋体 Medium" panose="02020500000000000000" pitchFamily="18" charset="-122"/>
+                <a:ea typeface="思源宋体 Medium" panose="02020500000000000000" pitchFamily="18" charset="-122"/>
+              </a:rPr>
+              <a:t>进一步计划</a:t>
+            </a:r>
+            <a:r>
+              <a:rPr lang="en-US" altLang="zh-CN" sz="4000" b="1" dirty="0">
+                <a:solidFill>
+                  <a:srgbClr val="704F95"/>
+                </a:solidFill>
+                <a:latin typeface="思源宋体 Medium" panose="02020500000000000000" pitchFamily="18" charset="-122"/>
+                <a:ea typeface="思源宋体 Medium" panose="02020500000000000000" pitchFamily="18" charset="-122"/>
+              </a:rPr>
+              <a:t>: </a:t>
+            </a:r>
+            <a:r>
+              <a:rPr lang="zh-CN" altLang="en-US" sz="4000" b="1" dirty="0">
+                <a:solidFill>
+                  <a:srgbClr val="704F95"/>
+                </a:solidFill>
+                <a:latin typeface="思源宋体 Medium" panose="02020500000000000000" pitchFamily="18" charset="-122"/>
+                <a:ea typeface="思源宋体 Medium" panose="02020500000000000000" pitchFamily="18" charset="-122"/>
+              </a:rPr>
+              <a:t>用户态中断的</a:t>
+            </a:r>
+            <a:r>
+              <a:rPr lang="en-US" altLang="zh-CN" sz="4000" b="1" dirty="0">
+                <a:solidFill>
+                  <a:srgbClr val="704F95"/>
+                </a:solidFill>
+                <a:latin typeface="思源宋体 Medium" panose="02020500000000000000" pitchFamily="18" charset="-122"/>
+                <a:ea typeface="思源宋体 Medium" panose="02020500000000000000" pitchFamily="18" charset="-122"/>
+              </a:rPr>
+              <a:t>web</a:t>
+            </a:r>
+            <a:r>
+              <a:rPr lang="zh-CN" altLang="en-US" sz="4000" b="1" dirty="0">
+                <a:solidFill>
+                  <a:srgbClr val="704F95"/>
+                </a:solidFill>
+                <a:latin typeface="思源宋体 Medium" panose="02020500000000000000" pitchFamily="18" charset="-122"/>
+                <a:ea typeface="思源宋体 Medium" panose="02020500000000000000" pitchFamily="18" charset="-122"/>
+              </a:rPr>
+              <a:t>框架</a:t>
+            </a:r>
+          </a:p>
+        </p:txBody>
+      </p:sp>
+      <p:sp>
+        <p:nvSpPr>
+          <p:cNvPr id="43" name="Rectangle 236"/>
+          <p:cNvSpPr/>
+          <p:nvPr/>
+        </p:nvSpPr>
+        <p:spPr>
+          <a:xfrm>
+            <a:off x="688759" y="511209"/>
+            <a:ext cx="10395795" cy="923330"/>
+          </a:xfrm>
+          <a:prstGeom prst="rect">
+            <a:avLst/>
+          </a:prstGeom>
+          <a:noFill/>
+        </p:spPr>
+        <p:txBody>
+          <a:bodyPr wrap="none" lIns="91440" tIns="45720" rIns="91440" bIns="45720">
+            <a:spAutoFit/>
+            <a:scene3d>
+              <a:camera prst="orthographicFront"/>
+              <a:lightRig rig="soft" dir="t">
+                <a:rot lat="0" lon="0" rev="15600000"/>
+              </a:lightRig>
+            </a:scene3d>
+            <a:sp3d extrusionH="57150" prstMaterial="softEdge">
+              <a:bevelT w="25400" h="38100"/>
+            </a:sp3d>
+          </a:bodyPr>
+          <a:lstStyle/>
+          <a:p>
+            <a:pPr algn="ctr"/>
+            <a:r>
+              <a:rPr lang="zh-CN" altLang="en-US" sz="5400" b="1" u="sng" dirty="0">
+                <a:solidFill>
+                  <a:srgbClr val="803A87"/>
+                </a:solidFill>
+              </a:rPr>
+              <a:t>                                                               </a:t>
+            </a:r>
+            <a:endParaRPr lang="en-US" altLang="zh-CN" sz="5400" b="1" u="sng" dirty="0">
+              <a:solidFill>
+                <a:srgbClr val="803A87"/>
+              </a:solidFill>
+            </a:endParaRPr>
+          </a:p>
+        </p:txBody>
+      </p:sp>
+      <p:pic>
+        <p:nvPicPr>
+          <p:cNvPr id="44" name="Picture 8"/>
+          <p:cNvPicPr/>
+          <p:nvPr/>
+        </p:nvPicPr>
+        <p:blipFill>
+          <a:blip r:embed="rId3">
+            <a:clrChange>
+              <a:clrFrom>
+                <a:srgbClr val="FFFFFF"/>
+              </a:clrFrom>
+              <a:clrTo>
+                <a:srgbClr val="FFFFFF">
+                  <a:alpha val="0"/>
+                </a:srgbClr>
+              </a:clrTo>
+            </a:clrChange>
+          </a:blip>
+          <a:stretch>
+            <a:fillRect/>
+          </a:stretch>
+        </p:blipFill>
+        <p:spPr>
+          <a:xfrm>
+            <a:off x="7880269" y="6297384"/>
+            <a:ext cx="4120587" cy="514122"/>
+          </a:xfrm>
+          <a:prstGeom prst="rect">
+            <a:avLst/>
+          </a:prstGeom>
+        </p:spPr>
+      </p:pic>
+      <p:sp>
+        <p:nvSpPr>
+          <p:cNvPr id="8" name="文本占位符 1"/>
+          <p:cNvSpPr txBox="1"/>
+          <p:nvPr/>
+        </p:nvSpPr>
+        <p:spPr>
+          <a:xfrm>
+            <a:off x="6371771" y="263796"/>
+            <a:ext cx="5629085" cy="328059"/>
+          </a:xfrm>
+          <a:prstGeom prst="rect">
+            <a:avLst/>
+          </a:prstGeom>
+          <a:ln w="12700" cmpd="sng">
+            <a:noFill/>
+          </a:ln>
+        </p:spPr>
+        <p:txBody>
+          <a:bodyPr vert="horz" anchor="ctr"/>
+          <a:lstStyle>
+            <a:lvl1pPr marL="0" indent="0" algn="l" defTabSz="914400" rtl="0" eaLnBrk="1" latinLnBrk="0" hangingPunct="1">
+              <a:lnSpc>
+                <a:spcPct val="90000"/>
+              </a:lnSpc>
+              <a:spcBef>
+                <a:spcPts val="1000"/>
+              </a:spcBef>
+              <a:buFont typeface="Arial" panose="020B0604020202020204" pitchFamily="34" charset="0"/>
+              <a:buNone/>
+              <a:defRPr sz="1400" b="1" kern="1200">
+                <a:solidFill>
+                  <a:schemeClr val="tx1"/>
+                </a:solidFill>
+                <a:latin typeface="微软雅黑" charset="0"/>
+                <a:ea typeface="微软雅黑" charset="0"/>
+                <a:cs typeface="微软雅黑" charset="0"/>
+              </a:defRPr>
+            </a:lvl1pPr>
+            <a:lvl2pPr marL="685800" indent="-228600" algn="l" defTabSz="914400" rtl="0" eaLnBrk="1" latinLnBrk="0" hangingPunct="1">
+              <a:lnSpc>
+                <a:spcPct val="90000"/>
+              </a:lnSpc>
+              <a:spcBef>
+                <a:spcPts val="500"/>
+              </a:spcBef>
+              <a:buFont typeface="Arial" panose="020B0604020202020204" pitchFamily="34" charset="0"/>
+              <a:buChar char="•"/>
+              <a:defRPr sz="2400" kern="1200">
+                <a:solidFill>
+                  <a:schemeClr val="tx1"/>
+                </a:solidFill>
+                <a:latin typeface="+mn-lt"/>
+                <a:ea typeface="+mn-ea"/>
+                <a:cs typeface="+mn-cs"/>
+              </a:defRPr>
+            </a:lvl2pPr>
+            <a:lvl3pPr marL="1143000" indent="-228600" algn="l" defTabSz="914400" rtl="0" eaLnBrk="1" latinLnBrk="0" hangingPunct="1">
+              <a:lnSpc>
+                <a:spcPct val="90000"/>
+              </a:lnSpc>
+              <a:spcBef>
+                <a:spcPts val="500"/>
+              </a:spcBef>
+              <a:buFont typeface="Arial" panose="020B0604020202020204" pitchFamily="34" charset="0"/>
+              <a:buChar char="•"/>
+              <a:defRPr sz="2000" kern="1200">
+                <a:solidFill>
+                  <a:schemeClr val="tx1"/>
+                </a:solidFill>
+                <a:latin typeface="+mn-lt"/>
+                <a:ea typeface="+mn-ea"/>
+                <a:cs typeface="+mn-cs"/>
+              </a:defRPr>
+            </a:lvl3pPr>
+            <a:lvl4pPr marL="1600200" indent="-228600" algn="l" defTabSz="914400" rtl="0" eaLnBrk="1" latinLnBrk="0" hangingPunct="1">
+              <a:lnSpc>
+                <a:spcPct val="90000"/>
+              </a:lnSpc>
+              <a:spcBef>
+                <a:spcPts val="500"/>
+              </a:spcBef>
+              <a:buFont typeface="Arial" panose="020B0604020202020204" pitchFamily="34" charset="0"/>
+              <a:buChar char="•"/>
+              <a:defRPr sz="1800" kern="1200">
+                <a:solidFill>
+                  <a:schemeClr val="tx1"/>
+                </a:solidFill>
+                <a:latin typeface="+mn-lt"/>
+                <a:ea typeface="+mn-ea"/>
+                <a:cs typeface="+mn-cs"/>
+              </a:defRPr>
+            </a:lvl4pPr>
+            <a:lvl5pPr marL="2057400" indent="-228600" algn="l" defTabSz="914400" rtl="0" eaLnBrk="1" latinLnBrk="0" hangingPunct="1">
+              <a:lnSpc>
+                <a:spcPct val="90000"/>
+              </a:lnSpc>
+              <a:spcBef>
+                <a:spcPts val="500"/>
+              </a:spcBef>
+              <a:buFont typeface="Arial" panose="020B0604020202020204" pitchFamily="34" charset="0"/>
+              <a:buChar char="•"/>
+              <a:defRPr sz="1800" kern="1200">
+                <a:solidFill>
+                  <a:schemeClr val="tx1"/>
+                </a:solidFill>
+                <a:latin typeface="+mn-lt"/>
+                <a:ea typeface="+mn-ea"/>
+                <a:cs typeface="+mn-cs"/>
+              </a:defRPr>
+            </a:lvl5pPr>
+            <a:lvl6pPr marL="2514600" indent="-228600" algn="l" defTabSz="914400" rtl="0" eaLnBrk="1" latinLnBrk="0" hangingPunct="1">
+              <a:lnSpc>
+                <a:spcPct val="90000"/>
+              </a:lnSpc>
+              <a:spcBef>
+                <a:spcPts val="500"/>
+              </a:spcBef>
+              <a:buFont typeface="Arial" panose="020B0604020202020204" pitchFamily="34" charset="0"/>
+              <a:buChar char="•"/>
+              <a:defRPr sz="1800" kern="1200">
+                <a:solidFill>
+                  <a:schemeClr val="tx1"/>
+                </a:solidFill>
+                <a:latin typeface="+mn-lt"/>
+                <a:ea typeface="+mn-ea"/>
+                <a:cs typeface="+mn-cs"/>
+              </a:defRPr>
+            </a:lvl6pPr>
+            <a:lvl7pPr marL="2971800" indent="-228600" algn="l" defTabSz="914400" rtl="0" eaLnBrk="1" latinLnBrk="0" hangingPunct="1">
+              <a:lnSpc>
+                <a:spcPct val="90000"/>
+              </a:lnSpc>
+              <a:spcBef>
+                <a:spcPts val="500"/>
+              </a:spcBef>
+              <a:buFont typeface="Arial" panose="020B0604020202020204" pitchFamily="34" charset="0"/>
+              <a:buChar char="•"/>
+              <a:defRPr sz="1800" kern="1200">
+                <a:solidFill>
+                  <a:schemeClr val="tx1"/>
+                </a:solidFill>
+                <a:latin typeface="+mn-lt"/>
+                <a:ea typeface="+mn-ea"/>
+                <a:cs typeface="+mn-cs"/>
+              </a:defRPr>
+            </a:lvl7pPr>
+            <a:lvl8pPr marL="3429000" indent="-228600" algn="l" defTabSz="914400" rtl="0" eaLnBrk="1" latinLnBrk="0" hangingPunct="1">
+              <a:lnSpc>
+                <a:spcPct val="90000"/>
+              </a:lnSpc>
+              <a:spcBef>
+                <a:spcPts val="500"/>
+              </a:spcBef>
+              <a:buFont typeface="Arial" panose="020B0604020202020204" pitchFamily="34" charset="0"/>
+              <a:buChar char="•"/>
+              <a:defRPr sz="1800" kern="1200">
+                <a:solidFill>
+                  <a:schemeClr val="tx1"/>
+                </a:solidFill>
+                <a:latin typeface="+mn-lt"/>
+                <a:ea typeface="+mn-ea"/>
+                <a:cs typeface="+mn-cs"/>
+              </a:defRPr>
+            </a:lvl8pPr>
+            <a:lvl9pPr marL="3886200" indent="-228600" algn="l" defTabSz="914400" rtl="0" eaLnBrk="1" latinLnBrk="0" hangingPunct="1">
+              <a:lnSpc>
+                <a:spcPct val="90000"/>
+              </a:lnSpc>
+              <a:spcBef>
+                <a:spcPts val="500"/>
+              </a:spcBef>
+              <a:buFont typeface="Arial" panose="020B0604020202020204" pitchFamily="34" charset="0"/>
+              <a:buChar char="•"/>
+              <a:defRPr sz="1800" kern="1200">
+                <a:solidFill>
+                  <a:schemeClr val="tx1"/>
+                </a:solidFill>
+                <a:latin typeface="+mn-lt"/>
+                <a:ea typeface="+mn-ea"/>
+                <a:cs typeface="+mn-cs"/>
+              </a:defRPr>
+            </a:lvl9pPr>
+          </a:lstStyle>
+          <a:p>
+            <a:pPr algn="r"/>
+            <a:endParaRPr lang="en-US" altLang="zh-CN" dirty="0">
+              <a:solidFill>
+                <a:srgbClr val="704F95"/>
+              </a:solidFill>
+              <a:latin typeface="思源宋体 Medium" panose="02020500000000000000" pitchFamily="18" charset="-122"/>
+              <a:ea typeface="思源宋体 Medium" panose="02020500000000000000" pitchFamily="18" charset="-122"/>
+            </a:endParaRPr>
+          </a:p>
+        </p:txBody>
+      </p:sp>
+      <p:sp>
+        <p:nvSpPr>
+          <p:cNvPr id="9" name="Content Placeholder 2">
+            <a:extLst>
+              <a:ext uri="{FF2B5EF4-FFF2-40B4-BE49-F238E27FC236}">
+                <a16:creationId xmlns:a16="http://schemas.microsoft.com/office/drawing/2014/main" id="{2E0D6732-3D11-3E43-A883-8D7FBA08F678}"/>
+              </a:ext>
+            </a:extLst>
+          </p:cNvPr>
+          <p:cNvSpPr txBox="1"/>
+          <p:nvPr/>
+        </p:nvSpPr>
+        <p:spPr>
+          <a:xfrm>
+            <a:off x="871414" y="1476059"/>
+            <a:ext cx="10515600" cy="5301295"/>
+          </a:xfrm>
+          <a:prstGeom prst="rect">
+            <a:avLst/>
+          </a:prstGeom>
+        </p:spPr>
+        <p:txBody>
+          <a:bodyPr>
+            <a:normAutofit/>
+          </a:bodyPr>
+          <a:lstStyle>
+            <a:lvl1pPr marL="228600" indent="-228600" algn="l" defTabSz="914400" rtl="0" eaLnBrk="1" latinLnBrk="0" hangingPunct="1">
+              <a:lnSpc>
+                <a:spcPct val="90000"/>
+              </a:lnSpc>
+              <a:spcBef>
+                <a:spcPts val="1000"/>
+              </a:spcBef>
+              <a:buFont typeface="Arial" panose="020B0604020202020204" pitchFamily="34" charset="0"/>
+              <a:buChar char="•"/>
+              <a:defRPr sz="2800" kern="1200">
+                <a:solidFill>
+                  <a:schemeClr val="tx1"/>
+                </a:solidFill>
+                <a:latin typeface="+mn-lt"/>
+                <a:ea typeface="+mn-ea"/>
+                <a:cs typeface="+mn-cs"/>
+              </a:defRPr>
+            </a:lvl1pPr>
+            <a:lvl2pPr marL="685800" indent="-228600" algn="l" defTabSz="914400" rtl="0" eaLnBrk="1" latinLnBrk="0" hangingPunct="1">
+              <a:lnSpc>
+                <a:spcPct val="90000"/>
+              </a:lnSpc>
+              <a:spcBef>
+                <a:spcPts val="500"/>
+              </a:spcBef>
+              <a:buFont typeface="Arial" panose="020B0604020202020204" pitchFamily="34" charset="0"/>
+              <a:buChar char="•"/>
+              <a:defRPr sz="2400" kern="1200">
+                <a:solidFill>
+                  <a:schemeClr val="tx1"/>
+                </a:solidFill>
+                <a:latin typeface="+mn-lt"/>
+                <a:ea typeface="+mn-ea"/>
+                <a:cs typeface="+mn-cs"/>
+              </a:defRPr>
+            </a:lvl2pPr>
+            <a:lvl3pPr marL="1143000" indent="-228600" algn="l" defTabSz="914400" rtl="0" eaLnBrk="1" latinLnBrk="0" hangingPunct="1">
+              <a:lnSpc>
+                <a:spcPct val="90000"/>
+              </a:lnSpc>
+              <a:spcBef>
+                <a:spcPts val="500"/>
+              </a:spcBef>
+              <a:buFont typeface="Arial" panose="020B0604020202020204" pitchFamily="34" charset="0"/>
+              <a:buChar char="•"/>
+              <a:defRPr sz="2000" kern="1200">
+                <a:solidFill>
+                  <a:schemeClr val="tx1"/>
+                </a:solidFill>
+                <a:latin typeface="+mn-lt"/>
+                <a:ea typeface="+mn-ea"/>
+                <a:cs typeface="+mn-cs"/>
+              </a:defRPr>
+            </a:lvl3pPr>
+            <a:lvl4pPr marL="1600200" indent="-228600" algn="l" defTabSz="914400" rtl="0" eaLnBrk="1" latinLnBrk="0" hangingPunct="1">
+              <a:lnSpc>
+                <a:spcPct val="90000"/>
+              </a:lnSpc>
+              <a:spcBef>
+                <a:spcPts val="500"/>
+              </a:spcBef>
+              <a:buFont typeface="Arial" panose="020B0604020202020204" pitchFamily="34" charset="0"/>
+              <a:buChar char="•"/>
+              <a:defRPr sz="1800" kern="1200">
+                <a:solidFill>
+                  <a:schemeClr val="tx1"/>
+                </a:solidFill>
+                <a:latin typeface="+mn-lt"/>
+                <a:ea typeface="+mn-ea"/>
+                <a:cs typeface="+mn-cs"/>
+              </a:defRPr>
+            </a:lvl4pPr>
+            <a:lvl5pPr marL="2057400" indent="-228600" algn="l" defTabSz="914400" rtl="0" eaLnBrk="1" latinLnBrk="0" hangingPunct="1">
+              <a:lnSpc>
+                <a:spcPct val="90000"/>
+              </a:lnSpc>
+              <a:spcBef>
+                <a:spcPts val="500"/>
+              </a:spcBef>
+              <a:buFont typeface="Arial" panose="020B0604020202020204" pitchFamily="34" charset="0"/>
+              <a:buChar char="•"/>
+              <a:defRPr sz="1800" kern="1200">
+                <a:solidFill>
+                  <a:schemeClr val="tx1"/>
+                </a:solidFill>
+                <a:latin typeface="+mn-lt"/>
+                <a:ea typeface="+mn-ea"/>
+                <a:cs typeface="+mn-cs"/>
+              </a:defRPr>
+            </a:lvl5pPr>
+            <a:lvl6pPr marL="2514600" indent="-228600" algn="l" defTabSz="914400" rtl="0" eaLnBrk="1" latinLnBrk="0" hangingPunct="1">
+              <a:lnSpc>
+                <a:spcPct val="90000"/>
+              </a:lnSpc>
+              <a:spcBef>
+                <a:spcPts val="500"/>
+              </a:spcBef>
+              <a:buFont typeface="Arial" panose="020B0604020202020204" pitchFamily="34" charset="0"/>
+              <a:buChar char="•"/>
+              <a:defRPr sz="1800" kern="1200">
+                <a:solidFill>
+                  <a:schemeClr val="tx1"/>
+                </a:solidFill>
+                <a:latin typeface="+mn-lt"/>
+                <a:ea typeface="+mn-ea"/>
+                <a:cs typeface="+mn-cs"/>
+              </a:defRPr>
+            </a:lvl6pPr>
+            <a:lvl7pPr marL="2971800" indent="-228600" algn="l" defTabSz="914400" rtl="0" eaLnBrk="1" latinLnBrk="0" hangingPunct="1">
+              <a:lnSpc>
+                <a:spcPct val="90000"/>
+              </a:lnSpc>
+              <a:spcBef>
+                <a:spcPts val="500"/>
+              </a:spcBef>
+              <a:buFont typeface="Arial" panose="020B0604020202020204" pitchFamily="34" charset="0"/>
+              <a:buChar char="•"/>
+              <a:defRPr sz="1800" kern="1200">
+                <a:solidFill>
+                  <a:schemeClr val="tx1"/>
+                </a:solidFill>
+                <a:latin typeface="+mn-lt"/>
+                <a:ea typeface="+mn-ea"/>
+                <a:cs typeface="+mn-cs"/>
+              </a:defRPr>
+            </a:lvl7pPr>
+            <a:lvl8pPr marL="3429000" indent="-228600" algn="l" defTabSz="914400" rtl="0" eaLnBrk="1" latinLnBrk="0" hangingPunct="1">
+              <a:lnSpc>
+                <a:spcPct val="90000"/>
+              </a:lnSpc>
+              <a:spcBef>
+                <a:spcPts val="500"/>
+              </a:spcBef>
+              <a:buFont typeface="Arial" panose="020B0604020202020204" pitchFamily="34" charset="0"/>
+              <a:buChar char="•"/>
+              <a:defRPr sz="1800" kern="1200">
+                <a:solidFill>
+                  <a:schemeClr val="tx1"/>
+                </a:solidFill>
+                <a:latin typeface="+mn-lt"/>
+                <a:ea typeface="+mn-ea"/>
+                <a:cs typeface="+mn-cs"/>
+              </a:defRPr>
+            </a:lvl8pPr>
+            <a:lvl9pPr marL="3886200" indent="-228600" algn="l" defTabSz="914400" rtl="0" eaLnBrk="1" latinLnBrk="0" hangingPunct="1">
+              <a:lnSpc>
+                <a:spcPct val="90000"/>
+              </a:lnSpc>
+              <a:spcBef>
+                <a:spcPts val="500"/>
+              </a:spcBef>
+              <a:buFont typeface="Arial" panose="020B0604020202020204" pitchFamily="34" charset="0"/>
+              <a:buChar char="•"/>
+              <a:defRPr sz="1800" kern="1200">
+                <a:solidFill>
+                  <a:schemeClr val="tx1"/>
+                </a:solidFill>
+                <a:latin typeface="+mn-lt"/>
+                <a:ea typeface="+mn-ea"/>
+                <a:cs typeface="+mn-cs"/>
+              </a:defRPr>
+            </a:lvl9pPr>
+          </a:lstStyle>
+          <a:p>
+            <a:endParaRPr lang="en-US" altLang="zh-CN" sz="2400" dirty="0">
+              <a:sym typeface="+mn-ea"/>
+            </a:endParaRPr>
+          </a:p>
+          <a:p>
+            <a:pPr marL="0" indent="0">
+              <a:buNone/>
+            </a:pPr>
+            <a:endParaRPr lang="en-US" altLang="zh-CN" sz="2400" dirty="0">
+              <a:sym typeface="+mn-ea"/>
+            </a:endParaRPr>
+          </a:p>
+          <a:p>
+            <a:pPr lvl="1"/>
+            <a:endParaRPr lang="en-US" altLang="zh-CN" sz="2000" dirty="0">
+              <a:sym typeface="+mn-ea"/>
+            </a:endParaRPr>
+          </a:p>
+        </p:txBody>
+      </p:sp>
+      <p:sp>
+        <p:nvSpPr>
+          <p:cNvPr id="10" name="Content Placeholder 2">
+            <a:extLst>
+              <a:ext uri="{FF2B5EF4-FFF2-40B4-BE49-F238E27FC236}">
+                <a16:creationId xmlns:a16="http://schemas.microsoft.com/office/drawing/2014/main" id="{0E28F314-7C71-5C48-AC1D-365AB0C545DF}"/>
+              </a:ext>
+            </a:extLst>
+          </p:cNvPr>
+          <p:cNvSpPr txBox="1"/>
+          <p:nvPr/>
+        </p:nvSpPr>
+        <p:spPr>
+          <a:xfrm>
+            <a:off x="1485256" y="1361153"/>
+            <a:ext cx="10515600" cy="5301295"/>
+          </a:xfrm>
+          <a:prstGeom prst="rect">
+            <a:avLst/>
+          </a:prstGeom>
+        </p:spPr>
+        <p:txBody>
+          <a:bodyPr>
+            <a:normAutofit/>
+          </a:bodyPr>
+          <a:lstStyle>
+            <a:lvl1pPr marL="228600" indent="-228600" algn="l" defTabSz="914400" rtl="0" eaLnBrk="1" latinLnBrk="0" hangingPunct="1">
+              <a:lnSpc>
+                <a:spcPct val="90000"/>
+              </a:lnSpc>
+              <a:spcBef>
+                <a:spcPts val="1000"/>
+              </a:spcBef>
+              <a:buFont typeface="Arial" panose="020B0604020202020204" pitchFamily="34" charset="0"/>
+              <a:buChar char="•"/>
+              <a:defRPr sz="2800" kern="1200">
+                <a:solidFill>
+                  <a:schemeClr val="tx1"/>
+                </a:solidFill>
+                <a:latin typeface="+mn-lt"/>
+                <a:ea typeface="+mn-ea"/>
+                <a:cs typeface="+mn-cs"/>
+              </a:defRPr>
+            </a:lvl1pPr>
+            <a:lvl2pPr marL="685800" indent="-228600" algn="l" defTabSz="914400" rtl="0" eaLnBrk="1" latinLnBrk="0" hangingPunct="1">
+              <a:lnSpc>
+                <a:spcPct val="90000"/>
+              </a:lnSpc>
+              <a:spcBef>
+                <a:spcPts val="500"/>
+              </a:spcBef>
+              <a:buFont typeface="Arial" panose="020B0604020202020204" pitchFamily="34" charset="0"/>
+              <a:buChar char="•"/>
+              <a:defRPr sz="2400" kern="1200">
+                <a:solidFill>
+                  <a:schemeClr val="tx1"/>
+                </a:solidFill>
+                <a:latin typeface="+mn-lt"/>
+                <a:ea typeface="+mn-ea"/>
+                <a:cs typeface="+mn-cs"/>
+              </a:defRPr>
+            </a:lvl2pPr>
+            <a:lvl3pPr marL="1143000" indent="-228600" algn="l" defTabSz="914400" rtl="0" eaLnBrk="1" latinLnBrk="0" hangingPunct="1">
+              <a:lnSpc>
+                <a:spcPct val="90000"/>
+              </a:lnSpc>
+              <a:spcBef>
+                <a:spcPts val="500"/>
+              </a:spcBef>
+              <a:buFont typeface="Arial" panose="020B0604020202020204" pitchFamily="34" charset="0"/>
+              <a:buChar char="•"/>
+              <a:defRPr sz="2000" kern="1200">
+                <a:solidFill>
+                  <a:schemeClr val="tx1"/>
+                </a:solidFill>
+                <a:latin typeface="+mn-lt"/>
+                <a:ea typeface="+mn-ea"/>
+                <a:cs typeface="+mn-cs"/>
+              </a:defRPr>
+            </a:lvl3pPr>
+            <a:lvl4pPr marL="1600200" indent="-228600" algn="l" defTabSz="914400" rtl="0" eaLnBrk="1" latinLnBrk="0" hangingPunct="1">
+              <a:lnSpc>
+                <a:spcPct val="90000"/>
+              </a:lnSpc>
+              <a:spcBef>
+                <a:spcPts val="500"/>
+              </a:spcBef>
+              <a:buFont typeface="Arial" panose="020B0604020202020204" pitchFamily="34" charset="0"/>
+              <a:buChar char="•"/>
+              <a:defRPr sz="1800" kern="1200">
+                <a:solidFill>
+                  <a:schemeClr val="tx1"/>
+                </a:solidFill>
+                <a:latin typeface="+mn-lt"/>
+                <a:ea typeface="+mn-ea"/>
+                <a:cs typeface="+mn-cs"/>
+              </a:defRPr>
+            </a:lvl4pPr>
+            <a:lvl5pPr marL="2057400" indent="-228600" algn="l" defTabSz="914400" rtl="0" eaLnBrk="1" latinLnBrk="0" hangingPunct="1">
+              <a:lnSpc>
+                <a:spcPct val="90000"/>
+              </a:lnSpc>
+              <a:spcBef>
+                <a:spcPts val="500"/>
+              </a:spcBef>
+              <a:buFont typeface="Arial" panose="020B0604020202020204" pitchFamily="34" charset="0"/>
+              <a:buChar char="•"/>
+              <a:defRPr sz="1800" kern="1200">
+                <a:solidFill>
+                  <a:schemeClr val="tx1"/>
+                </a:solidFill>
+                <a:latin typeface="+mn-lt"/>
+                <a:ea typeface="+mn-ea"/>
+                <a:cs typeface="+mn-cs"/>
+              </a:defRPr>
+            </a:lvl5pPr>
+            <a:lvl6pPr marL="2514600" indent="-228600" algn="l" defTabSz="914400" rtl="0" eaLnBrk="1" latinLnBrk="0" hangingPunct="1">
+              <a:lnSpc>
+                <a:spcPct val="90000"/>
+              </a:lnSpc>
+              <a:spcBef>
+                <a:spcPts val="500"/>
+              </a:spcBef>
+              <a:buFont typeface="Arial" panose="020B0604020202020204" pitchFamily="34" charset="0"/>
+              <a:buChar char="•"/>
+              <a:defRPr sz="1800" kern="1200">
+                <a:solidFill>
+                  <a:schemeClr val="tx1"/>
+                </a:solidFill>
+                <a:latin typeface="+mn-lt"/>
+                <a:ea typeface="+mn-ea"/>
+                <a:cs typeface="+mn-cs"/>
+              </a:defRPr>
+            </a:lvl6pPr>
+            <a:lvl7pPr marL="2971800" indent="-228600" algn="l" defTabSz="914400" rtl="0" eaLnBrk="1" latinLnBrk="0" hangingPunct="1">
+              <a:lnSpc>
+                <a:spcPct val="90000"/>
+              </a:lnSpc>
+              <a:spcBef>
+                <a:spcPts val="500"/>
+              </a:spcBef>
+              <a:buFont typeface="Arial" panose="020B0604020202020204" pitchFamily="34" charset="0"/>
+              <a:buChar char="•"/>
+              <a:defRPr sz="1800" kern="1200">
+                <a:solidFill>
+                  <a:schemeClr val="tx1"/>
+                </a:solidFill>
+                <a:latin typeface="+mn-lt"/>
+                <a:ea typeface="+mn-ea"/>
+                <a:cs typeface="+mn-cs"/>
+              </a:defRPr>
+            </a:lvl7pPr>
+            <a:lvl8pPr marL="3429000" indent="-228600" algn="l" defTabSz="914400" rtl="0" eaLnBrk="1" latinLnBrk="0" hangingPunct="1">
+              <a:lnSpc>
+                <a:spcPct val="90000"/>
+              </a:lnSpc>
+              <a:spcBef>
+                <a:spcPts val="500"/>
+              </a:spcBef>
+              <a:buFont typeface="Arial" panose="020B0604020202020204" pitchFamily="34" charset="0"/>
+              <a:buChar char="•"/>
+              <a:defRPr sz="1800" kern="1200">
+                <a:solidFill>
+                  <a:schemeClr val="tx1"/>
+                </a:solidFill>
+                <a:latin typeface="+mn-lt"/>
+                <a:ea typeface="+mn-ea"/>
+                <a:cs typeface="+mn-cs"/>
+              </a:defRPr>
+            </a:lvl8pPr>
+            <a:lvl9pPr marL="3886200" indent="-228600" algn="l" defTabSz="914400" rtl="0" eaLnBrk="1" latinLnBrk="0" hangingPunct="1">
+              <a:lnSpc>
+                <a:spcPct val="90000"/>
+              </a:lnSpc>
+              <a:spcBef>
+                <a:spcPts val="500"/>
+              </a:spcBef>
+              <a:buFont typeface="Arial" panose="020B0604020202020204" pitchFamily="34" charset="0"/>
+              <a:buChar char="•"/>
+              <a:defRPr sz="1800" kern="1200">
+                <a:solidFill>
+                  <a:schemeClr val="tx1"/>
+                </a:solidFill>
+                <a:latin typeface="+mn-lt"/>
+                <a:ea typeface="+mn-ea"/>
+                <a:cs typeface="+mn-cs"/>
+              </a:defRPr>
+            </a:lvl9pPr>
+          </a:lstStyle>
+          <a:p>
+            <a:pPr lvl="1"/>
+            <a:endParaRPr lang="en-US" altLang="zh-CN" sz="2000" dirty="0">
+              <a:sym typeface="+mn-ea"/>
+            </a:endParaRPr>
+          </a:p>
+        </p:txBody>
+      </p:sp>
+      <p:sp>
+        <p:nvSpPr>
           <p:cNvPr id="12" name="圆角矩形 11">
             <a:extLst>
               <a:ext uri="{FF2B5EF4-FFF2-40B4-BE49-F238E27FC236}">
@@ -26038,7 +28907,7 @@
         </p:nvSpPr>
         <p:spPr>
           <a:xfrm>
-            <a:off x="5136591" y="3537857"/>
+            <a:off x="7377903" y="3518799"/>
             <a:ext cx="657041" cy="436086"/>
           </a:xfrm>
           <a:prstGeom prst="roundRect">
@@ -26094,7 +28963,7 @@
         </p:nvSpPr>
         <p:spPr>
           <a:xfrm>
-            <a:off x="3950505" y="3091054"/>
+            <a:off x="6191817" y="3071996"/>
             <a:ext cx="546931" cy="1329691"/>
           </a:xfrm>
           <a:prstGeom prst="roundRect">
@@ -26153,7 +29022,7 @@
         </p:nvSpPr>
         <p:spPr>
           <a:xfrm>
-            <a:off x="6469590" y="3091054"/>
+            <a:off x="8710902" y="3071996"/>
             <a:ext cx="546931" cy="1329691"/>
           </a:xfrm>
           <a:prstGeom prst="roundRect">
@@ -26211,7 +29080,7 @@
         </p:nvSpPr>
         <p:spPr>
           <a:xfrm>
-            <a:off x="8031403" y="1638682"/>
+            <a:off x="10272715" y="1619624"/>
             <a:ext cx="546931" cy="1130310"/>
           </a:xfrm>
           <a:prstGeom prst="roundRect">
@@ -26267,7 +29136,7 @@
         </p:nvSpPr>
         <p:spPr>
           <a:xfrm>
-            <a:off x="8031403" y="3091055"/>
+            <a:off x="10272715" y="3071997"/>
             <a:ext cx="546931" cy="1130310"/>
           </a:xfrm>
           <a:prstGeom prst="roundRect">
@@ -26323,7 +29192,7 @@
         </p:nvSpPr>
         <p:spPr>
           <a:xfrm>
-            <a:off x="8031403" y="4587310"/>
+            <a:off x="10272715" y="4568252"/>
             <a:ext cx="546931" cy="1130310"/>
           </a:xfrm>
           <a:prstGeom prst="roundRect">
@@ -26379,7 +29248,7 @@
         </p:nvSpPr>
         <p:spPr>
           <a:xfrm>
-            <a:off x="2648131" y="1621624"/>
+            <a:off x="4889443" y="1602566"/>
             <a:ext cx="546931" cy="1130310"/>
           </a:xfrm>
           <a:prstGeom prst="roundRect">
@@ -26443,7 +29312,7 @@
         </p:nvSpPr>
         <p:spPr>
           <a:xfrm>
-            <a:off x="2648131" y="3125375"/>
+            <a:off x="4889443" y="3106317"/>
             <a:ext cx="546931" cy="1130310"/>
           </a:xfrm>
           <a:prstGeom prst="roundRect">
@@ -26507,7 +29376,7 @@
         </p:nvSpPr>
         <p:spPr>
           <a:xfrm>
-            <a:off x="2648130" y="4675921"/>
+            <a:off x="4889442" y="4656863"/>
             <a:ext cx="546931" cy="1130310"/>
           </a:xfrm>
           <a:prstGeom prst="roundRect">
@@ -26571,7 +29440,7 @@
         </p:nvSpPr>
         <p:spPr>
           <a:xfrm>
-            <a:off x="3987308" y="5148260"/>
+            <a:off x="6228620" y="5129202"/>
             <a:ext cx="1020256" cy="467361"/>
           </a:xfrm>
           <a:prstGeom prst="roundRect">
@@ -26633,7 +29502,7 @@
         </p:nvCxnSpPr>
         <p:spPr>
           <a:xfrm>
-            <a:off x="3195062" y="2186779"/>
+            <a:off x="5436374" y="2167721"/>
             <a:ext cx="755443" cy="1569121"/>
           </a:xfrm>
           <a:prstGeom prst="straightConnector1">
@@ -26675,7 +29544,7 @@
         </p:nvCxnSpPr>
         <p:spPr>
           <a:xfrm>
-            <a:off x="3195062" y="3690530"/>
+            <a:off x="5436374" y="3671472"/>
             <a:ext cx="755443" cy="65370"/>
           </a:xfrm>
           <a:prstGeom prst="straightConnector1">
@@ -26717,7 +29586,7 @@
         </p:nvCxnSpPr>
         <p:spPr>
           <a:xfrm flipV="1">
-            <a:off x="3195061" y="3755900"/>
+            <a:off x="5436373" y="3736842"/>
             <a:ext cx="755444" cy="1485176"/>
           </a:xfrm>
           <a:prstGeom prst="straightConnector1">
@@ -26756,7 +29625,7 @@
         </p:nvSpPr>
         <p:spPr>
           <a:xfrm>
-            <a:off x="3057257" y="2833038"/>
+            <a:off x="5298569" y="2813980"/>
             <a:ext cx="994183" cy="261610"/>
           </a:xfrm>
           <a:prstGeom prst="rect">
@@ -26801,7 +29670,7 @@
         </p:nvCxnSpPr>
         <p:spPr>
           <a:xfrm>
-            <a:off x="4223971" y="4420745"/>
+            <a:off x="6465283" y="4401687"/>
             <a:ext cx="107397" cy="727515"/>
           </a:xfrm>
           <a:prstGeom prst="straightConnector1">
@@ -26840,7 +29709,7 @@
         </p:nvSpPr>
         <p:spPr>
           <a:xfrm>
-            <a:off x="4223970" y="4628181"/>
+            <a:off x="6465282" y="4609123"/>
             <a:ext cx="1016625" cy="261610"/>
           </a:xfrm>
           <a:prstGeom prst="rect">
@@ -26892,7 +29761,7 @@
         </p:nvCxnSpPr>
         <p:spPr>
           <a:xfrm>
-            <a:off x="4497436" y="3755900"/>
+            <a:off x="6738748" y="3736842"/>
             <a:ext cx="639155" cy="0"/>
           </a:xfrm>
           <a:prstGeom prst="straightConnector1">
@@ -26935,7 +29804,7 @@
         </p:nvCxnSpPr>
         <p:spPr>
           <a:xfrm>
-            <a:off x="5793632" y="3755900"/>
+            <a:off x="8034944" y="3736842"/>
             <a:ext cx="675958" cy="0"/>
           </a:xfrm>
           <a:prstGeom prst="straightConnector1">
@@ -26974,7 +29843,7 @@
         </p:nvSpPr>
         <p:spPr>
           <a:xfrm>
-            <a:off x="5851273" y="4517800"/>
+            <a:off x="8092585" y="4498742"/>
             <a:ext cx="1944763" cy="261610"/>
           </a:xfrm>
           <a:prstGeom prst="rect">
@@ -27021,7 +29890,7 @@
         </p:nvCxnSpPr>
         <p:spPr>
           <a:xfrm flipV="1">
-            <a:off x="7016521" y="2203837"/>
+            <a:off x="9257833" y="2184779"/>
             <a:ext cx="1014882" cy="1552063"/>
           </a:xfrm>
           <a:prstGeom prst="straightConnector1">
@@ -27064,7 +29933,7 @@
         </p:nvCxnSpPr>
         <p:spPr>
           <a:xfrm flipV="1">
-            <a:off x="7016521" y="3656210"/>
+            <a:off x="9257833" y="3637152"/>
             <a:ext cx="1014882" cy="99690"/>
           </a:xfrm>
           <a:prstGeom prst="straightConnector1">
@@ -27107,7 +29976,7 @@
         </p:nvCxnSpPr>
         <p:spPr>
           <a:xfrm>
-            <a:off x="7016521" y="3755900"/>
+            <a:off x="9257833" y="3736842"/>
             <a:ext cx="1014882" cy="1396565"/>
           </a:xfrm>
           <a:prstGeom prst="straightConnector1">
@@ -27149,7 +30018,7 @@
         </p:nvCxnSpPr>
         <p:spPr>
           <a:xfrm flipH="1">
-            <a:off x="4497436" y="3656210"/>
+            <a:off x="6738748" y="3637152"/>
             <a:ext cx="4080898" cy="1959411"/>
           </a:xfrm>
           <a:prstGeom prst="bentConnector4">
@@ -27194,7 +30063,7 @@
         </p:nvCxnSpPr>
         <p:spPr>
           <a:xfrm flipV="1">
-            <a:off x="4223971" y="2465470"/>
+            <a:off x="6465283" y="2446412"/>
             <a:ext cx="53698" cy="625584"/>
           </a:xfrm>
           <a:prstGeom prst="straightConnector1">
@@ -27247,7 +30116,7 @@
         </p:blipFill>
         <p:spPr>
           <a:xfrm>
-            <a:off x="3826081" y="1617807"/>
+            <a:off x="6067393" y="1598749"/>
             <a:ext cx="914400" cy="914400"/>
           </a:xfrm>
           <a:prstGeom prst="rect">
@@ -27269,7 +30138,7 @@
         </p:nvSpPr>
         <p:spPr>
           <a:xfrm>
-            <a:off x="4241720" y="2609383"/>
+            <a:off x="6483032" y="2590325"/>
             <a:ext cx="748923" cy="261610"/>
           </a:xfrm>
           <a:prstGeom prst="rect">
@@ -27304,7 +30173,7 @@
         </p:nvSpPr>
         <p:spPr>
           <a:xfrm>
-            <a:off x="6081622" y="5903235"/>
+            <a:off x="8322934" y="5884177"/>
             <a:ext cx="1016625" cy="261610"/>
           </a:xfrm>
           <a:prstGeom prst="rect">
@@ -27338,10 +30207,339 @@
           </a:p>
         </p:txBody>
       </p:sp>
+      <p:sp>
+        <p:nvSpPr>
+          <p:cNvPr id="37" name="Content Placeholder 2">
+            <a:extLst>
+              <a:ext uri="{FF2B5EF4-FFF2-40B4-BE49-F238E27FC236}">
+                <a16:creationId xmlns:a16="http://schemas.microsoft.com/office/drawing/2014/main" id="{A63DCF12-FE77-0D41-B394-584688C7D569}"/>
+              </a:ext>
+            </a:extLst>
+          </p:cNvPr>
+          <p:cNvSpPr txBox="1"/>
+          <p:nvPr/>
+        </p:nvSpPr>
+        <p:spPr>
+          <a:xfrm>
+            <a:off x="0" y="1476058"/>
+            <a:ext cx="10515600" cy="5301295"/>
+          </a:xfrm>
+          <a:prstGeom prst="rect">
+            <a:avLst/>
+          </a:prstGeom>
+        </p:spPr>
+        <p:txBody>
+          <a:bodyPr>
+            <a:normAutofit/>
+          </a:bodyPr>
+          <a:lstStyle>
+            <a:lvl1pPr marL="228600" indent="-228600" algn="l" defTabSz="914400" rtl="0" eaLnBrk="1" latinLnBrk="0" hangingPunct="1">
+              <a:lnSpc>
+                <a:spcPct val="90000"/>
+              </a:lnSpc>
+              <a:spcBef>
+                <a:spcPts val="1000"/>
+              </a:spcBef>
+              <a:buFont typeface="Arial" panose="020B0604020202020204" pitchFamily="34" charset="0"/>
+              <a:buChar char="•"/>
+              <a:defRPr sz="2800" kern="1200">
+                <a:solidFill>
+                  <a:schemeClr val="tx1"/>
+                </a:solidFill>
+                <a:latin typeface="+mn-lt"/>
+                <a:ea typeface="+mn-ea"/>
+                <a:cs typeface="+mn-cs"/>
+              </a:defRPr>
+            </a:lvl1pPr>
+            <a:lvl2pPr marL="685800" indent="-228600" algn="l" defTabSz="914400" rtl="0" eaLnBrk="1" latinLnBrk="0" hangingPunct="1">
+              <a:lnSpc>
+                <a:spcPct val="90000"/>
+              </a:lnSpc>
+              <a:spcBef>
+                <a:spcPts val="500"/>
+              </a:spcBef>
+              <a:buFont typeface="Arial" panose="020B0604020202020204" pitchFamily="34" charset="0"/>
+              <a:buChar char="•"/>
+              <a:defRPr sz="2400" kern="1200">
+                <a:solidFill>
+                  <a:schemeClr val="tx1"/>
+                </a:solidFill>
+                <a:latin typeface="+mn-lt"/>
+                <a:ea typeface="+mn-ea"/>
+                <a:cs typeface="+mn-cs"/>
+              </a:defRPr>
+            </a:lvl2pPr>
+            <a:lvl3pPr marL="1143000" indent="-228600" algn="l" defTabSz="914400" rtl="0" eaLnBrk="1" latinLnBrk="0" hangingPunct="1">
+              <a:lnSpc>
+                <a:spcPct val="90000"/>
+              </a:lnSpc>
+              <a:spcBef>
+                <a:spcPts val="500"/>
+              </a:spcBef>
+              <a:buFont typeface="Arial" panose="020B0604020202020204" pitchFamily="34" charset="0"/>
+              <a:buChar char="•"/>
+              <a:defRPr sz="2000" kern="1200">
+                <a:solidFill>
+                  <a:schemeClr val="tx1"/>
+                </a:solidFill>
+                <a:latin typeface="+mn-lt"/>
+                <a:ea typeface="+mn-ea"/>
+                <a:cs typeface="+mn-cs"/>
+              </a:defRPr>
+            </a:lvl3pPr>
+            <a:lvl4pPr marL="1600200" indent="-228600" algn="l" defTabSz="914400" rtl="0" eaLnBrk="1" latinLnBrk="0" hangingPunct="1">
+              <a:lnSpc>
+                <a:spcPct val="90000"/>
+              </a:lnSpc>
+              <a:spcBef>
+                <a:spcPts val="500"/>
+              </a:spcBef>
+              <a:buFont typeface="Arial" panose="020B0604020202020204" pitchFamily="34" charset="0"/>
+              <a:buChar char="•"/>
+              <a:defRPr sz="1800" kern="1200">
+                <a:solidFill>
+                  <a:schemeClr val="tx1"/>
+                </a:solidFill>
+                <a:latin typeface="+mn-lt"/>
+                <a:ea typeface="+mn-ea"/>
+                <a:cs typeface="+mn-cs"/>
+              </a:defRPr>
+            </a:lvl4pPr>
+            <a:lvl5pPr marL="2057400" indent="-228600" algn="l" defTabSz="914400" rtl="0" eaLnBrk="1" latinLnBrk="0" hangingPunct="1">
+              <a:lnSpc>
+                <a:spcPct val="90000"/>
+              </a:lnSpc>
+              <a:spcBef>
+                <a:spcPts val="500"/>
+              </a:spcBef>
+              <a:buFont typeface="Arial" panose="020B0604020202020204" pitchFamily="34" charset="0"/>
+              <a:buChar char="•"/>
+              <a:defRPr sz="1800" kern="1200">
+                <a:solidFill>
+                  <a:schemeClr val="tx1"/>
+                </a:solidFill>
+                <a:latin typeface="+mn-lt"/>
+                <a:ea typeface="+mn-ea"/>
+                <a:cs typeface="+mn-cs"/>
+              </a:defRPr>
+            </a:lvl5pPr>
+            <a:lvl6pPr marL="2514600" indent="-228600" algn="l" defTabSz="914400" rtl="0" eaLnBrk="1" latinLnBrk="0" hangingPunct="1">
+              <a:lnSpc>
+                <a:spcPct val="90000"/>
+              </a:lnSpc>
+              <a:spcBef>
+                <a:spcPts val="500"/>
+              </a:spcBef>
+              <a:buFont typeface="Arial" panose="020B0604020202020204" pitchFamily="34" charset="0"/>
+              <a:buChar char="•"/>
+              <a:defRPr sz="1800" kern="1200">
+                <a:solidFill>
+                  <a:schemeClr val="tx1"/>
+                </a:solidFill>
+                <a:latin typeface="+mn-lt"/>
+                <a:ea typeface="+mn-ea"/>
+                <a:cs typeface="+mn-cs"/>
+              </a:defRPr>
+            </a:lvl6pPr>
+            <a:lvl7pPr marL="2971800" indent="-228600" algn="l" defTabSz="914400" rtl="0" eaLnBrk="1" latinLnBrk="0" hangingPunct="1">
+              <a:lnSpc>
+                <a:spcPct val="90000"/>
+              </a:lnSpc>
+              <a:spcBef>
+                <a:spcPts val="500"/>
+              </a:spcBef>
+              <a:buFont typeface="Arial" panose="020B0604020202020204" pitchFamily="34" charset="0"/>
+              <a:buChar char="•"/>
+              <a:defRPr sz="1800" kern="1200">
+                <a:solidFill>
+                  <a:schemeClr val="tx1"/>
+                </a:solidFill>
+                <a:latin typeface="+mn-lt"/>
+                <a:ea typeface="+mn-ea"/>
+                <a:cs typeface="+mn-cs"/>
+              </a:defRPr>
+            </a:lvl7pPr>
+            <a:lvl8pPr marL="3429000" indent="-228600" algn="l" defTabSz="914400" rtl="0" eaLnBrk="1" latinLnBrk="0" hangingPunct="1">
+              <a:lnSpc>
+                <a:spcPct val="90000"/>
+              </a:lnSpc>
+              <a:spcBef>
+                <a:spcPts val="500"/>
+              </a:spcBef>
+              <a:buFont typeface="Arial" panose="020B0604020202020204" pitchFamily="34" charset="0"/>
+              <a:buChar char="•"/>
+              <a:defRPr sz="1800" kern="1200">
+                <a:solidFill>
+                  <a:schemeClr val="tx1"/>
+                </a:solidFill>
+                <a:latin typeface="+mn-lt"/>
+                <a:ea typeface="+mn-ea"/>
+                <a:cs typeface="+mn-cs"/>
+              </a:defRPr>
+            </a:lvl8pPr>
+            <a:lvl9pPr marL="3886200" indent="-228600" algn="l" defTabSz="914400" rtl="0" eaLnBrk="1" latinLnBrk="0" hangingPunct="1">
+              <a:lnSpc>
+                <a:spcPct val="90000"/>
+              </a:lnSpc>
+              <a:spcBef>
+                <a:spcPts val="500"/>
+              </a:spcBef>
+              <a:buFont typeface="Arial" panose="020B0604020202020204" pitchFamily="34" charset="0"/>
+              <a:buChar char="•"/>
+              <a:defRPr sz="1800" kern="1200">
+                <a:solidFill>
+                  <a:schemeClr val="tx1"/>
+                </a:solidFill>
+                <a:latin typeface="+mn-lt"/>
+                <a:ea typeface="+mn-ea"/>
+                <a:cs typeface="+mn-cs"/>
+              </a:defRPr>
+            </a:lvl9pPr>
+          </a:lstStyle>
+          <a:p>
+            <a:pPr lvl="1"/>
+            <a:r>
+              <a:rPr lang="en-US" altLang="zh-CN" sz="2000" dirty="0" err="1">
+                <a:sym typeface="+mn-ea"/>
+              </a:rPr>
+              <a:t>Cpu</a:t>
+            </a:r>
+            <a:r>
+              <a:rPr lang="en-US" altLang="zh-CN" sz="2000" dirty="0">
+                <a:sym typeface="+mn-ea"/>
+              </a:rPr>
+              <a:t>:</a:t>
+            </a:r>
+            <a:r>
+              <a:rPr lang="zh-CN" altLang="en-US" sz="2000" dirty="0">
+                <a:sym typeface="+mn-ea"/>
+              </a:rPr>
+              <a:t> 低系统调用</a:t>
+            </a:r>
+            <a:r>
+              <a:rPr lang="en-US" altLang="zh-CN" sz="2000" dirty="0">
+                <a:sym typeface="+mn-ea"/>
+              </a:rPr>
+              <a:t>,</a:t>
+            </a:r>
+            <a:r>
+              <a:rPr lang="zh-CN" altLang="en-US" sz="2000" dirty="0">
+                <a:sym typeface="+mn-ea"/>
+              </a:rPr>
+              <a:t> 利用率更高</a:t>
+            </a:r>
+            <a:endParaRPr lang="en-US" altLang="zh-CN" sz="2000" dirty="0">
+              <a:sym typeface="+mn-ea"/>
+            </a:endParaRPr>
+          </a:p>
+          <a:p>
+            <a:pPr lvl="1"/>
+            <a:r>
+              <a:rPr lang="zh-CN" altLang="en-US" sz="2000" dirty="0">
+                <a:sym typeface="+mn-ea"/>
+              </a:rPr>
+              <a:t>内存</a:t>
+            </a:r>
+            <a:r>
+              <a:rPr lang="en-US" altLang="zh-CN" sz="2000" dirty="0">
+                <a:sym typeface="+mn-ea"/>
+              </a:rPr>
+              <a:t>:</a:t>
+            </a:r>
+            <a:r>
+              <a:rPr lang="zh-CN" altLang="en-US" sz="2000" dirty="0">
+                <a:sym typeface="+mn-ea"/>
+              </a:rPr>
+              <a:t> 省去了线程的堆栈开销</a:t>
+            </a:r>
+            <a:endParaRPr lang="en-US" altLang="zh-CN" sz="2000" dirty="0">
+              <a:sym typeface="+mn-ea"/>
+            </a:endParaRPr>
+          </a:p>
+          <a:p>
+            <a:pPr lvl="1"/>
+            <a:r>
+              <a:rPr lang="en-US" altLang="zh-CN" sz="2000" dirty="0">
+                <a:sym typeface="+mn-ea"/>
+              </a:rPr>
+              <a:t>Io</a:t>
+            </a:r>
+            <a:r>
+              <a:rPr lang="zh-CN" altLang="en-US" sz="2000" dirty="0">
+                <a:sym typeface="+mn-ea"/>
+              </a:rPr>
+              <a:t>和网络异步的统一</a:t>
+            </a:r>
+            <a:endParaRPr lang="en-US" altLang="zh-CN" sz="2000" dirty="0">
+              <a:sym typeface="+mn-ea"/>
+            </a:endParaRPr>
+          </a:p>
+          <a:p>
+            <a:pPr lvl="1"/>
+            <a:endParaRPr lang="en-US" altLang="zh-CN" sz="2000" dirty="0">
+              <a:sym typeface="+mn-ea"/>
+            </a:endParaRPr>
+          </a:p>
+          <a:p>
+            <a:pPr lvl="1"/>
+            <a:r>
+              <a:rPr lang="en-US" altLang="zh-CN" sz="2000" dirty="0" err="1">
+                <a:sym typeface="+mn-ea"/>
+              </a:rPr>
+              <a:t>Uintr</a:t>
+            </a:r>
+            <a:r>
+              <a:rPr lang="en-US" altLang="zh-CN" sz="2000" dirty="0">
+                <a:sym typeface="+mn-ea"/>
+              </a:rPr>
+              <a:t>:</a:t>
+            </a:r>
+            <a:r>
+              <a:rPr lang="zh-CN" altLang="en-US" sz="2000" dirty="0">
+                <a:sym typeface="+mn-ea"/>
+              </a:rPr>
+              <a:t> 中断和轮询的无缝切换</a:t>
+            </a:r>
+            <a:endParaRPr lang="en-US" altLang="zh-CN" sz="2000" dirty="0">
+              <a:sym typeface="+mn-ea"/>
+            </a:endParaRPr>
+          </a:p>
+          <a:p>
+            <a:pPr lvl="1"/>
+            <a:endParaRPr lang="en-US" altLang="zh-CN" sz="2000" dirty="0">
+              <a:sym typeface="+mn-ea"/>
+            </a:endParaRPr>
+          </a:p>
+          <a:p>
+            <a:pPr lvl="1"/>
+            <a:endParaRPr lang="en-US" altLang="zh-CN" sz="2000" dirty="0">
+              <a:sym typeface="+mn-ea"/>
+            </a:endParaRPr>
+          </a:p>
+          <a:p>
+            <a:pPr lvl="1"/>
+            <a:endParaRPr lang="en-US" altLang="zh-CN" sz="2000" dirty="0">
+              <a:sym typeface="+mn-ea"/>
+            </a:endParaRPr>
+          </a:p>
+          <a:p>
+            <a:pPr lvl="1"/>
+            <a:endParaRPr lang="en-US" altLang="zh-CN" sz="2000" dirty="0">
+              <a:sym typeface="+mn-ea"/>
+            </a:endParaRPr>
+          </a:p>
+          <a:p>
+            <a:pPr lvl="1"/>
+            <a:endParaRPr lang="en-US" altLang="zh-CN" sz="2000" dirty="0">
+              <a:sym typeface="+mn-ea"/>
+            </a:endParaRPr>
+          </a:p>
+        </p:txBody>
+      </p:sp>
     </p:spTree>
     <p:extLst>
       <p:ext uri="{BB962C8B-B14F-4D97-AF65-F5344CB8AC3E}">
-        <p14:creationId xmlns:p14="http://schemas.microsoft.com/office/powerpoint/2010/main" val="1142207113"/>
+        <p14:creationId xmlns:p14="http://schemas.microsoft.com/office/powerpoint/2010/main" val="2029882201"/>
       </p:ext>
     </p:extLst>
   </p:cSld>
@@ -27351,7 +30549,798 @@
 </p:sld>
 </file>
 
-<file path=ppt/slides/slide28.xml><?xml version="1.0" encoding="utf-8"?>
+<file path=ppt/slides/slide3.xml><?xml version="1.0" encoding="utf-8"?>
+<p:sld xmlns:a="http://schemas.openxmlformats.org/drawingml/2006/main" xmlns:r="http://schemas.openxmlformats.org/officeDocument/2006/relationships" xmlns:p="http://schemas.openxmlformats.org/presentationml/2006/main">
+  <p:cSld>
+    <p:spTree>
+      <p:nvGrpSpPr>
+        <p:cNvPr id="1" name=""/>
+        <p:cNvGrpSpPr/>
+        <p:nvPr/>
+      </p:nvGrpSpPr>
+      <p:grpSpPr>
+        <a:xfrm>
+          <a:off x="0" y="0"/>
+          <a:ext cx="0" cy="0"/>
+          <a:chOff x="0" y="0"/>
+          <a:chExt cx="0" cy="0"/>
+        </a:xfrm>
+      </p:grpSpPr>
+      <p:sp>
+        <p:nvSpPr>
+          <p:cNvPr id="11" name="标题 1"/>
+          <p:cNvSpPr txBox="1"/>
+          <p:nvPr/>
+        </p:nvSpPr>
+        <p:spPr>
+          <a:xfrm>
+            <a:off x="871414" y="633375"/>
+            <a:ext cx="10030487" cy="961382"/>
+          </a:xfrm>
+          <a:prstGeom prst="rect">
+            <a:avLst/>
+          </a:prstGeom>
+        </p:spPr>
+        <p:txBody>
+          <a:bodyPr/>
+          <a:lstStyle>
+            <a:lvl1pPr algn="l" defTabSz="914400" rtl="0" eaLnBrk="1" latinLnBrk="0" hangingPunct="1">
+              <a:lnSpc>
+                <a:spcPct val="90000"/>
+              </a:lnSpc>
+              <a:spcBef>
+                <a:spcPct val="0"/>
+              </a:spcBef>
+              <a:buNone/>
+              <a:defRPr sz="4400" kern="1200">
+                <a:solidFill>
+                  <a:schemeClr val="tx1"/>
+                </a:solidFill>
+                <a:latin typeface="+mj-lt"/>
+                <a:ea typeface="+mj-ea"/>
+                <a:cs typeface="+mj-cs"/>
+              </a:defRPr>
+            </a:lvl1pPr>
+          </a:lstStyle>
+          <a:p>
+            <a:r>
+              <a:rPr lang="zh-CN" altLang="en-US" sz="4000" b="1" dirty="0">
+                <a:solidFill>
+                  <a:srgbClr val="704F95"/>
+                </a:solidFill>
+                <a:latin typeface="思源宋体 Medium" panose="02020500000000000000" pitchFamily="18" charset="-122"/>
+                <a:ea typeface="思源宋体 Medium" panose="02020500000000000000" pitchFamily="18" charset="-122"/>
+              </a:rPr>
+              <a:t>用户态中断</a:t>
+            </a:r>
+            <a:r>
+              <a:rPr lang="en-US" altLang="zh-CN" sz="4000" b="1" dirty="0">
+                <a:solidFill>
+                  <a:srgbClr val="704F95"/>
+                </a:solidFill>
+                <a:latin typeface="思源宋体 Medium" panose="02020500000000000000" pitchFamily="18" charset="-122"/>
+                <a:ea typeface="思源宋体 Medium" panose="02020500000000000000" pitchFamily="18" charset="-122"/>
+              </a:rPr>
+              <a:t>:</a:t>
+            </a:r>
+            <a:r>
+              <a:rPr lang="zh-CN" altLang="en-US" sz="4000" b="1" dirty="0">
+                <a:solidFill>
+                  <a:srgbClr val="704F95"/>
+                </a:solidFill>
+                <a:latin typeface="思源宋体 Medium" panose="02020500000000000000" pitchFamily="18" charset="-122"/>
+                <a:ea typeface="思源宋体 Medium" panose="02020500000000000000" pitchFamily="18" charset="-122"/>
+              </a:rPr>
+              <a:t> 背景和需求</a:t>
+            </a:r>
+            <a:endParaRPr lang="en-US" altLang="zh-CN" sz="4000" b="1" dirty="0">
+              <a:solidFill>
+                <a:srgbClr val="704F95"/>
+              </a:solidFill>
+              <a:latin typeface="思源宋体 Medium" panose="02020500000000000000" pitchFamily="18" charset="-122"/>
+              <a:ea typeface="思源宋体 Medium" panose="02020500000000000000" pitchFamily="18" charset="-122"/>
+            </a:endParaRPr>
+          </a:p>
+        </p:txBody>
+      </p:sp>
+      <p:sp>
+        <p:nvSpPr>
+          <p:cNvPr id="43" name="Rectangle 236"/>
+          <p:cNvSpPr/>
+          <p:nvPr/>
+        </p:nvSpPr>
+        <p:spPr>
+          <a:xfrm>
+            <a:off x="688759" y="511209"/>
+            <a:ext cx="10395795" cy="923330"/>
+          </a:xfrm>
+          <a:prstGeom prst="rect">
+            <a:avLst/>
+          </a:prstGeom>
+          <a:noFill/>
+        </p:spPr>
+        <p:txBody>
+          <a:bodyPr wrap="none" lIns="91440" tIns="45720" rIns="91440" bIns="45720">
+            <a:spAutoFit/>
+            <a:scene3d>
+              <a:camera prst="orthographicFront"/>
+              <a:lightRig rig="soft" dir="t">
+                <a:rot lat="0" lon="0" rev="15600000"/>
+              </a:lightRig>
+            </a:scene3d>
+            <a:sp3d extrusionH="57150" prstMaterial="softEdge">
+              <a:bevelT w="25400" h="38100"/>
+            </a:sp3d>
+          </a:bodyPr>
+          <a:lstStyle/>
+          <a:p>
+            <a:pPr algn="ctr"/>
+            <a:r>
+              <a:rPr lang="zh-CN" altLang="en-US" sz="5400" b="1" u="sng" dirty="0">
+                <a:solidFill>
+                  <a:srgbClr val="803A87"/>
+                </a:solidFill>
+              </a:rPr>
+              <a:t>                                                               </a:t>
+            </a:r>
+            <a:endParaRPr lang="en-US" altLang="zh-CN" sz="5400" b="1" u="sng" dirty="0">
+              <a:solidFill>
+                <a:srgbClr val="803A87"/>
+              </a:solidFill>
+            </a:endParaRPr>
+          </a:p>
+        </p:txBody>
+      </p:sp>
+      <p:pic>
+        <p:nvPicPr>
+          <p:cNvPr id="44" name="Picture 8"/>
+          <p:cNvPicPr/>
+          <p:nvPr/>
+        </p:nvPicPr>
+        <p:blipFill>
+          <a:blip r:embed="rId3">
+            <a:clrChange>
+              <a:clrFrom>
+                <a:srgbClr val="FFFFFF"/>
+              </a:clrFrom>
+              <a:clrTo>
+                <a:srgbClr val="FFFFFF">
+                  <a:alpha val="0"/>
+                </a:srgbClr>
+              </a:clrTo>
+            </a:clrChange>
+          </a:blip>
+          <a:stretch>
+            <a:fillRect/>
+          </a:stretch>
+        </p:blipFill>
+        <p:spPr>
+          <a:xfrm>
+            <a:off x="7880269" y="6297384"/>
+            <a:ext cx="4120587" cy="514122"/>
+          </a:xfrm>
+          <a:prstGeom prst="rect">
+            <a:avLst/>
+          </a:prstGeom>
+        </p:spPr>
+      </p:pic>
+      <p:sp>
+        <p:nvSpPr>
+          <p:cNvPr id="8" name="文本占位符 1"/>
+          <p:cNvSpPr txBox="1"/>
+          <p:nvPr/>
+        </p:nvSpPr>
+        <p:spPr>
+          <a:xfrm>
+            <a:off x="6371771" y="263796"/>
+            <a:ext cx="5629085" cy="328059"/>
+          </a:xfrm>
+          <a:prstGeom prst="rect">
+            <a:avLst/>
+          </a:prstGeom>
+          <a:ln w="12700" cmpd="sng">
+            <a:noFill/>
+          </a:ln>
+        </p:spPr>
+        <p:txBody>
+          <a:bodyPr vert="horz" anchor="ctr"/>
+          <a:lstStyle>
+            <a:lvl1pPr marL="0" indent="0" algn="l" defTabSz="914400" rtl="0" eaLnBrk="1" latinLnBrk="0" hangingPunct="1">
+              <a:lnSpc>
+                <a:spcPct val="90000"/>
+              </a:lnSpc>
+              <a:spcBef>
+                <a:spcPts val="1000"/>
+              </a:spcBef>
+              <a:buFont typeface="Arial" panose="020B0604020202020204" pitchFamily="34" charset="0"/>
+              <a:buNone/>
+              <a:defRPr sz="1400" b="1" kern="1200">
+                <a:solidFill>
+                  <a:schemeClr val="tx1"/>
+                </a:solidFill>
+                <a:latin typeface="微软雅黑" charset="0"/>
+                <a:ea typeface="微软雅黑" charset="0"/>
+                <a:cs typeface="微软雅黑" charset="0"/>
+              </a:defRPr>
+            </a:lvl1pPr>
+            <a:lvl2pPr marL="685800" indent="-228600" algn="l" defTabSz="914400" rtl="0" eaLnBrk="1" latinLnBrk="0" hangingPunct="1">
+              <a:lnSpc>
+                <a:spcPct val="90000"/>
+              </a:lnSpc>
+              <a:spcBef>
+                <a:spcPts val="500"/>
+              </a:spcBef>
+              <a:buFont typeface="Arial" panose="020B0604020202020204" pitchFamily="34" charset="0"/>
+              <a:buChar char="•"/>
+              <a:defRPr sz="2400" kern="1200">
+                <a:solidFill>
+                  <a:schemeClr val="tx1"/>
+                </a:solidFill>
+                <a:latin typeface="+mn-lt"/>
+                <a:ea typeface="+mn-ea"/>
+                <a:cs typeface="+mn-cs"/>
+              </a:defRPr>
+            </a:lvl2pPr>
+            <a:lvl3pPr marL="1143000" indent="-228600" algn="l" defTabSz="914400" rtl="0" eaLnBrk="1" latinLnBrk="0" hangingPunct="1">
+              <a:lnSpc>
+                <a:spcPct val="90000"/>
+              </a:lnSpc>
+              <a:spcBef>
+                <a:spcPts val="500"/>
+              </a:spcBef>
+              <a:buFont typeface="Arial" panose="020B0604020202020204" pitchFamily="34" charset="0"/>
+              <a:buChar char="•"/>
+              <a:defRPr sz="2000" kern="1200">
+                <a:solidFill>
+                  <a:schemeClr val="tx1"/>
+                </a:solidFill>
+                <a:latin typeface="+mn-lt"/>
+                <a:ea typeface="+mn-ea"/>
+                <a:cs typeface="+mn-cs"/>
+              </a:defRPr>
+            </a:lvl3pPr>
+            <a:lvl4pPr marL="1600200" indent="-228600" algn="l" defTabSz="914400" rtl="0" eaLnBrk="1" latinLnBrk="0" hangingPunct="1">
+              <a:lnSpc>
+                <a:spcPct val="90000"/>
+              </a:lnSpc>
+              <a:spcBef>
+                <a:spcPts val="500"/>
+              </a:spcBef>
+              <a:buFont typeface="Arial" panose="020B0604020202020204" pitchFamily="34" charset="0"/>
+              <a:buChar char="•"/>
+              <a:defRPr sz="1800" kern="1200">
+                <a:solidFill>
+                  <a:schemeClr val="tx1"/>
+                </a:solidFill>
+                <a:latin typeface="+mn-lt"/>
+                <a:ea typeface="+mn-ea"/>
+                <a:cs typeface="+mn-cs"/>
+              </a:defRPr>
+            </a:lvl4pPr>
+            <a:lvl5pPr marL="2057400" indent="-228600" algn="l" defTabSz="914400" rtl="0" eaLnBrk="1" latinLnBrk="0" hangingPunct="1">
+              <a:lnSpc>
+                <a:spcPct val="90000"/>
+              </a:lnSpc>
+              <a:spcBef>
+                <a:spcPts val="500"/>
+              </a:spcBef>
+              <a:buFont typeface="Arial" panose="020B0604020202020204" pitchFamily="34" charset="0"/>
+              <a:buChar char="•"/>
+              <a:defRPr sz="1800" kern="1200">
+                <a:solidFill>
+                  <a:schemeClr val="tx1"/>
+                </a:solidFill>
+                <a:latin typeface="+mn-lt"/>
+                <a:ea typeface="+mn-ea"/>
+                <a:cs typeface="+mn-cs"/>
+              </a:defRPr>
+            </a:lvl5pPr>
+            <a:lvl6pPr marL="2514600" indent="-228600" algn="l" defTabSz="914400" rtl="0" eaLnBrk="1" latinLnBrk="0" hangingPunct="1">
+              <a:lnSpc>
+                <a:spcPct val="90000"/>
+              </a:lnSpc>
+              <a:spcBef>
+                <a:spcPts val="500"/>
+              </a:spcBef>
+              <a:buFont typeface="Arial" panose="020B0604020202020204" pitchFamily="34" charset="0"/>
+              <a:buChar char="•"/>
+              <a:defRPr sz="1800" kern="1200">
+                <a:solidFill>
+                  <a:schemeClr val="tx1"/>
+                </a:solidFill>
+                <a:latin typeface="+mn-lt"/>
+                <a:ea typeface="+mn-ea"/>
+                <a:cs typeface="+mn-cs"/>
+              </a:defRPr>
+            </a:lvl6pPr>
+            <a:lvl7pPr marL="2971800" indent="-228600" algn="l" defTabSz="914400" rtl="0" eaLnBrk="1" latinLnBrk="0" hangingPunct="1">
+              <a:lnSpc>
+                <a:spcPct val="90000"/>
+              </a:lnSpc>
+              <a:spcBef>
+                <a:spcPts val="500"/>
+              </a:spcBef>
+              <a:buFont typeface="Arial" panose="020B0604020202020204" pitchFamily="34" charset="0"/>
+              <a:buChar char="•"/>
+              <a:defRPr sz="1800" kern="1200">
+                <a:solidFill>
+                  <a:schemeClr val="tx1"/>
+                </a:solidFill>
+                <a:latin typeface="+mn-lt"/>
+                <a:ea typeface="+mn-ea"/>
+                <a:cs typeface="+mn-cs"/>
+              </a:defRPr>
+            </a:lvl7pPr>
+            <a:lvl8pPr marL="3429000" indent="-228600" algn="l" defTabSz="914400" rtl="0" eaLnBrk="1" latinLnBrk="0" hangingPunct="1">
+              <a:lnSpc>
+                <a:spcPct val="90000"/>
+              </a:lnSpc>
+              <a:spcBef>
+                <a:spcPts val="500"/>
+              </a:spcBef>
+              <a:buFont typeface="Arial" panose="020B0604020202020204" pitchFamily="34" charset="0"/>
+              <a:buChar char="•"/>
+              <a:defRPr sz="1800" kern="1200">
+                <a:solidFill>
+                  <a:schemeClr val="tx1"/>
+                </a:solidFill>
+                <a:latin typeface="+mn-lt"/>
+                <a:ea typeface="+mn-ea"/>
+                <a:cs typeface="+mn-cs"/>
+              </a:defRPr>
+            </a:lvl8pPr>
+            <a:lvl9pPr marL="3886200" indent="-228600" algn="l" defTabSz="914400" rtl="0" eaLnBrk="1" latinLnBrk="0" hangingPunct="1">
+              <a:lnSpc>
+                <a:spcPct val="90000"/>
+              </a:lnSpc>
+              <a:spcBef>
+                <a:spcPts val="500"/>
+              </a:spcBef>
+              <a:buFont typeface="Arial" panose="020B0604020202020204" pitchFamily="34" charset="0"/>
+              <a:buChar char="•"/>
+              <a:defRPr sz="1800" kern="1200">
+                <a:solidFill>
+                  <a:schemeClr val="tx1"/>
+                </a:solidFill>
+                <a:latin typeface="+mn-lt"/>
+                <a:ea typeface="+mn-ea"/>
+                <a:cs typeface="+mn-cs"/>
+              </a:defRPr>
+            </a:lvl9pPr>
+          </a:lstStyle>
+          <a:p>
+            <a:pPr algn="r"/>
+            <a:endParaRPr lang="en-US" altLang="zh-CN" dirty="0">
+              <a:solidFill>
+                <a:srgbClr val="704F95"/>
+              </a:solidFill>
+              <a:latin typeface="思源宋体 Medium" panose="02020500000000000000" pitchFamily="18" charset="-122"/>
+              <a:ea typeface="思源宋体 Medium" panose="02020500000000000000" pitchFamily="18" charset="-122"/>
+            </a:endParaRPr>
+          </a:p>
+        </p:txBody>
+      </p:sp>
+      <p:sp>
+        <p:nvSpPr>
+          <p:cNvPr id="6" name="Content Placeholder 2"/>
+          <p:cNvSpPr txBox="1"/>
+          <p:nvPr/>
+        </p:nvSpPr>
+        <p:spPr>
+          <a:xfrm>
+            <a:off x="871414" y="1434539"/>
+            <a:ext cx="10515600" cy="4351338"/>
+          </a:xfrm>
+          <a:prstGeom prst="rect">
+            <a:avLst/>
+          </a:prstGeom>
+        </p:spPr>
+        <p:txBody>
+          <a:bodyPr>
+            <a:normAutofit/>
+          </a:bodyPr>
+          <a:lstStyle>
+            <a:lvl1pPr marL="228600" indent="-228600" algn="l" defTabSz="914400" rtl="0" eaLnBrk="1" latinLnBrk="0" hangingPunct="1">
+              <a:lnSpc>
+                <a:spcPct val="90000"/>
+              </a:lnSpc>
+              <a:spcBef>
+                <a:spcPts val="1000"/>
+              </a:spcBef>
+              <a:buFont typeface="Arial" panose="020B0604020202020204" pitchFamily="34" charset="0"/>
+              <a:buChar char="•"/>
+              <a:defRPr sz="2800" kern="1200">
+                <a:solidFill>
+                  <a:schemeClr val="tx1"/>
+                </a:solidFill>
+                <a:latin typeface="+mn-lt"/>
+                <a:ea typeface="+mn-ea"/>
+                <a:cs typeface="+mn-cs"/>
+              </a:defRPr>
+            </a:lvl1pPr>
+            <a:lvl2pPr marL="685800" indent="-228600" algn="l" defTabSz="914400" rtl="0" eaLnBrk="1" latinLnBrk="0" hangingPunct="1">
+              <a:lnSpc>
+                <a:spcPct val="90000"/>
+              </a:lnSpc>
+              <a:spcBef>
+                <a:spcPts val="500"/>
+              </a:spcBef>
+              <a:buFont typeface="Arial" panose="020B0604020202020204" pitchFamily="34" charset="0"/>
+              <a:buChar char="•"/>
+              <a:defRPr sz="2400" kern="1200">
+                <a:solidFill>
+                  <a:schemeClr val="tx1"/>
+                </a:solidFill>
+                <a:latin typeface="+mn-lt"/>
+                <a:ea typeface="+mn-ea"/>
+                <a:cs typeface="+mn-cs"/>
+              </a:defRPr>
+            </a:lvl2pPr>
+            <a:lvl3pPr marL="1143000" indent="-228600" algn="l" defTabSz="914400" rtl="0" eaLnBrk="1" latinLnBrk="0" hangingPunct="1">
+              <a:lnSpc>
+                <a:spcPct val="90000"/>
+              </a:lnSpc>
+              <a:spcBef>
+                <a:spcPts val="500"/>
+              </a:spcBef>
+              <a:buFont typeface="Arial" panose="020B0604020202020204" pitchFamily="34" charset="0"/>
+              <a:buChar char="•"/>
+              <a:defRPr sz="2000" kern="1200">
+                <a:solidFill>
+                  <a:schemeClr val="tx1"/>
+                </a:solidFill>
+                <a:latin typeface="+mn-lt"/>
+                <a:ea typeface="+mn-ea"/>
+                <a:cs typeface="+mn-cs"/>
+              </a:defRPr>
+            </a:lvl3pPr>
+            <a:lvl4pPr marL="1600200" indent="-228600" algn="l" defTabSz="914400" rtl="0" eaLnBrk="1" latinLnBrk="0" hangingPunct="1">
+              <a:lnSpc>
+                <a:spcPct val="90000"/>
+              </a:lnSpc>
+              <a:spcBef>
+                <a:spcPts val="500"/>
+              </a:spcBef>
+              <a:buFont typeface="Arial" panose="020B0604020202020204" pitchFamily="34" charset="0"/>
+              <a:buChar char="•"/>
+              <a:defRPr sz="1800" kern="1200">
+                <a:solidFill>
+                  <a:schemeClr val="tx1"/>
+                </a:solidFill>
+                <a:latin typeface="+mn-lt"/>
+                <a:ea typeface="+mn-ea"/>
+                <a:cs typeface="+mn-cs"/>
+              </a:defRPr>
+            </a:lvl4pPr>
+            <a:lvl5pPr marL="2057400" indent="-228600" algn="l" defTabSz="914400" rtl="0" eaLnBrk="1" latinLnBrk="0" hangingPunct="1">
+              <a:lnSpc>
+                <a:spcPct val="90000"/>
+              </a:lnSpc>
+              <a:spcBef>
+                <a:spcPts val="500"/>
+              </a:spcBef>
+              <a:buFont typeface="Arial" panose="020B0604020202020204" pitchFamily="34" charset="0"/>
+              <a:buChar char="•"/>
+              <a:defRPr sz="1800" kern="1200">
+                <a:solidFill>
+                  <a:schemeClr val="tx1"/>
+                </a:solidFill>
+                <a:latin typeface="+mn-lt"/>
+                <a:ea typeface="+mn-ea"/>
+                <a:cs typeface="+mn-cs"/>
+              </a:defRPr>
+            </a:lvl5pPr>
+            <a:lvl6pPr marL="2514600" indent="-228600" algn="l" defTabSz="914400" rtl="0" eaLnBrk="1" latinLnBrk="0" hangingPunct="1">
+              <a:lnSpc>
+                <a:spcPct val="90000"/>
+              </a:lnSpc>
+              <a:spcBef>
+                <a:spcPts val="500"/>
+              </a:spcBef>
+              <a:buFont typeface="Arial" panose="020B0604020202020204" pitchFamily="34" charset="0"/>
+              <a:buChar char="•"/>
+              <a:defRPr sz="1800" kern="1200">
+                <a:solidFill>
+                  <a:schemeClr val="tx1"/>
+                </a:solidFill>
+                <a:latin typeface="+mn-lt"/>
+                <a:ea typeface="+mn-ea"/>
+                <a:cs typeface="+mn-cs"/>
+              </a:defRPr>
+            </a:lvl6pPr>
+            <a:lvl7pPr marL="2971800" indent="-228600" algn="l" defTabSz="914400" rtl="0" eaLnBrk="1" latinLnBrk="0" hangingPunct="1">
+              <a:lnSpc>
+                <a:spcPct val="90000"/>
+              </a:lnSpc>
+              <a:spcBef>
+                <a:spcPts val="500"/>
+              </a:spcBef>
+              <a:buFont typeface="Arial" panose="020B0604020202020204" pitchFamily="34" charset="0"/>
+              <a:buChar char="•"/>
+              <a:defRPr sz="1800" kern="1200">
+                <a:solidFill>
+                  <a:schemeClr val="tx1"/>
+                </a:solidFill>
+                <a:latin typeface="+mn-lt"/>
+                <a:ea typeface="+mn-ea"/>
+                <a:cs typeface="+mn-cs"/>
+              </a:defRPr>
+            </a:lvl7pPr>
+            <a:lvl8pPr marL="3429000" indent="-228600" algn="l" defTabSz="914400" rtl="0" eaLnBrk="1" latinLnBrk="0" hangingPunct="1">
+              <a:lnSpc>
+                <a:spcPct val="90000"/>
+              </a:lnSpc>
+              <a:spcBef>
+                <a:spcPts val="500"/>
+              </a:spcBef>
+              <a:buFont typeface="Arial" panose="020B0604020202020204" pitchFamily="34" charset="0"/>
+              <a:buChar char="•"/>
+              <a:defRPr sz="1800" kern="1200">
+                <a:solidFill>
+                  <a:schemeClr val="tx1"/>
+                </a:solidFill>
+                <a:latin typeface="+mn-lt"/>
+                <a:ea typeface="+mn-ea"/>
+                <a:cs typeface="+mn-cs"/>
+              </a:defRPr>
+            </a:lvl8pPr>
+            <a:lvl9pPr marL="3886200" indent="-228600" algn="l" defTabSz="914400" rtl="0" eaLnBrk="1" latinLnBrk="0" hangingPunct="1">
+              <a:lnSpc>
+                <a:spcPct val="90000"/>
+              </a:lnSpc>
+              <a:spcBef>
+                <a:spcPts val="500"/>
+              </a:spcBef>
+              <a:buFont typeface="Arial" panose="020B0604020202020204" pitchFamily="34" charset="0"/>
+              <a:buChar char="•"/>
+              <a:defRPr sz="1800" kern="1200">
+                <a:solidFill>
+                  <a:schemeClr val="tx1"/>
+                </a:solidFill>
+                <a:latin typeface="+mn-lt"/>
+                <a:ea typeface="+mn-ea"/>
+                <a:cs typeface="+mn-cs"/>
+              </a:defRPr>
+            </a:lvl9pPr>
+          </a:lstStyle>
+          <a:p>
+            <a:r>
+              <a:rPr lang="zh-CN" altLang="en-US" sz="2400" dirty="0"/>
+              <a:t>微内核将内核与系统服务层分离出来，如文件系统、网络、</a:t>
+            </a:r>
+            <a:r>
+              <a:rPr lang="en-US" altLang="zh-CN" sz="2400" dirty="0"/>
+              <a:t>GUI</a:t>
+            </a:r>
+            <a:r>
+              <a:rPr lang="zh-CN" altLang="en-US" sz="2400" dirty="0"/>
+              <a:t>等都变成用户态进程，内核只保留最重要的进程管理、内存管理、进程间通信等功能</a:t>
+            </a:r>
+            <a:endParaRPr lang="en-US" altLang="zh-CN" sz="2400" dirty="0"/>
+          </a:p>
+          <a:p>
+            <a:pPr lvl="1"/>
+            <a:r>
+              <a:rPr lang="zh-CN" altLang="en-US" sz="2000" dirty="0"/>
+              <a:t>安全</a:t>
+            </a:r>
+            <a:endParaRPr lang="en-US" altLang="zh-CN" sz="2000" dirty="0"/>
+          </a:p>
+          <a:p>
+            <a:pPr lvl="1"/>
+            <a:r>
+              <a:rPr lang="zh-CN" altLang="en-US" sz="2000" dirty="0"/>
+              <a:t>容错性好</a:t>
+            </a:r>
+            <a:endParaRPr lang="en-US" altLang="zh-CN" sz="2000" dirty="0"/>
+          </a:p>
+          <a:p>
+            <a:pPr lvl="1"/>
+            <a:r>
+              <a:rPr lang="zh-CN" altLang="en-US" sz="2000" dirty="0"/>
+              <a:t>模块化</a:t>
+            </a:r>
+            <a:endParaRPr lang="en-US" altLang="zh-CN" sz="2000" dirty="0"/>
+          </a:p>
+          <a:p>
+            <a:pPr lvl="1"/>
+            <a:r>
+              <a:rPr lang="zh-CN" altLang="en-US" sz="2000" dirty="0"/>
+              <a:t>可定制化</a:t>
+            </a:r>
+            <a:endParaRPr lang="en-US" altLang="zh-CN" sz="2000" dirty="0"/>
+          </a:p>
+          <a:p>
+            <a:r>
+              <a:rPr lang="zh-CN" altLang="en-US" sz="2400" dirty="0">
+                <a:latin typeface="+mn-ea"/>
+              </a:rPr>
+              <a:t>缺点</a:t>
+            </a:r>
+            <a:r>
+              <a:rPr lang="en-US" altLang="zh-CN" sz="2400" dirty="0">
+                <a:latin typeface="+mn-ea"/>
+              </a:rPr>
+              <a:t>:</a:t>
+            </a:r>
+            <a:r>
+              <a:rPr lang="zh-CN" altLang="en-US" sz="2400" dirty="0">
+                <a:latin typeface="+mn-ea"/>
+              </a:rPr>
+              <a:t>微内核的各个模块都是独立进程，需要进行进程间通信（</a:t>
+            </a:r>
+            <a:r>
+              <a:rPr lang="en-US" altLang="zh-CN" sz="2400" dirty="0">
+                <a:latin typeface="+mn-ea"/>
+              </a:rPr>
+              <a:t>IPC</a:t>
+            </a:r>
+            <a:r>
+              <a:rPr lang="zh-CN" altLang="en-US" sz="2400" dirty="0">
+                <a:latin typeface="+mn-ea"/>
+              </a:rPr>
+              <a:t>，</a:t>
+            </a:r>
+            <a:r>
+              <a:rPr lang="en-US" altLang="zh-CN" sz="2400" dirty="0">
+                <a:latin typeface="+mn-ea"/>
+              </a:rPr>
+              <a:t>Inter-Process Communication</a:t>
+            </a:r>
+            <a:r>
+              <a:rPr lang="zh-CN" altLang="en-US" sz="2400" dirty="0">
+                <a:latin typeface="+mn-ea"/>
+              </a:rPr>
+              <a:t>）</a:t>
+            </a:r>
+            <a:r>
+              <a:rPr lang="en-US" altLang="zh-CN" sz="2400" dirty="0">
+                <a:latin typeface="+mn-ea"/>
+              </a:rPr>
+              <a:t>,</a:t>
+            </a:r>
+            <a:r>
+              <a:rPr lang="zh-CN" altLang="en-US" sz="2400" dirty="0">
+                <a:latin typeface="+mn-ea"/>
+              </a:rPr>
+              <a:t>而大量的服务访问会导致</a:t>
+            </a:r>
+            <a:r>
+              <a:rPr lang="en-US" altLang="zh-CN" sz="2400" dirty="0">
+                <a:latin typeface="+mn-ea"/>
+              </a:rPr>
+              <a:t>IPC</a:t>
+            </a:r>
+            <a:r>
+              <a:rPr lang="zh-CN" altLang="en-US" sz="2400" dirty="0">
+                <a:latin typeface="+mn-ea"/>
+              </a:rPr>
+              <a:t>开销大</a:t>
+            </a:r>
+            <a:r>
+              <a:rPr lang="en-US" altLang="zh-CN" sz="2400" dirty="0">
+                <a:latin typeface="+mn-ea"/>
+              </a:rPr>
+              <a:t>,</a:t>
+            </a:r>
+            <a:r>
+              <a:rPr lang="zh-CN" altLang="en-US" sz="2400" dirty="0">
+                <a:latin typeface="+mn-ea"/>
+              </a:rPr>
+              <a:t> 成为性能瓶颈。</a:t>
+            </a:r>
+          </a:p>
+          <a:p>
+            <a:endParaRPr lang="en-US" altLang="zh-CN" sz="2400" dirty="0">
+              <a:latin typeface="+mn-ea"/>
+            </a:endParaRPr>
+          </a:p>
+        </p:txBody>
+      </p:sp>
+      <p:pic>
+        <p:nvPicPr>
+          <p:cNvPr id="2" name="图片 1">
+            <a:extLst>
+              <a:ext uri="{FF2B5EF4-FFF2-40B4-BE49-F238E27FC236}">
+                <a16:creationId xmlns:a16="http://schemas.microsoft.com/office/drawing/2014/main" id="{411A1B12-72FA-EE4F-9802-FB49D419E181}"/>
+              </a:ext>
+            </a:extLst>
+          </p:cNvPr>
+          <p:cNvPicPr>
+            <a:picLocks noChangeAspect="1"/>
+          </p:cNvPicPr>
+          <p:nvPr/>
+        </p:nvPicPr>
+        <p:blipFill>
+          <a:blip r:embed="rId4"/>
+          <a:stretch>
+            <a:fillRect/>
+          </a:stretch>
+        </p:blipFill>
+        <p:spPr>
+          <a:xfrm>
+            <a:off x="2328492" y="4477035"/>
+            <a:ext cx="4814827" cy="1892852"/>
+          </a:xfrm>
+          <a:prstGeom prst="rect">
+            <a:avLst/>
+          </a:prstGeom>
+        </p:spPr>
+      </p:pic>
+      <p:pic>
+        <p:nvPicPr>
+          <p:cNvPr id="5" name="图片 4">
+            <a:extLst>
+              <a:ext uri="{FF2B5EF4-FFF2-40B4-BE49-F238E27FC236}">
+                <a16:creationId xmlns:a16="http://schemas.microsoft.com/office/drawing/2014/main" id="{0299D861-11DF-564C-84A4-A54565C563C5}"/>
+              </a:ext>
+            </a:extLst>
+          </p:cNvPr>
+          <p:cNvPicPr>
+            <a:picLocks noChangeAspect="1"/>
+          </p:cNvPicPr>
+          <p:nvPr/>
+        </p:nvPicPr>
+        <p:blipFill>
+          <a:blip r:embed="rId5"/>
+          <a:stretch>
+            <a:fillRect/>
+          </a:stretch>
+        </p:blipFill>
+        <p:spPr>
+          <a:xfrm>
+            <a:off x="6688015" y="2416425"/>
+            <a:ext cx="1676400" cy="762000"/>
+          </a:xfrm>
+          <a:prstGeom prst="rect">
+            <a:avLst/>
+          </a:prstGeom>
+        </p:spPr>
+      </p:pic>
+      <p:pic>
+        <p:nvPicPr>
+          <p:cNvPr id="7" name="图片 6">
+            <a:extLst>
+              <a:ext uri="{FF2B5EF4-FFF2-40B4-BE49-F238E27FC236}">
+                <a16:creationId xmlns:a16="http://schemas.microsoft.com/office/drawing/2014/main" id="{AAB78801-83B1-684D-82BA-202C7133AF9A}"/>
+              </a:ext>
+            </a:extLst>
+          </p:cNvPr>
+          <p:cNvPicPr>
+            <a:picLocks noChangeAspect="1"/>
+          </p:cNvPicPr>
+          <p:nvPr/>
+        </p:nvPicPr>
+        <p:blipFill>
+          <a:blip r:embed="rId6"/>
+          <a:stretch>
+            <a:fillRect/>
+          </a:stretch>
+        </p:blipFill>
+        <p:spPr>
+          <a:xfrm>
+            <a:off x="4560802" y="2618027"/>
+            <a:ext cx="1886368" cy="550679"/>
+          </a:xfrm>
+          <a:prstGeom prst="rect">
+            <a:avLst/>
+          </a:prstGeom>
+        </p:spPr>
+      </p:pic>
+    </p:spTree>
+    <p:extLst>
+      <p:ext uri="{BB962C8B-B14F-4D97-AF65-F5344CB8AC3E}">
+        <p14:creationId xmlns:p14="http://schemas.microsoft.com/office/powerpoint/2010/main" val="978010887"/>
+      </p:ext>
+    </p:extLst>
+  </p:cSld>
+  <p:clrMapOvr>
+    <a:masterClrMapping/>
+  </p:clrMapOvr>
+</p:sld>
+</file>
+
+<file path=ppt/slides/slide30.xml><?xml version="1.0" encoding="utf-8"?>
 <p:sld xmlns:a="http://schemas.openxmlformats.org/drawingml/2006/main" xmlns:r="http://schemas.openxmlformats.org/officeDocument/2006/relationships" xmlns:p="http://schemas.openxmlformats.org/presentationml/2006/main">
   <p:cSld>
     <p:spTree>
@@ -27778,797 +31767,6 @@
         </p:spPr>
       </p:pic>
     </p:spTree>
-  </p:cSld>
-  <p:clrMapOvr>
-    <a:masterClrMapping/>
-  </p:clrMapOvr>
-</p:sld>
-</file>
-
-<file path=ppt/slides/slide3.xml><?xml version="1.0" encoding="utf-8"?>
-<p:sld xmlns:a="http://schemas.openxmlformats.org/drawingml/2006/main" xmlns:r="http://schemas.openxmlformats.org/officeDocument/2006/relationships" xmlns:p="http://schemas.openxmlformats.org/presentationml/2006/main">
-  <p:cSld>
-    <p:spTree>
-      <p:nvGrpSpPr>
-        <p:cNvPr id="1" name=""/>
-        <p:cNvGrpSpPr/>
-        <p:nvPr/>
-      </p:nvGrpSpPr>
-      <p:grpSpPr>
-        <a:xfrm>
-          <a:off x="0" y="0"/>
-          <a:ext cx="0" cy="0"/>
-          <a:chOff x="0" y="0"/>
-          <a:chExt cx="0" cy="0"/>
-        </a:xfrm>
-      </p:grpSpPr>
-      <p:sp>
-        <p:nvSpPr>
-          <p:cNvPr id="11" name="标题 1"/>
-          <p:cNvSpPr txBox="1"/>
-          <p:nvPr/>
-        </p:nvSpPr>
-        <p:spPr>
-          <a:xfrm>
-            <a:off x="871414" y="633375"/>
-            <a:ext cx="10030487" cy="961382"/>
-          </a:xfrm>
-          <a:prstGeom prst="rect">
-            <a:avLst/>
-          </a:prstGeom>
-        </p:spPr>
-        <p:txBody>
-          <a:bodyPr/>
-          <a:lstStyle>
-            <a:lvl1pPr algn="l" defTabSz="914400" rtl="0" eaLnBrk="1" latinLnBrk="0" hangingPunct="1">
-              <a:lnSpc>
-                <a:spcPct val="90000"/>
-              </a:lnSpc>
-              <a:spcBef>
-                <a:spcPct val="0"/>
-              </a:spcBef>
-              <a:buNone/>
-              <a:defRPr sz="4400" kern="1200">
-                <a:solidFill>
-                  <a:schemeClr val="tx1"/>
-                </a:solidFill>
-                <a:latin typeface="+mj-lt"/>
-                <a:ea typeface="+mj-ea"/>
-                <a:cs typeface="+mj-cs"/>
-              </a:defRPr>
-            </a:lvl1pPr>
-          </a:lstStyle>
-          <a:p>
-            <a:r>
-              <a:rPr lang="zh-CN" altLang="en-US" sz="4000" b="1" dirty="0">
-                <a:solidFill>
-                  <a:srgbClr val="704F95"/>
-                </a:solidFill>
-                <a:latin typeface="思源宋体 Medium" panose="02020500000000000000" pitchFamily="18" charset="-122"/>
-                <a:ea typeface="思源宋体 Medium" panose="02020500000000000000" pitchFamily="18" charset="-122"/>
-              </a:rPr>
-              <a:t>用户态中断</a:t>
-            </a:r>
-            <a:r>
-              <a:rPr lang="en-US" altLang="zh-CN" sz="4000" b="1" dirty="0">
-                <a:solidFill>
-                  <a:srgbClr val="704F95"/>
-                </a:solidFill>
-                <a:latin typeface="思源宋体 Medium" panose="02020500000000000000" pitchFamily="18" charset="-122"/>
-                <a:ea typeface="思源宋体 Medium" panose="02020500000000000000" pitchFamily="18" charset="-122"/>
-              </a:rPr>
-              <a:t>:</a:t>
-            </a:r>
-            <a:r>
-              <a:rPr lang="zh-CN" altLang="en-US" sz="4000" b="1" dirty="0">
-                <a:solidFill>
-                  <a:srgbClr val="704F95"/>
-                </a:solidFill>
-                <a:latin typeface="思源宋体 Medium" panose="02020500000000000000" pitchFamily="18" charset="-122"/>
-                <a:ea typeface="思源宋体 Medium" panose="02020500000000000000" pitchFamily="18" charset="-122"/>
-              </a:rPr>
-              <a:t> 背景和需求</a:t>
-            </a:r>
-            <a:endParaRPr lang="en-US" altLang="zh-CN" sz="4000" b="1" dirty="0">
-              <a:solidFill>
-                <a:srgbClr val="704F95"/>
-              </a:solidFill>
-              <a:latin typeface="思源宋体 Medium" panose="02020500000000000000" pitchFamily="18" charset="-122"/>
-              <a:ea typeface="思源宋体 Medium" panose="02020500000000000000" pitchFamily="18" charset="-122"/>
-            </a:endParaRPr>
-          </a:p>
-        </p:txBody>
-      </p:sp>
-      <p:sp>
-        <p:nvSpPr>
-          <p:cNvPr id="43" name="Rectangle 236"/>
-          <p:cNvSpPr/>
-          <p:nvPr/>
-        </p:nvSpPr>
-        <p:spPr>
-          <a:xfrm>
-            <a:off x="688759" y="511209"/>
-            <a:ext cx="10395795" cy="923330"/>
-          </a:xfrm>
-          <a:prstGeom prst="rect">
-            <a:avLst/>
-          </a:prstGeom>
-          <a:noFill/>
-        </p:spPr>
-        <p:txBody>
-          <a:bodyPr wrap="none" lIns="91440" tIns="45720" rIns="91440" bIns="45720">
-            <a:spAutoFit/>
-            <a:scene3d>
-              <a:camera prst="orthographicFront"/>
-              <a:lightRig rig="soft" dir="t">
-                <a:rot lat="0" lon="0" rev="15600000"/>
-              </a:lightRig>
-            </a:scene3d>
-            <a:sp3d extrusionH="57150" prstMaterial="softEdge">
-              <a:bevelT w="25400" h="38100"/>
-            </a:sp3d>
-          </a:bodyPr>
-          <a:lstStyle/>
-          <a:p>
-            <a:pPr algn="ctr"/>
-            <a:r>
-              <a:rPr lang="zh-CN" altLang="en-US" sz="5400" b="1" u="sng" dirty="0">
-                <a:solidFill>
-                  <a:srgbClr val="803A87"/>
-                </a:solidFill>
-              </a:rPr>
-              <a:t>                                                               </a:t>
-            </a:r>
-            <a:endParaRPr lang="en-US" altLang="zh-CN" sz="5400" b="1" u="sng" dirty="0">
-              <a:solidFill>
-                <a:srgbClr val="803A87"/>
-              </a:solidFill>
-            </a:endParaRPr>
-          </a:p>
-        </p:txBody>
-      </p:sp>
-      <p:pic>
-        <p:nvPicPr>
-          <p:cNvPr id="44" name="Picture 8"/>
-          <p:cNvPicPr/>
-          <p:nvPr/>
-        </p:nvPicPr>
-        <p:blipFill>
-          <a:blip r:embed="rId3">
-            <a:clrChange>
-              <a:clrFrom>
-                <a:srgbClr val="FFFFFF"/>
-              </a:clrFrom>
-              <a:clrTo>
-                <a:srgbClr val="FFFFFF">
-                  <a:alpha val="0"/>
-                </a:srgbClr>
-              </a:clrTo>
-            </a:clrChange>
-          </a:blip>
-          <a:stretch>
-            <a:fillRect/>
-          </a:stretch>
-        </p:blipFill>
-        <p:spPr>
-          <a:xfrm>
-            <a:off x="7880269" y="6297384"/>
-            <a:ext cx="4120587" cy="514122"/>
-          </a:xfrm>
-          <a:prstGeom prst="rect">
-            <a:avLst/>
-          </a:prstGeom>
-        </p:spPr>
-      </p:pic>
-      <p:sp>
-        <p:nvSpPr>
-          <p:cNvPr id="8" name="文本占位符 1"/>
-          <p:cNvSpPr txBox="1"/>
-          <p:nvPr/>
-        </p:nvSpPr>
-        <p:spPr>
-          <a:xfrm>
-            <a:off x="6371771" y="263796"/>
-            <a:ext cx="5629085" cy="328059"/>
-          </a:xfrm>
-          <a:prstGeom prst="rect">
-            <a:avLst/>
-          </a:prstGeom>
-          <a:ln w="12700" cmpd="sng">
-            <a:noFill/>
-          </a:ln>
-        </p:spPr>
-        <p:txBody>
-          <a:bodyPr vert="horz" anchor="ctr"/>
-          <a:lstStyle>
-            <a:lvl1pPr marL="0" indent="0" algn="l" defTabSz="914400" rtl="0" eaLnBrk="1" latinLnBrk="0" hangingPunct="1">
-              <a:lnSpc>
-                <a:spcPct val="90000"/>
-              </a:lnSpc>
-              <a:spcBef>
-                <a:spcPts val="1000"/>
-              </a:spcBef>
-              <a:buFont typeface="Arial" panose="020B0604020202020204" pitchFamily="34" charset="0"/>
-              <a:buNone/>
-              <a:defRPr sz="1400" b="1" kern="1200">
-                <a:solidFill>
-                  <a:schemeClr val="tx1"/>
-                </a:solidFill>
-                <a:latin typeface="微软雅黑" charset="0"/>
-                <a:ea typeface="微软雅黑" charset="0"/>
-                <a:cs typeface="微软雅黑" charset="0"/>
-              </a:defRPr>
-            </a:lvl1pPr>
-            <a:lvl2pPr marL="685800" indent="-228600" algn="l" defTabSz="914400" rtl="0" eaLnBrk="1" latinLnBrk="0" hangingPunct="1">
-              <a:lnSpc>
-                <a:spcPct val="90000"/>
-              </a:lnSpc>
-              <a:spcBef>
-                <a:spcPts val="500"/>
-              </a:spcBef>
-              <a:buFont typeface="Arial" panose="020B0604020202020204" pitchFamily="34" charset="0"/>
-              <a:buChar char="•"/>
-              <a:defRPr sz="2400" kern="1200">
-                <a:solidFill>
-                  <a:schemeClr val="tx1"/>
-                </a:solidFill>
-                <a:latin typeface="+mn-lt"/>
-                <a:ea typeface="+mn-ea"/>
-                <a:cs typeface="+mn-cs"/>
-              </a:defRPr>
-            </a:lvl2pPr>
-            <a:lvl3pPr marL="1143000" indent="-228600" algn="l" defTabSz="914400" rtl="0" eaLnBrk="1" latinLnBrk="0" hangingPunct="1">
-              <a:lnSpc>
-                <a:spcPct val="90000"/>
-              </a:lnSpc>
-              <a:spcBef>
-                <a:spcPts val="500"/>
-              </a:spcBef>
-              <a:buFont typeface="Arial" panose="020B0604020202020204" pitchFamily="34" charset="0"/>
-              <a:buChar char="•"/>
-              <a:defRPr sz="2000" kern="1200">
-                <a:solidFill>
-                  <a:schemeClr val="tx1"/>
-                </a:solidFill>
-                <a:latin typeface="+mn-lt"/>
-                <a:ea typeface="+mn-ea"/>
-                <a:cs typeface="+mn-cs"/>
-              </a:defRPr>
-            </a:lvl3pPr>
-            <a:lvl4pPr marL="1600200" indent="-228600" algn="l" defTabSz="914400" rtl="0" eaLnBrk="1" latinLnBrk="0" hangingPunct="1">
-              <a:lnSpc>
-                <a:spcPct val="90000"/>
-              </a:lnSpc>
-              <a:spcBef>
-                <a:spcPts val="500"/>
-              </a:spcBef>
-              <a:buFont typeface="Arial" panose="020B0604020202020204" pitchFamily="34" charset="0"/>
-              <a:buChar char="•"/>
-              <a:defRPr sz="1800" kern="1200">
-                <a:solidFill>
-                  <a:schemeClr val="tx1"/>
-                </a:solidFill>
-                <a:latin typeface="+mn-lt"/>
-                <a:ea typeface="+mn-ea"/>
-                <a:cs typeface="+mn-cs"/>
-              </a:defRPr>
-            </a:lvl4pPr>
-            <a:lvl5pPr marL="2057400" indent="-228600" algn="l" defTabSz="914400" rtl="0" eaLnBrk="1" latinLnBrk="0" hangingPunct="1">
-              <a:lnSpc>
-                <a:spcPct val="90000"/>
-              </a:lnSpc>
-              <a:spcBef>
-                <a:spcPts val="500"/>
-              </a:spcBef>
-              <a:buFont typeface="Arial" panose="020B0604020202020204" pitchFamily="34" charset="0"/>
-              <a:buChar char="•"/>
-              <a:defRPr sz="1800" kern="1200">
-                <a:solidFill>
-                  <a:schemeClr val="tx1"/>
-                </a:solidFill>
-                <a:latin typeface="+mn-lt"/>
-                <a:ea typeface="+mn-ea"/>
-                <a:cs typeface="+mn-cs"/>
-              </a:defRPr>
-            </a:lvl5pPr>
-            <a:lvl6pPr marL="2514600" indent="-228600" algn="l" defTabSz="914400" rtl="0" eaLnBrk="1" latinLnBrk="0" hangingPunct="1">
-              <a:lnSpc>
-                <a:spcPct val="90000"/>
-              </a:lnSpc>
-              <a:spcBef>
-                <a:spcPts val="500"/>
-              </a:spcBef>
-              <a:buFont typeface="Arial" panose="020B0604020202020204" pitchFamily="34" charset="0"/>
-              <a:buChar char="•"/>
-              <a:defRPr sz="1800" kern="1200">
-                <a:solidFill>
-                  <a:schemeClr val="tx1"/>
-                </a:solidFill>
-                <a:latin typeface="+mn-lt"/>
-                <a:ea typeface="+mn-ea"/>
-                <a:cs typeface="+mn-cs"/>
-              </a:defRPr>
-            </a:lvl6pPr>
-            <a:lvl7pPr marL="2971800" indent="-228600" algn="l" defTabSz="914400" rtl="0" eaLnBrk="1" latinLnBrk="0" hangingPunct="1">
-              <a:lnSpc>
-                <a:spcPct val="90000"/>
-              </a:lnSpc>
-              <a:spcBef>
-                <a:spcPts val="500"/>
-              </a:spcBef>
-              <a:buFont typeface="Arial" panose="020B0604020202020204" pitchFamily="34" charset="0"/>
-              <a:buChar char="•"/>
-              <a:defRPr sz="1800" kern="1200">
-                <a:solidFill>
-                  <a:schemeClr val="tx1"/>
-                </a:solidFill>
-                <a:latin typeface="+mn-lt"/>
-                <a:ea typeface="+mn-ea"/>
-                <a:cs typeface="+mn-cs"/>
-              </a:defRPr>
-            </a:lvl7pPr>
-            <a:lvl8pPr marL="3429000" indent="-228600" algn="l" defTabSz="914400" rtl="0" eaLnBrk="1" latinLnBrk="0" hangingPunct="1">
-              <a:lnSpc>
-                <a:spcPct val="90000"/>
-              </a:lnSpc>
-              <a:spcBef>
-                <a:spcPts val="500"/>
-              </a:spcBef>
-              <a:buFont typeface="Arial" panose="020B0604020202020204" pitchFamily="34" charset="0"/>
-              <a:buChar char="•"/>
-              <a:defRPr sz="1800" kern="1200">
-                <a:solidFill>
-                  <a:schemeClr val="tx1"/>
-                </a:solidFill>
-                <a:latin typeface="+mn-lt"/>
-                <a:ea typeface="+mn-ea"/>
-                <a:cs typeface="+mn-cs"/>
-              </a:defRPr>
-            </a:lvl8pPr>
-            <a:lvl9pPr marL="3886200" indent="-228600" algn="l" defTabSz="914400" rtl="0" eaLnBrk="1" latinLnBrk="0" hangingPunct="1">
-              <a:lnSpc>
-                <a:spcPct val="90000"/>
-              </a:lnSpc>
-              <a:spcBef>
-                <a:spcPts val="500"/>
-              </a:spcBef>
-              <a:buFont typeface="Arial" panose="020B0604020202020204" pitchFamily="34" charset="0"/>
-              <a:buChar char="•"/>
-              <a:defRPr sz="1800" kern="1200">
-                <a:solidFill>
-                  <a:schemeClr val="tx1"/>
-                </a:solidFill>
-                <a:latin typeface="+mn-lt"/>
-                <a:ea typeface="+mn-ea"/>
-                <a:cs typeface="+mn-cs"/>
-              </a:defRPr>
-            </a:lvl9pPr>
-          </a:lstStyle>
-          <a:p>
-            <a:pPr algn="r"/>
-            <a:endParaRPr lang="en-US" altLang="zh-CN" dirty="0">
-              <a:solidFill>
-                <a:srgbClr val="704F95"/>
-              </a:solidFill>
-              <a:latin typeface="思源宋体 Medium" panose="02020500000000000000" pitchFamily="18" charset="-122"/>
-              <a:ea typeface="思源宋体 Medium" panose="02020500000000000000" pitchFamily="18" charset="-122"/>
-            </a:endParaRPr>
-          </a:p>
-        </p:txBody>
-      </p:sp>
-      <p:sp>
-        <p:nvSpPr>
-          <p:cNvPr id="6" name="Content Placeholder 2"/>
-          <p:cNvSpPr txBox="1"/>
-          <p:nvPr/>
-        </p:nvSpPr>
-        <p:spPr>
-          <a:xfrm>
-            <a:off x="871414" y="1434539"/>
-            <a:ext cx="10515600" cy="4351338"/>
-          </a:xfrm>
-          <a:prstGeom prst="rect">
-            <a:avLst/>
-          </a:prstGeom>
-        </p:spPr>
-        <p:txBody>
-          <a:bodyPr>
-            <a:normAutofit/>
-          </a:bodyPr>
-          <a:lstStyle>
-            <a:lvl1pPr marL="228600" indent="-228600" algn="l" defTabSz="914400" rtl="0" eaLnBrk="1" latinLnBrk="0" hangingPunct="1">
-              <a:lnSpc>
-                <a:spcPct val="90000"/>
-              </a:lnSpc>
-              <a:spcBef>
-                <a:spcPts val="1000"/>
-              </a:spcBef>
-              <a:buFont typeface="Arial" panose="020B0604020202020204" pitchFamily="34" charset="0"/>
-              <a:buChar char="•"/>
-              <a:defRPr sz="2800" kern="1200">
-                <a:solidFill>
-                  <a:schemeClr val="tx1"/>
-                </a:solidFill>
-                <a:latin typeface="+mn-lt"/>
-                <a:ea typeface="+mn-ea"/>
-                <a:cs typeface="+mn-cs"/>
-              </a:defRPr>
-            </a:lvl1pPr>
-            <a:lvl2pPr marL="685800" indent="-228600" algn="l" defTabSz="914400" rtl="0" eaLnBrk="1" latinLnBrk="0" hangingPunct="1">
-              <a:lnSpc>
-                <a:spcPct val="90000"/>
-              </a:lnSpc>
-              <a:spcBef>
-                <a:spcPts val="500"/>
-              </a:spcBef>
-              <a:buFont typeface="Arial" panose="020B0604020202020204" pitchFamily="34" charset="0"/>
-              <a:buChar char="•"/>
-              <a:defRPr sz="2400" kern="1200">
-                <a:solidFill>
-                  <a:schemeClr val="tx1"/>
-                </a:solidFill>
-                <a:latin typeface="+mn-lt"/>
-                <a:ea typeface="+mn-ea"/>
-                <a:cs typeface="+mn-cs"/>
-              </a:defRPr>
-            </a:lvl2pPr>
-            <a:lvl3pPr marL="1143000" indent="-228600" algn="l" defTabSz="914400" rtl="0" eaLnBrk="1" latinLnBrk="0" hangingPunct="1">
-              <a:lnSpc>
-                <a:spcPct val="90000"/>
-              </a:lnSpc>
-              <a:spcBef>
-                <a:spcPts val="500"/>
-              </a:spcBef>
-              <a:buFont typeface="Arial" panose="020B0604020202020204" pitchFamily="34" charset="0"/>
-              <a:buChar char="•"/>
-              <a:defRPr sz="2000" kern="1200">
-                <a:solidFill>
-                  <a:schemeClr val="tx1"/>
-                </a:solidFill>
-                <a:latin typeface="+mn-lt"/>
-                <a:ea typeface="+mn-ea"/>
-                <a:cs typeface="+mn-cs"/>
-              </a:defRPr>
-            </a:lvl3pPr>
-            <a:lvl4pPr marL="1600200" indent="-228600" algn="l" defTabSz="914400" rtl="0" eaLnBrk="1" latinLnBrk="0" hangingPunct="1">
-              <a:lnSpc>
-                <a:spcPct val="90000"/>
-              </a:lnSpc>
-              <a:spcBef>
-                <a:spcPts val="500"/>
-              </a:spcBef>
-              <a:buFont typeface="Arial" panose="020B0604020202020204" pitchFamily="34" charset="0"/>
-              <a:buChar char="•"/>
-              <a:defRPr sz="1800" kern="1200">
-                <a:solidFill>
-                  <a:schemeClr val="tx1"/>
-                </a:solidFill>
-                <a:latin typeface="+mn-lt"/>
-                <a:ea typeface="+mn-ea"/>
-                <a:cs typeface="+mn-cs"/>
-              </a:defRPr>
-            </a:lvl4pPr>
-            <a:lvl5pPr marL="2057400" indent="-228600" algn="l" defTabSz="914400" rtl="0" eaLnBrk="1" latinLnBrk="0" hangingPunct="1">
-              <a:lnSpc>
-                <a:spcPct val="90000"/>
-              </a:lnSpc>
-              <a:spcBef>
-                <a:spcPts val="500"/>
-              </a:spcBef>
-              <a:buFont typeface="Arial" panose="020B0604020202020204" pitchFamily="34" charset="0"/>
-              <a:buChar char="•"/>
-              <a:defRPr sz="1800" kern="1200">
-                <a:solidFill>
-                  <a:schemeClr val="tx1"/>
-                </a:solidFill>
-                <a:latin typeface="+mn-lt"/>
-                <a:ea typeface="+mn-ea"/>
-                <a:cs typeface="+mn-cs"/>
-              </a:defRPr>
-            </a:lvl5pPr>
-            <a:lvl6pPr marL="2514600" indent="-228600" algn="l" defTabSz="914400" rtl="0" eaLnBrk="1" latinLnBrk="0" hangingPunct="1">
-              <a:lnSpc>
-                <a:spcPct val="90000"/>
-              </a:lnSpc>
-              <a:spcBef>
-                <a:spcPts val="500"/>
-              </a:spcBef>
-              <a:buFont typeface="Arial" panose="020B0604020202020204" pitchFamily="34" charset="0"/>
-              <a:buChar char="•"/>
-              <a:defRPr sz="1800" kern="1200">
-                <a:solidFill>
-                  <a:schemeClr val="tx1"/>
-                </a:solidFill>
-                <a:latin typeface="+mn-lt"/>
-                <a:ea typeface="+mn-ea"/>
-                <a:cs typeface="+mn-cs"/>
-              </a:defRPr>
-            </a:lvl6pPr>
-            <a:lvl7pPr marL="2971800" indent="-228600" algn="l" defTabSz="914400" rtl="0" eaLnBrk="1" latinLnBrk="0" hangingPunct="1">
-              <a:lnSpc>
-                <a:spcPct val="90000"/>
-              </a:lnSpc>
-              <a:spcBef>
-                <a:spcPts val="500"/>
-              </a:spcBef>
-              <a:buFont typeface="Arial" panose="020B0604020202020204" pitchFamily="34" charset="0"/>
-              <a:buChar char="•"/>
-              <a:defRPr sz="1800" kern="1200">
-                <a:solidFill>
-                  <a:schemeClr val="tx1"/>
-                </a:solidFill>
-                <a:latin typeface="+mn-lt"/>
-                <a:ea typeface="+mn-ea"/>
-                <a:cs typeface="+mn-cs"/>
-              </a:defRPr>
-            </a:lvl7pPr>
-            <a:lvl8pPr marL="3429000" indent="-228600" algn="l" defTabSz="914400" rtl="0" eaLnBrk="1" latinLnBrk="0" hangingPunct="1">
-              <a:lnSpc>
-                <a:spcPct val="90000"/>
-              </a:lnSpc>
-              <a:spcBef>
-                <a:spcPts val="500"/>
-              </a:spcBef>
-              <a:buFont typeface="Arial" panose="020B0604020202020204" pitchFamily="34" charset="0"/>
-              <a:buChar char="•"/>
-              <a:defRPr sz="1800" kern="1200">
-                <a:solidFill>
-                  <a:schemeClr val="tx1"/>
-                </a:solidFill>
-                <a:latin typeface="+mn-lt"/>
-                <a:ea typeface="+mn-ea"/>
-                <a:cs typeface="+mn-cs"/>
-              </a:defRPr>
-            </a:lvl8pPr>
-            <a:lvl9pPr marL="3886200" indent="-228600" algn="l" defTabSz="914400" rtl="0" eaLnBrk="1" latinLnBrk="0" hangingPunct="1">
-              <a:lnSpc>
-                <a:spcPct val="90000"/>
-              </a:lnSpc>
-              <a:spcBef>
-                <a:spcPts val="500"/>
-              </a:spcBef>
-              <a:buFont typeface="Arial" panose="020B0604020202020204" pitchFamily="34" charset="0"/>
-              <a:buChar char="•"/>
-              <a:defRPr sz="1800" kern="1200">
-                <a:solidFill>
-                  <a:schemeClr val="tx1"/>
-                </a:solidFill>
-                <a:latin typeface="+mn-lt"/>
-                <a:ea typeface="+mn-ea"/>
-                <a:cs typeface="+mn-cs"/>
-              </a:defRPr>
-            </a:lvl9pPr>
-          </a:lstStyle>
-          <a:p>
-            <a:r>
-              <a:rPr lang="zh-CN" altLang="en-US" sz="2400" dirty="0"/>
-              <a:t>微内核将内核与系统服务层分离出来，如文件系统、网络、</a:t>
-            </a:r>
-            <a:r>
-              <a:rPr lang="en-US" altLang="zh-CN" sz="2400" dirty="0"/>
-              <a:t>GUI</a:t>
-            </a:r>
-            <a:r>
-              <a:rPr lang="zh-CN" altLang="en-US" sz="2400" dirty="0"/>
-              <a:t>等都变成用户态进程，内核只保留最重要的进程管理、内存管理、进程间通信等功能</a:t>
-            </a:r>
-            <a:endParaRPr lang="en-US" altLang="zh-CN" sz="2400" dirty="0"/>
-          </a:p>
-          <a:p>
-            <a:pPr lvl="1"/>
-            <a:r>
-              <a:rPr lang="zh-CN" altLang="en-US" sz="2000" dirty="0"/>
-              <a:t>安全</a:t>
-            </a:r>
-            <a:endParaRPr lang="en-US" altLang="zh-CN" sz="2000" dirty="0"/>
-          </a:p>
-          <a:p>
-            <a:pPr lvl="1"/>
-            <a:r>
-              <a:rPr lang="zh-CN" altLang="en-US" sz="2000" dirty="0"/>
-              <a:t>容错性好</a:t>
-            </a:r>
-            <a:endParaRPr lang="en-US" altLang="zh-CN" sz="2000" dirty="0"/>
-          </a:p>
-          <a:p>
-            <a:pPr lvl="1"/>
-            <a:r>
-              <a:rPr lang="zh-CN" altLang="en-US" sz="2000" dirty="0"/>
-              <a:t>模块化</a:t>
-            </a:r>
-            <a:endParaRPr lang="en-US" altLang="zh-CN" sz="2000" dirty="0"/>
-          </a:p>
-          <a:p>
-            <a:pPr lvl="1"/>
-            <a:r>
-              <a:rPr lang="zh-CN" altLang="en-US" sz="2000" dirty="0"/>
-              <a:t>可定制化</a:t>
-            </a:r>
-            <a:endParaRPr lang="en-US" altLang="zh-CN" sz="2000" dirty="0"/>
-          </a:p>
-          <a:p>
-            <a:r>
-              <a:rPr lang="zh-CN" altLang="en-US" sz="2400" dirty="0">
-                <a:latin typeface="+mn-ea"/>
-              </a:rPr>
-              <a:t>缺点</a:t>
-            </a:r>
-            <a:r>
-              <a:rPr lang="en-US" altLang="zh-CN" sz="2400" dirty="0">
-                <a:latin typeface="+mn-ea"/>
-              </a:rPr>
-              <a:t>:</a:t>
-            </a:r>
-            <a:r>
-              <a:rPr lang="zh-CN" altLang="en-US" sz="2400" dirty="0">
-                <a:latin typeface="+mn-ea"/>
-              </a:rPr>
-              <a:t>微内核的各个模块都是独立进程，需要进行进程间通信（</a:t>
-            </a:r>
-            <a:r>
-              <a:rPr lang="en-US" altLang="zh-CN" sz="2400" dirty="0">
-                <a:latin typeface="+mn-ea"/>
-              </a:rPr>
-              <a:t>IPC</a:t>
-            </a:r>
-            <a:r>
-              <a:rPr lang="zh-CN" altLang="en-US" sz="2400" dirty="0">
-                <a:latin typeface="+mn-ea"/>
-              </a:rPr>
-              <a:t>，</a:t>
-            </a:r>
-            <a:r>
-              <a:rPr lang="en-US" altLang="zh-CN" sz="2400" dirty="0">
-                <a:latin typeface="+mn-ea"/>
-              </a:rPr>
-              <a:t>Inter-Process Communication</a:t>
-            </a:r>
-            <a:r>
-              <a:rPr lang="zh-CN" altLang="en-US" sz="2400" dirty="0">
-                <a:latin typeface="+mn-ea"/>
-              </a:rPr>
-              <a:t>）</a:t>
-            </a:r>
-            <a:r>
-              <a:rPr lang="en-US" altLang="zh-CN" sz="2400" dirty="0">
-                <a:latin typeface="+mn-ea"/>
-              </a:rPr>
-              <a:t>,</a:t>
-            </a:r>
-            <a:r>
-              <a:rPr lang="zh-CN" altLang="en-US" sz="2400" dirty="0">
-                <a:latin typeface="+mn-ea"/>
-              </a:rPr>
-              <a:t>而大量的服务访问会导致</a:t>
-            </a:r>
-            <a:r>
-              <a:rPr lang="en-US" altLang="zh-CN" sz="2400" dirty="0">
-                <a:latin typeface="+mn-ea"/>
-              </a:rPr>
-              <a:t>IPC</a:t>
-            </a:r>
-            <a:r>
-              <a:rPr lang="zh-CN" altLang="en-US" sz="2400" dirty="0">
-                <a:latin typeface="+mn-ea"/>
-              </a:rPr>
-              <a:t>开销大</a:t>
-            </a:r>
-            <a:r>
-              <a:rPr lang="en-US" altLang="zh-CN" sz="2400" dirty="0">
-                <a:latin typeface="+mn-ea"/>
-              </a:rPr>
-              <a:t>,</a:t>
-            </a:r>
-            <a:r>
-              <a:rPr lang="zh-CN" altLang="en-US" sz="2400" dirty="0">
-                <a:latin typeface="+mn-ea"/>
-              </a:rPr>
-              <a:t> 成为性能瓶颈。</a:t>
-            </a:r>
-          </a:p>
-          <a:p>
-            <a:endParaRPr lang="en-US" altLang="zh-CN" sz="2400" dirty="0">
-              <a:latin typeface="+mn-ea"/>
-            </a:endParaRPr>
-          </a:p>
-        </p:txBody>
-      </p:sp>
-      <p:pic>
-        <p:nvPicPr>
-          <p:cNvPr id="2" name="图片 1">
-            <a:extLst>
-              <a:ext uri="{FF2B5EF4-FFF2-40B4-BE49-F238E27FC236}">
-                <a16:creationId xmlns:a16="http://schemas.microsoft.com/office/drawing/2014/main" id="{411A1B12-72FA-EE4F-9802-FB49D419E181}"/>
-              </a:ext>
-            </a:extLst>
-          </p:cNvPr>
-          <p:cNvPicPr>
-            <a:picLocks noChangeAspect="1"/>
-          </p:cNvPicPr>
-          <p:nvPr/>
-        </p:nvPicPr>
-        <p:blipFill>
-          <a:blip r:embed="rId4"/>
-          <a:stretch>
-            <a:fillRect/>
-          </a:stretch>
-        </p:blipFill>
-        <p:spPr>
-          <a:xfrm>
-            <a:off x="2328492" y="4477035"/>
-            <a:ext cx="4814827" cy="1892852"/>
-          </a:xfrm>
-          <a:prstGeom prst="rect">
-            <a:avLst/>
-          </a:prstGeom>
-        </p:spPr>
-      </p:pic>
-      <p:pic>
-        <p:nvPicPr>
-          <p:cNvPr id="5" name="图片 4">
-            <a:extLst>
-              <a:ext uri="{FF2B5EF4-FFF2-40B4-BE49-F238E27FC236}">
-                <a16:creationId xmlns:a16="http://schemas.microsoft.com/office/drawing/2014/main" id="{0299D861-11DF-564C-84A4-A54565C563C5}"/>
-              </a:ext>
-            </a:extLst>
-          </p:cNvPr>
-          <p:cNvPicPr>
-            <a:picLocks noChangeAspect="1"/>
-          </p:cNvPicPr>
-          <p:nvPr/>
-        </p:nvPicPr>
-        <p:blipFill>
-          <a:blip r:embed="rId5"/>
-          <a:stretch>
-            <a:fillRect/>
-          </a:stretch>
-        </p:blipFill>
-        <p:spPr>
-          <a:xfrm>
-            <a:off x="6688015" y="2416425"/>
-            <a:ext cx="1676400" cy="762000"/>
-          </a:xfrm>
-          <a:prstGeom prst="rect">
-            <a:avLst/>
-          </a:prstGeom>
-        </p:spPr>
-      </p:pic>
-      <p:pic>
-        <p:nvPicPr>
-          <p:cNvPr id="7" name="图片 6">
-            <a:extLst>
-              <a:ext uri="{FF2B5EF4-FFF2-40B4-BE49-F238E27FC236}">
-                <a16:creationId xmlns:a16="http://schemas.microsoft.com/office/drawing/2014/main" id="{AAB78801-83B1-684D-82BA-202C7133AF9A}"/>
-              </a:ext>
-            </a:extLst>
-          </p:cNvPr>
-          <p:cNvPicPr>
-            <a:picLocks noChangeAspect="1"/>
-          </p:cNvPicPr>
-          <p:nvPr/>
-        </p:nvPicPr>
-        <p:blipFill>
-          <a:blip r:embed="rId6"/>
-          <a:stretch>
-            <a:fillRect/>
-          </a:stretch>
-        </p:blipFill>
-        <p:spPr>
-          <a:xfrm>
-            <a:off x="4560802" y="2618027"/>
-            <a:ext cx="1886368" cy="550679"/>
-          </a:xfrm>
-          <a:prstGeom prst="rect">
-            <a:avLst/>
-          </a:prstGeom>
-        </p:spPr>
-      </p:pic>
-    </p:spTree>
-    <p:extLst>
-      <p:ext uri="{BB962C8B-B14F-4D97-AF65-F5344CB8AC3E}">
-        <p14:creationId xmlns:p14="http://schemas.microsoft.com/office/powerpoint/2010/main" val="978010887"/>
-      </p:ext>
-    </p:extLst>
   </p:cSld>
   <p:clrMapOvr>
     <a:masterClrMapping/>

--- a/技术交流报告.pptx
+++ b/技术交流报告.pptx
@@ -286,7 +286,7 @@
           <a:p>
             <a:fld id="{DE75668F-B37B-164D-A62C-3FF5A8BC808F}" type="datetimeFigureOut">
               <a:rPr lang="en-US" smtClean="0"/>
-              <a:t>8/14/22</a:t>
+              <a:t>8/15/22</a:t>
             </a:fld>
             <a:endParaRPr lang="en-US"/>
           </a:p>
@@ -3840,7 +3840,7 @@
           <a:p>
             <a:fld id="{CE875574-B30F-E946-8A30-5D40B09C42BE}" type="datetimeFigureOut">
               <a:rPr lang="en-US" smtClean="0"/>
-              <a:t>8/14/22</a:t>
+              <a:t>8/15/22</a:t>
             </a:fld>
             <a:endParaRPr lang="en-US"/>
           </a:p>
@@ -4005,7 +4005,7 @@
           <a:p>
             <a:fld id="{CE875574-B30F-E946-8A30-5D40B09C42BE}" type="datetimeFigureOut">
               <a:rPr lang="en-US" smtClean="0"/>
-              <a:t>8/14/22</a:t>
+              <a:t>8/15/22</a:t>
             </a:fld>
             <a:endParaRPr lang="en-US"/>
           </a:p>
@@ -4180,7 +4180,7 @@
           <a:p>
             <a:fld id="{CE875574-B30F-E946-8A30-5D40B09C42BE}" type="datetimeFigureOut">
               <a:rPr lang="en-US" smtClean="0"/>
-              <a:t>8/14/22</a:t>
+              <a:t>8/15/22</a:t>
             </a:fld>
             <a:endParaRPr lang="en-US"/>
           </a:p>
@@ -4420,7 +4420,7 @@
           <a:p>
             <a:fld id="{CE875574-B30F-E946-8A30-5D40B09C42BE}" type="datetimeFigureOut">
               <a:rPr lang="en-US" smtClean="0"/>
-              <a:t>8/14/22</a:t>
+              <a:t>8/15/22</a:t>
             </a:fld>
             <a:endParaRPr lang="en-US"/>
           </a:p>
@@ -4661,7 +4661,7 @@
           <a:p>
             <a:fld id="{CE875574-B30F-E946-8A30-5D40B09C42BE}" type="datetimeFigureOut">
               <a:rPr lang="en-US" smtClean="0"/>
-              <a:t>8/14/22</a:t>
+              <a:t>8/15/22</a:t>
             </a:fld>
             <a:endParaRPr lang="en-US"/>
           </a:p>
@@ -4888,7 +4888,7 @@
           <a:p>
             <a:fld id="{CE875574-B30F-E946-8A30-5D40B09C42BE}" type="datetimeFigureOut">
               <a:rPr lang="en-US" smtClean="0"/>
-              <a:t>8/14/22</a:t>
+              <a:t>8/15/22</a:t>
             </a:fld>
             <a:endParaRPr lang="en-US"/>
           </a:p>
@@ -5250,7 +5250,7 @@
           <a:p>
             <a:fld id="{CE875574-B30F-E946-8A30-5D40B09C42BE}" type="datetimeFigureOut">
               <a:rPr lang="en-US" smtClean="0"/>
-              <a:t>8/14/22</a:t>
+              <a:t>8/15/22</a:t>
             </a:fld>
             <a:endParaRPr lang="en-US"/>
           </a:p>
@@ -5363,7 +5363,7 @@
           <a:p>
             <a:fld id="{CE875574-B30F-E946-8A30-5D40B09C42BE}" type="datetimeFigureOut">
               <a:rPr lang="en-US" smtClean="0"/>
-              <a:t>8/14/22</a:t>
+              <a:t>8/15/22</a:t>
             </a:fld>
             <a:endParaRPr lang="en-US"/>
           </a:p>
@@ -5453,7 +5453,7 @@
           <a:p>
             <a:fld id="{CE875574-B30F-E946-8A30-5D40B09C42BE}" type="datetimeFigureOut">
               <a:rPr lang="en-US" smtClean="0"/>
-              <a:t>8/14/22</a:t>
+              <a:t>8/15/22</a:t>
             </a:fld>
             <a:endParaRPr lang="en-US"/>
           </a:p>
@@ -5725,7 +5725,7 @@
           <a:p>
             <a:fld id="{CE875574-B30F-E946-8A30-5D40B09C42BE}" type="datetimeFigureOut">
               <a:rPr lang="en-US" smtClean="0"/>
-              <a:t>8/14/22</a:t>
+              <a:t>8/15/22</a:t>
             </a:fld>
             <a:endParaRPr lang="en-US"/>
           </a:p>
@@ -5977,7 +5977,7 @@
           <a:p>
             <a:fld id="{CE875574-B30F-E946-8A30-5D40B09C42BE}" type="datetimeFigureOut">
               <a:rPr lang="en-US" smtClean="0"/>
-              <a:t>8/14/22</a:t>
+              <a:t>8/15/22</a:t>
             </a:fld>
             <a:endParaRPr lang="en-US"/>
           </a:p>
@@ -6185,7 +6185,7 @@
           <a:p>
             <a:fld id="{CE875574-B30F-E946-8A30-5D40B09C42BE}" type="datetimeFigureOut">
               <a:rPr lang="en-US" smtClean="0"/>
-              <a:t>8/14/22</a:t>
+              <a:t>8/15/22</a:t>
             </a:fld>
             <a:endParaRPr lang="en-US"/>
           </a:p>
@@ -24544,7 +24544,7 @@
         <p:spPr>
           <a:xfrm>
             <a:off x="3843377" y="5233290"/>
-            <a:ext cx="1483035" cy="307777"/>
+            <a:ext cx="1506118" cy="307777"/>
           </a:xfrm>
           <a:prstGeom prst="rect">
             <a:avLst/>
@@ -24563,7 +24563,7 @@
                   <a:srgbClr val="7030A0"/>
                 </a:solidFill>
               </a:rPr>
-              <a:t>Io,</a:t>
+              <a:t>IO,</a:t>
             </a:r>
             <a:r>
               <a:rPr kumimoji="1" lang="zh-CN" altLang="en-US" sz="1400" dirty="0">
@@ -24591,7 +24591,7 @@
         <p:spPr>
           <a:xfrm>
             <a:off x="6397234" y="5211221"/>
-            <a:ext cx="1039067" cy="307777"/>
+            <a:ext cx="1066318" cy="307777"/>
           </a:xfrm>
           <a:prstGeom prst="rect">
             <a:avLst/>
@@ -24610,7 +24610,7 @@
                   <a:srgbClr val="7030A0"/>
                 </a:solidFill>
               </a:rPr>
-              <a:t>io</a:t>
+              <a:t>IO</a:t>
             </a:r>
             <a:r>
               <a:rPr kumimoji="1" lang="zh-CN" altLang="en-US" sz="1400" dirty="0">
@@ -26315,11 +26315,14 @@
               <a:t>compute_num</a:t>
             </a:r>
             <a:r>
-              <a:rPr lang="en-US" altLang="zh-CN" sz="2000" dirty="0">
+              <a:rPr lang="en-US" altLang="zh-CN" sz="2000">
                 <a:sym typeface="+mn-ea"/>
               </a:rPr>
-              <a:t>=10000</a:t>
-            </a:r>
+              <a:t>=1000</a:t>
+            </a:r>
+            <a:endParaRPr lang="en-US" altLang="zh-CN" sz="2000" dirty="0">
+              <a:sym typeface="+mn-ea"/>
+            </a:endParaRPr>
           </a:p>
           <a:p>
             <a:pPr lvl="1"/>
@@ -26606,7 +26609,7 @@
                     <a:lstStyle/>
                     <a:p>
                       <a:r>
-                        <a:rPr lang="en-US" altLang="zh-CN"/>
+                        <a:rPr lang="en-US" altLang="zh-CN" dirty="0"/>
                         <a:t>3580</a:t>
                       </a:r>
                       <a:endParaRPr lang="zh-CN" altLang="en-US" dirty="0"/>

--- a/技术交流报告.pptx
+++ b/技术交流报告.pptx
@@ -11812,10 +11812,18 @@
               <a:t>，封装为</a:t>
             </a:r>
             <a:r>
-              <a:rPr kumimoji="1" lang="en-US" altLang="zh-CN" sz="1400" dirty="0" err="1"/>
+              <a:rPr kumimoji="1" lang="en-US" altLang="zh-CN" sz="1400" dirty="0" err="1">
+                <a:solidFill>
+                  <a:srgbClr val="7030A0"/>
+                </a:solidFill>
+              </a:rPr>
               <a:t>fd</a:t>
             </a:r>
-            <a:endParaRPr kumimoji="1" lang="zh-CN" altLang="en-US" sz="1400" dirty="0"/>
+            <a:endParaRPr kumimoji="1" lang="zh-CN" altLang="en-US" sz="1400" dirty="0">
+              <a:solidFill>
+                <a:srgbClr val="7030A0"/>
+              </a:solidFill>
+            </a:endParaRPr>
           </a:p>
         </p:txBody>
       </p:sp>
@@ -11970,8 +11978,8 @@
         </p:nvSpPr>
         <p:spPr>
           <a:xfrm>
-            <a:off x="3873210" y="4445045"/>
-            <a:ext cx="1261884" cy="307777"/>
+            <a:off x="3662784" y="4513508"/>
+            <a:ext cx="1451038" cy="307777"/>
           </a:xfrm>
           <a:prstGeom prst="rect">
             <a:avLst/>
@@ -11986,7 +11994,19 @@
           <a:p>
             <a:r>
               <a:rPr kumimoji="1" lang="zh-CN" altLang="en-US" sz="1400" dirty="0"/>
-              <a:t>分享给发送方</a:t>
+              <a:t>分享</a:t>
+            </a:r>
+            <a:r>
+              <a:rPr kumimoji="1" lang="en-US" altLang="zh-CN" sz="1400" dirty="0" err="1">
+                <a:solidFill>
+                  <a:srgbClr val="7030A0"/>
+                </a:solidFill>
+              </a:rPr>
+              <a:t>fd</a:t>
+            </a:r>
+            <a:r>
+              <a:rPr kumimoji="1" lang="zh-CN" altLang="en-US" sz="1400" dirty="0"/>
+              <a:t>给发送方</a:t>
             </a:r>
           </a:p>
         </p:txBody>
@@ -12006,7 +12026,7 @@
         <p:spPr>
           <a:xfrm>
             <a:off x="6834790" y="5109567"/>
-            <a:ext cx="1045479" cy="307777"/>
+            <a:ext cx="1593706" cy="307777"/>
           </a:xfrm>
           <a:prstGeom prst="rect">
             <a:avLst/>
@@ -12019,6 +12039,18 @@
           </a:bodyPr>
           <a:lstStyle/>
           <a:p>
+            <a:r>
+              <a:rPr kumimoji="1" lang="zh-CN" altLang="en-US" sz="1400" dirty="0"/>
+              <a:t>使用</a:t>
+            </a:r>
+            <a:r>
+              <a:rPr kumimoji="1" lang="en-US" altLang="zh-CN" sz="1400" dirty="0" err="1">
+                <a:solidFill>
+                  <a:srgbClr val="7030A0"/>
+                </a:solidFill>
+              </a:rPr>
+              <a:t>fd</a:t>
+            </a:r>
             <a:r>
               <a:rPr kumimoji="1" lang="zh-CN" altLang="en-US" sz="1400" dirty="0"/>
               <a:t>注册</a:t>
@@ -12999,7 +13031,7 @@
         <p:spPr>
           <a:xfrm>
             <a:off x="3757361" y="4620439"/>
-            <a:ext cx="1261884" cy="307777"/>
+            <a:ext cx="1883849" cy="307777"/>
           </a:xfrm>
           <a:prstGeom prst="rect">
             <a:avLst/>
@@ -13016,6 +13048,11 @@
               <a:rPr kumimoji="1" lang="zh-CN" altLang="en-US" sz="1400" dirty="0"/>
               <a:t>使用硬件指令</a:t>
             </a:r>
+            <a:r>
+              <a:rPr kumimoji="1" lang="en-US" altLang="zh-CN" sz="1400" dirty="0" err="1"/>
+              <a:t>senduipi</a:t>
+            </a:r>
+            <a:endParaRPr kumimoji="1" lang="zh-CN" altLang="en-US" sz="1400" dirty="0"/>
           </a:p>
         </p:txBody>
       </p:sp>
@@ -18376,8 +18413,12 @@
                         <a:buNone/>
                       </a:pPr>
                       <a:r>
-                        <a:rPr lang="en-US" altLang="zh-CN"/>
-                        <a:t>uintr (thread)</a:t>
+                        <a:rPr lang="en-US" altLang="zh-CN" dirty="0" err="1"/>
+                        <a:t>uintr</a:t>
+                      </a:r>
+                      <a:r>
+                        <a:rPr lang="en-US" altLang="zh-CN" dirty="0"/>
+                        <a:t> (thread)</a:t>
                       </a:r>
                     </a:p>
                   </a:txBody>
@@ -26315,14 +26356,11 @@
               <a:t>compute_num</a:t>
             </a:r>
             <a:r>
-              <a:rPr lang="en-US" altLang="zh-CN" sz="2000">
+              <a:rPr lang="en-US" altLang="zh-CN" sz="2000" dirty="0">
                 <a:sym typeface="+mn-ea"/>
               </a:rPr>
               <a:t>=1000</a:t>
             </a:r>
-            <a:endParaRPr lang="en-US" altLang="zh-CN" sz="2000" dirty="0">
-              <a:sym typeface="+mn-ea"/>
-            </a:endParaRPr>
           </a:p>
           <a:p>
             <a:pPr lvl="1"/>

--- a/技术交流报告.pptx
+++ b/技术交流报告.pptx
@@ -286,7 +286,7 @@
           <a:p>
             <a:fld id="{DE75668F-B37B-164D-A62C-3FF5A8BC808F}" type="datetimeFigureOut">
               <a:rPr lang="en-US" smtClean="0"/>
-              <a:t>8/15/22</a:t>
+              <a:t>8/18/22</a:t>
             </a:fld>
             <a:endParaRPr lang="en-US"/>
           </a:p>
@@ -3840,7 +3840,7 @@
           <a:p>
             <a:fld id="{CE875574-B30F-E946-8A30-5D40B09C42BE}" type="datetimeFigureOut">
               <a:rPr lang="en-US" smtClean="0"/>
-              <a:t>8/15/22</a:t>
+              <a:t>8/18/22</a:t>
             </a:fld>
             <a:endParaRPr lang="en-US"/>
           </a:p>
@@ -4005,7 +4005,7 @@
           <a:p>
             <a:fld id="{CE875574-B30F-E946-8A30-5D40B09C42BE}" type="datetimeFigureOut">
               <a:rPr lang="en-US" smtClean="0"/>
-              <a:t>8/15/22</a:t>
+              <a:t>8/18/22</a:t>
             </a:fld>
             <a:endParaRPr lang="en-US"/>
           </a:p>
@@ -4180,7 +4180,7 @@
           <a:p>
             <a:fld id="{CE875574-B30F-E946-8A30-5D40B09C42BE}" type="datetimeFigureOut">
               <a:rPr lang="en-US" smtClean="0"/>
-              <a:t>8/15/22</a:t>
+              <a:t>8/18/22</a:t>
             </a:fld>
             <a:endParaRPr lang="en-US"/>
           </a:p>
@@ -4420,7 +4420,7 @@
           <a:p>
             <a:fld id="{CE875574-B30F-E946-8A30-5D40B09C42BE}" type="datetimeFigureOut">
               <a:rPr lang="en-US" smtClean="0"/>
-              <a:t>8/15/22</a:t>
+              <a:t>8/18/22</a:t>
             </a:fld>
             <a:endParaRPr lang="en-US"/>
           </a:p>
@@ -4661,7 +4661,7 @@
           <a:p>
             <a:fld id="{CE875574-B30F-E946-8A30-5D40B09C42BE}" type="datetimeFigureOut">
               <a:rPr lang="en-US" smtClean="0"/>
-              <a:t>8/15/22</a:t>
+              <a:t>8/18/22</a:t>
             </a:fld>
             <a:endParaRPr lang="en-US"/>
           </a:p>
@@ -4888,7 +4888,7 @@
           <a:p>
             <a:fld id="{CE875574-B30F-E946-8A30-5D40B09C42BE}" type="datetimeFigureOut">
               <a:rPr lang="en-US" smtClean="0"/>
-              <a:t>8/15/22</a:t>
+              <a:t>8/18/22</a:t>
             </a:fld>
             <a:endParaRPr lang="en-US"/>
           </a:p>
@@ -5250,7 +5250,7 @@
           <a:p>
             <a:fld id="{CE875574-B30F-E946-8A30-5D40B09C42BE}" type="datetimeFigureOut">
               <a:rPr lang="en-US" smtClean="0"/>
-              <a:t>8/15/22</a:t>
+              <a:t>8/18/22</a:t>
             </a:fld>
             <a:endParaRPr lang="en-US"/>
           </a:p>
@@ -5363,7 +5363,7 @@
           <a:p>
             <a:fld id="{CE875574-B30F-E946-8A30-5D40B09C42BE}" type="datetimeFigureOut">
               <a:rPr lang="en-US" smtClean="0"/>
-              <a:t>8/15/22</a:t>
+              <a:t>8/18/22</a:t>
             </a:fld>
             <a:endParaRPr lang="en-US"/>
           </a:p>
@@ -5453,7 +5453,7 @@
           <a:p>
             <a:fld id="{CE875574-B30F-E946-8A30-5D40B09C42BE}" type="datetimeFigureOut">
               <a:rPr lang="en-US" smtClean="0"/>
-              <a:t>8/15/22</a:t>
+              <a:t>8/18/22</a:t>
             </a:fld>
             <a:endParaRPr lang="en-US"/>
           </a:p>
@@ -5725,7 +5725,7 @@
           <a:p>
             <a:fld id="{CE875574-B30F-E946-8A30-5D40B09C42BE}" type="datetimeFigureOut">
               <a:rPr lang="en-US" smtClean="0"/>
-              <a:t>8/15/22</a:t>
+              <a:t>8/18/22</a:t>
             </a:fld>
             <a:endParaRPr lang="en-US"/>
           </a:p>
@@ -5977,7 +5977,7 @@
           <a:p>
             <a:fld id="{CE875574-B30F-E946-8A30-5D40B09C42BE}" type="datetimeFigureOut">
               <a:rPr lang="en-US" smtClean="0"/>
-              <a:t>8/15/22</a:t>
+              <a:t>8/18/22</a:t>
             </a:fld>
             <a:endParaRPr lang="en-US"/>
           </a:p>
@@ -6185,7 +6185,7 @@
           <a:p>
             <a:fld id="{CE875574-B30F-E946-8A30-5D40B09C42BE}" type="datetimeFigureOut">
               <a:rPr lang="en-US" smtClean="0"/>
-              <a:t>8/15/22</a:t>
+              <a:t>8/18/22</a:t>
             </a:fld>
             <a:endParaRPr lang="en-US"/>
           </a:p>
@@ -7036,6 +7036,12 @@
               </a:defRPr>
             </a:lvl9pPr>
           </a:lstStyle>
+          <a:p>
+            <a:r>
+              <a:rPr lang="en-US" altLang="zh-CN" dirty="0"/>
+              <a:t>proj6-RV64N-user-level-interrupt</a:t>
+            </a:r>
+          </a:p>
           <a:p>
             <a:r>
               <a:rPr lang="zh-CN" altLang="en-US" dirty="0"/>
